--- a/Employee_Data_Analysis_2.pptx
+++ b/Employee_Data_Analysis_2.pptx
@@ -5,7 +5,7 @@
     <p:sldMasterId id="2147483648" r:id="rId1"/>
   </p:sldMasterIdLst>
   <p:notesMasterIdLst>
-    <p:notesMasterId r:id="rId14"/>
+    <p:notesMasterId r:id="rId15"/>
   </p:notesMasterIdLst>
   <p:sldIdLst>
     <p:sldId id="256" r:id="rId2"/>
@@ -19,7 +19,8 @@
     <p:sldId id="263" r:id="rId10"/>
     <p:sldId id="264" r:id="rId11"/>
     <p:sldId id="265" r:id="rId12"/>
-    <p:sldId id="268" r:id="rId13"/>
+    <p:sldId id="270" r:id="rId13"/>
+    <p:sldId id="268" r:id="rId14"/>
   </p:sldIdLst>
   <p:sldSz cx="12192000" cy="6858000"/>
   <p:notesSz cx="12192000" cy="6858000"/>
@@ -120,7 +121,7 @@
   </p:defaultTextStyle>
   <p:extLst>
     <p:ext uri="{EFAFB233-063F-42B5-8137-9DF3F51BA10A}">
-      <p15:sldGuideLst xmlns:p15="http://schemas.microsoft.com/office/powerpoint/2012/main" xmlns="">
+      <p15:sldGuideLst xmlns="" xmlns:p15="http://schemas.microsoft.com/office/powerpoint/2012/main">
         <p15:guide id="1" orient="horz" pos="2880">
           <p15:clr>
             <a:srgbClr val="A4A3A4"/>
@@ -164,6 +165,332 @@
     </pc:docChg>
   </pc:docChgLst>
 </pc:chgInfo>
+</file>
+
+<file path=ppt/charts/chart1.xml><?xml version="1.0" encoding="utf-8"?>
+<c:chartSpace xmlns:c="http://schemas.openxmlformats.org/drawingml/2006/chart" xmlns:a="http://schemas.openxmlformats.org/drawingml/2006/main" xmlns:r="http://schemas.openxmlformats.org/officeDocument/2006/relationships">
+  <c:lang val="en-US"/>
+  <c:pivotSource>
+    <c:name>[dateset 2005.xlsx]Sheet4!PivotTable1</c:name>
+    <c:fmtId val="7"/>
+  </c:pivotSource>
+  <c:chart>
+    <c:pivotFmts>
+      <c:pivotFmt>
+        <c:idx val="0"/>
+        <c:marker>
+          <c:symbol val="none"/>
+        </c:marker>
+      </c:pivotFmt>
+      <c:pivotFmt>
+        <c:idx val="1"/>
+        <c:marker>
+          <c:symbol val="none"/>
+        </c:marker>
+      </c:pivotFmt>
+      <c:pivotFmt>
+        <c:idx val="2"/>
+        <c:marker>
+          <c:symbol val="none"/>
+        </c:marker>
+      </c:pivotFmt>
+      <c:pivotFmt>
+        <c:idx val="3"/>
+        <c:marker>
+          <c:symbol val="none"/>
+        </c:marker>
+      </c:pivotFmt>
+      <c:pivotFmt>
+        <c:idx val="4"/>
+        <c:marker>
+          <c:symbol val="none"/>
+        </c:marker>
+      </c:pivotFmt>
+    </c:pivotFmts>
+    <c:plotArea>
+      <c:layout/>
+      <c:barChart>
+        <c:barDir val="col"/>
+        <c:grouping val="clustered"/>
+        <c:ser>
+          <c:idx val="0"/>
+          <c:order val="0"/>
+          <c:tx>
+            <c:strRef>
+              <c:f>Sheet4!$B$5:$B$6</c:f>
+              <c:strCache>
+                <c:ptCount val="1"/>
+                <c:pt idx="0">
+                  <c:v>Involuntary</c:v>
+                </c:pt>
+              </c:strCache>
+            </c:strRef>
+          </c:tx>
+          <c:cat>
+            <c:strRef>
+              <c:f>Sheet4!$A$7:$A$10</c:f>
+              <c:strCache>
+                <c:ptCount val="3"/>
+                <c:pt idx="0">
+                  <c:v>Contract</c:v>
+                </c:pt>
+                <c:pt idx="1">
+                  <c:v>Full-Time</c:v>
+                </c:pt>
+                <c:pt idx="2">
+                  <c:v>Part-Time</c:v>
+                </c:pt>
+              </c:strCache>
+            </c:strRef>
+          </c:cat>
+          <c:val>
+            <c:numRef>
+              <c:f>Sheet4!$B$7:$B$10</c:f>
+              <c:numCache>
+                <c:formatCode>General</c:formatCode>
+                <c:ptCount val="3"/>
+                <c:pt idx="0">
+                  <c:v>7</c:v>
+                </c:pt>
+                <c:pt idx="1">
+                  <c:v>4</c:v>
+                </c:pt>
+                <c:pt idx="2">
+                  <c:v>3</c:v>
+                </c:pt>
+              </c:numCache>
+            </c:numRef>
+          </c:val>
+        </c:ser>
+        <c:ser>
+          <c:idx val="1"/>
+          <c:order val="1"/>
+          <c:tx>
+            <c:strRef>
+              <c:f>Sheet4!$C$5:$C$6</c:f>
+              <c:strCache>
+                <c:ptCount val="1"/>
+                <c:pt idx="0">
+                  <c:v>Resignation</c:v>
+                </c:pt>
+              </c:strCache>
+            </c:strRef>
+          </c:tx>
+          <c:cat>
+            <c:strRef>
+              <c:f>Sheet4!$A$7:$A$10</c:f>
+              <c:strCache>
+                <c:ptCount val="3"/>
+                <c:pt idx="0">
+                  <c:v>Contract</c:v>
+                </c:pt>
+                <c:pt idx="1">
+                  <c:v>Full-Time</c:v>
+                </c:pt>
+                <c:pt idx="2">
+                  <c:v>Part-Time</c:v>
+                </c:pt>
+              </c:strCache>
+            </c:strRef>
+          </c:cat>
+          <c:val>
+            <c:numRef>
+              <c:f>Sheet4!$C$7:$C$10</c:f>
+              <c:numCache>
+                <c:formatCode>General</c:formatCode>
+                <c:ptCount val="3"/>
+                <c:pt idx="0">
+                  <c:v>4</c:v>
+                </c:pt>
+                <c:pt idx="1">
+                  <c:v>6</c:v>
+                </c:pt>
+                <c:pt idx="2">
+                  <c:v>4</c:v>
+                </c:pt>
+              </c:numCache>
+            </c:numRef>
+          </c:val>
+        </c:ser>
+        <c:ser>
+          <c:idx val="2"/>
+          <c:order val="2"/>
+          <c:tx>
+            <c:strRef>
+              <c:f>Sheet4!$D$5:$D$6</c:f>
+              <c:strCache>
+                <c:ptCount val="1"/>
+                <c:pt idx="0">
+                  <c:v>Retirement</c:v>
+                </c:pt>
+              </c:strCache>
+            </c:strRef>
+          </c:tx>
+          <c:cat>
+            <c:strRef>
+              <c:f>Sheet4!$A$7:$A$10</c:f>
+              <c:strCache>
+                <c:ptCount val="3"/>
+                <c:pt idx="0">
+                  <c:v>Contract</c:v>
+                </c:pt>
+                <c:pt idx="1">
+                  <c:v>Full-Time</c:v>
+                </c:pt>
+                <c:pt idx="2">
+                  <c:v>Part-Time</c:v>
+                </c:pt>
+              </c:strCache>
+            </c:strRef>
+          </c:cat>
+          <c:val>
+            <c:numRef>
+              <c:f>Sheet4!$D$7:$D$10</c:f>
+              <c:numCache>
+                <c:formatCode>General</c:formatCode>
+                <c:ptCount val="3"/>
+                <c:pt idx="0">
+                  <c:v>5</c:v>
+                </c:pt>
+                <c:pt idx="1">
+                  <c:v>8</c:v>
+                </c:pt>
+                <c:pt idx="2">
+                  <c:v>6</c:v>
+                </c:pt>
+              </c:numCache>
+            </c:numRef>
+          </c:val>
+        </c:ser>
+        <c:ser>
+          <c:idx val="3"/>
+          <c:order val="3"/>
+          <c:tx>
+            <c:strRef>
+              <c:f>Sheet4!$E$5:$E$6</c:f>
+              <c:strCache>
+                <c:ptCount val="1"/>
+                <c:pt idx="0">
+                  <c:v>Unk</c:v>
+                </c:pt>
+              </c:strCache>
+            </c:strRef>
+          </c:tx>
+          <c:cat>
+            <c:strRef>
+              <c:f>Sheet4!$A$7:$A$10</c:f>
+              <c:strCache>
+                <c:ptCount val="3"/>
+                <c:pt idx="0">
+                  <c:v>Contract</c:v>
+                </c:pt>
+                <c:pt idx="1">
+                  <c:v>Full-Time</c:v>
+                </c:pt>
+                <c:pt idx="2">
+                  <c:v>Part-Time</c:v>
+                </c:pt>
+              </c:strCache>
+            </c:strRef>
+          </c:cat>
+          <c:val>
+            <c:numRef>
+              <c:f>Sheet4!$E$7:$E$10</c:f>
+              <c:numCache>
+                <c:formatCode>General</c:formatCode>
+                <c:ptCount val="3"/>
+              </c:numCache>
+            </c:numRef>
+          </c:val>
+        </c:ser>
+        <c:ser>
+          <c:idx val="4"/>
+          <c:order val="4"/>
+          <c:tx>
+            <c:strRef>
+              <c:f>Sheet4!$F$5:$F$6</c:f>
+              <c:strCache>
+                <c:ptCount val="1"/>
+                <c:pt idx="0">
+                  <c:v>Voluntary</c:v>
+                </c:pt>
+              </c:strCache>
+            </c:strRef>
+          </c:tx>
+          <c:cat>
+            <c:strRef>
+              <c:f>Sheet4!$A$7:$A$10</c:f>
+              <c:strCache>
+                <c:ptCount val="3"/>
+                <c:pt idx="0">
+                  <c:v>Contract</c:v>
+                </c:pt>
+                <c:pt idx="1">
+                  <c:v>Full-Time</c:v>
+                </c:pt>
+                <c:pt idx="2">
+                  <c:v>Part-Time</c:v>
+                </c:pt>
+              </c:strCache>
+            </c:strRef>
+          </c:cat>
+          <c:val>
+            <c:numRef>
+              <c:f>Sheet4!$F$7:$F$10</c:f>
+              <c:numCache>
+                <c:formatCode>General</c:formatCode>
+                <c:ptCount val="3"/>
+                <c:pt idx="0">
+                  <c:v>5</c:v>
+                </c:pt>
+                <c:pt idx="1">
+                  <c:v>5</c:v>
+                </c:pt>
+                <c:pt idx="2">
+                  <c:v>2</c:v>
+                </c:pt>
+              </c:numCache>
+            </c:numRef>
+          </c:val>
+        </c:ser>
+        <c:axId val="102472320"/>
+        <c:axId val="139440512"/>
+      </c:barChart>
+      <c:catAx>
+        <c:axId val="102472320"/>
+        <c:scaling>
+          <c:orientation val="minMax"/>
+        </c:scaling>
+        <c:axPos val="b"/>
+        <c:tickLblPos val="nextTo"/>
+        <c:crossAx val="139440512"/>
+        <c:crosses val="autoZero"/>
+        <c:auto val="1"/>
+        <c:lblAlgn val="ctr"/>
+        <c:lblOffset val="100"/>
+      </c:catAx>
+      <c:valAx>
+        <c:axId val="139440512"/>
+        <c:scaling>
+          <c:orientation val="minMax"/>
+        </c:scaling>
+        <c:axPos val="l"/>
+        <c:majorGridlines/>
+        <c:numFmt formatCode="General" sourceLinked="1"/>
+        <c:tickLblPos val="nextTo"/>
+        <c:crossAx val="102472320"/>
+        <c:crosses val="autoZero"/>
+        <c:crossBetween val="between"/>
+      </c:valAx>
+    </c:plotArea>
+    <c:legend>
+      <c:legendPos val="r"/>
+      <c:layout/>
+    </c:legend>
+    <c:plotVisOnly val="1"/>
+  </c:chart>
+  <c:externalData r:id="rId1"/>
+</c:chartSpace>
 </file>
 
 <file path=ppt/notesMasters/notesMaster1.xml><?xml version="1.0" encoding="utf-8"?>
@@ -418,7 +745,7 @@
     </p:spTree>
     <p:extLst>
       <p:ext uri="{BB962C8B-B14F-4D97-AF65-F5344CB8AC3E}">
-        <p14:creationId xmlns:p14="http://schemas.microsoft.com/office/powerpoint/2010/main" xmlns="" val="2918557904"/>
+        <p14:creationId xmlns="" xmlns:p14="http://schemas.microsoft.com/office/powerpoint/2010/main" val="2918557904"/>
       </p:ext>
     </p:extLst>
   </p:cSld>
@@ -593,9 +920,91 @@
     </p:spTree>
     <p:extLst>
       <p:ext uri="{BB962C8B-B14F-4D97-AF65-F5344CB8AC3E}">
-        <p14:creationId xmlns:p14="http://schemas.microsoft.com/office/powerpoint/2010/main" xmlns="" val="404353501"/>
+        <p14:creationId xmlns="" xmlns:p14="http://schemas.microsoft.com/office/powerpoint/2010/main" val="404353501"/>
       </p:ext>
     </p:extLst>
+  </p:cSld>
+  <p:clrMapOvr>
+    <a:masterClrMapping/>
+  </p:clrMapOvr>
+</p:notes>
+</file>
+
+<file path=ppt/notesSlides/notesSlide2.xml><?xml version="1.0" encoding="utf-8"?>
+<p:notes xmlns:a="http://schemas.openxmlformats.org/drawingml/2006/main" xmlns:r="http://schemas.openxmlformats.org/officeDocument/2006/relationships" xmlns:p="http://schemas.openxmlformats.org/presentationml/2006/main">
+  <p:cSld>
+    <p:spTree>
+      <p:nvGrpSpPr>
+        <p:cNvPr id="1" name=""/>
+        <p:cNvGrpSpPr/>
+        <p:nvPr/>
+      </p:nvGrpSpPr>
+      <p:grpSpPr>
+        <a:xfrm>
+          <a:off x="0" y="0"/>
+          <a:ext cx="0" cy="0"/>
+          <a:chOff x="0" y="0"/>
+          <a:chExt cx="0" cy="0"/>
+        </a:xfrm>
+      </p:grpSpPr>
+      <p:sp>
+        <p:nvSpPr>
+          <p:cNvPr id="2" name="Slide Image Placeholder 1"/>
+          <p:cNvSpPr>
+            <a:spLocks noGrp="1" noRot="1" noChangeAspect="1"/>
+          </p:cNvSpPr>
+          <p:nvPr>
+            <p:ph type="sldImg"/>
+          </p:nvPr>
+        </p:nvSpPr>
+        <p:spPr/>
+      </p:sp>
+      <p:sp>
+        <p:nvSpPr>
+          <p:cNvPr id="3" name="Notes Placeholder 2"/>
+          <p:cNvSpPr>
+            <a:spLocks noGrp="1"/>
+          </p:cNvSpPr>
+          <p:nvPr>
+            <p:ph type="body" idx="1"/>
+          </p:nvPr>
+        </p:nvSpPr>
+        <p:spPr/>
+        <p:txBody>
+          <a:bodyPr>
+            <a:normAutofit/>
+          </a:bodyPr>
+          <a:lstStyle/>
+          <a:p>
+            <a:endParaRPr lang="en-US" dirty="0"/>
+          </a:p>
+        </p:txBody>
+      </p:sp>
+      <p:sp>
+        <p:nvSpPr>
+          <p:cNvPr id="4" name="Slide Number Placeholder 3"/>
+          <p:cNvSpPr>
+            <a:spLocks noGrp="1"/>
+          </p:cNvSpPr>
+          <p:nvPr>
+            <p:ph type="sldNum" sz="quarter" idx="10"/>
+          </p:nvPr>
+        </p:nvSpPr>
+        <p:spPr/>
+        <p:txBody>
+          <a:bodyPr/>
+          <a:lstStyle/>
+          <a:p>
+            <a:fld id="{F7F439ED-1E90-4106-847A-8EF19031FE2F}" type="slidenum">
+              <a:rPr lang="en-IN" smtClean="0"/>
+              <a:pPr/>
+              <a:t>9</a:t>
+            </a:fld>
+            <a:endParaRPr lang="en-IN"/>
+          </a:p>
+        </p:txBody>
+      </p:sp>
+    </p:spTree>
   </p:cSld>
   <p:clrMapOvr>
     <a:masterClrMapping/>
@@ -2822,7 +3231,7 @@
           <p:cNvPr id="14" name="TextBox 13">
             <a:extLst>
               <a:ext uri="{FF2B5EF4-FFF2-40B4-BE49-F238E27FC236}">
-                <a16:creationId xmlns:a16="http://schemas.microsoft.com/office/drawing/2014/main" xmlns="" id="{D55ADE35-C35B-07C1-F5AA-C33B3DDB802E}"/>
+                <a16:creationId xmlns="" xmlns:a16="http://schemas.microsoft.com/office/drawing/2014/main" id="{D55ADE35-C35B-07C1-F5AA-C33B3DDB802E}"/>
               </a:ext>
             </a:extLst>
           </p:cNvPr>
@@ -2872,13 +3281,7 @@
               <a:rPr lang="en-US" sz="2400" b="1" dirty="0" smtClean="0">
                 <a:latin typeface="Times" pitchFamily="18" charset="0"/>
               </a:rPr>
-              <a:t>NO</a:t>
-            </a:r>
-            <a:r>
-              <a:rPr lang="en-US" sz="2400" b="1" dirty="0" smtClean="0">
-                <a:latin typeface="Times" pitchFamily="18" charset="0"/>
-              </a:rPr>
-              <a:t>: </a:t>
+              <a:t>NO: </a:t>
             </a:r>
             <a:r>
               <a:rPr lang="en-US" sz="2400" dirty="0" smtClean="0">
@@ -3244,6 +3647,79 @@
           </a:p>
         </p:txBody>
       </p:sp>
+      <p:sp>
+        <p:nvSpPr>
+          <p:cNvPr id="7" name="Rectangle 6"/>
+          <p:cNvSpPr/>
+          <p:nvPr/>
+        </p:nvSpPr>
+        <p:spPr>
+          <a:xfrm>
+            <a:off x="1600200" y="1676400"/>
+            <a:ext cx="6096000" cy="2308324"/>
+          </a:xfrm>
+          <a:prstGeom prst="rect">
+            <a:avLst/>
+          </a:prstGeom>
+        </p:spPr>
+        <p:txBody>
+          <a:bodyPr wrap="square">
+            <a:spAutoFit/>
+          </a:bodyPr>
+          <a:lstStyle/>
+          <a:p>
+            <a:r>
+              <a:rPr lang="en-US" sz="2400" b="1" dirty="0" smtClean="0">
+                <a:latin typeface="Times" pitchFamily="18" charset="0"/>
+              </a:rPr>
+              <a:t>Handle </a:t>
+            </a:r>
+            <a:r>
+              <a:rPr lang="en-US" sz="2400" b="1" dirty="0" smtClean="0">
+                <a:latin typeface="Times" pitchFamily="18" charset="0"/>
+              </a:rPr>
+              <a:t>Missing Values</a:t>
+            </a:r>
+            <a:r>
+              <a:rPr lang="en-US" sz="2400" dirty="0" smtClean="0">
+                <a:latin typeface="Times" pitchFamily="18" charset="0"/>
+              </a:rPr>
+              <a:t>: Fill in or impute missing values or remove incomplete records.</a:t>
+            </a:r>
+          </a:p>
+          <a:p>
+            <a:r>
+              <a:rPr lang="en-US" sz="2400" b="1" dirty="0" smtClean="0">
+                <a:latin typeface="Times" pitchFamily="18" charset="0"/>
+              </a:rPr>
+              <a:t>Remove Outliers</a:t>
+            </a:r>
+            <a:r>
+              <a:rPr lang="en-US" sz="2400" dirty="0" smtClean="0">
+                <a:latin typeface="Times" pitchFamily="18" charset="0"/>
+              </a:rPr>
+              <a:t>: Identify and handle outliers that may skew results.</a:t>
+            </a:r>
+          </a:p>
+          <a:p>
+            <a:r>
+              <a:rPr lang="en-US" sz="2400" b="1" dirty="0" smtClean="0">
+                <a:latin typeface="Times" pitchFamily="18" charset="0"/>
+              </a:rPr>
+              <a:t>Normalize Data</a:t>
+            </a:r>
+            <a:r>
+              <a:rPr lang="en-US" sz="2400" dirty="0" smtClean="0">
+                <a:latin typeface="Times" pitchFamily="18" charset="0"/>
+              </a:rPr>
+              <a:t>: Standardize numerical features for consistency.</a:t>
+            </a:r>
+            <a:endParaRPr lang="en-US" sz="2400" dirty="0">
+              <a:latin typeface="Times" pitchFamily="18" charset="0"/>
+            </a:endParaRPr>
+          </a:p>
+        </p:txBody>
+      </p:sp>
     </p:spTree>
   </p:cSld>
   <p:clrMapOvr>
@@ -3555,6 +4031,5362 @@
           </a:p>
         </p:txBody>
       </p:sp>
+      <p:graphicFrame>
+        <p:nvGraphicFramePr>
+          <p:cNvPr id="11" name="Table 10"/>
+          <p:cNvGraphicFramePr>
+            <a:graphicFrameLocks noGrp="1"/>
+          </p:cNvGraphicFramePr>
+          <p:nvPr/>
+        </p:nvGraphicFramePr>
+        <p:xfrm>
+          <a:off x="1143000" y="1143002"/>
+          <a:ext cx="7124698" cy="4458230"/>
+        </p:xfrm>
+        <a:graphic>
+          <a:graphicData uri="http://schemas.openxmlformats.org/drawingml/2006/table">
+            <a:tbl>
+              <a:tblPr/>
+              <a:tblGrid>
+                <a:gridCol w="1454191"/>
+                <a:gridCol w="1437476"/>
+                <a:gridCol w="1002890"/>
+                <a:gridCol w="986176"/>
+                <a:gridCol w="401155"/>
+                <a:gridCol w="852456"/>
+                <a:gridCol w="990354"/>
+              </a:tblGrid>
+              <a:tr h="318445">
+                <a:tc>
+                  <a:txBody>
+                    <a:bodyPr/>
+                    <a:lstStyle/>
+                    <a:p>
+                      <a:pPr algn="l" fontAlgn="b"/>
+                      <a:r>
+                        <a:rPr lang="en-US" sz="1100" b="0" i="0" u="none" strike="noStrike" dirty="0" err="1">
+                          <a:solidFill>
+                            <a:srgbClr val="000000"/>
+                          </a:solidFill>
+                          <a:latin typeface="Calibri"/>
+                        </a:rPr>
+                        <a:t>FirstName</a:t>
+                      </a:r>
+                      <a:endParaRPr lang="en-US" sz="1100" b="0" i="0" u="none" strike="noStrike" dirty="0">
+                        <a:solidFill>
+                          <a:srgbClr val="000000"/>
+                        </a:solidFill>
+                        <a:latin typeface="Calibri"/>
+                      </a:endParaRPr>
+                    </a:p>
+                  </a:txBody>
+                  <a:tcPr marL="0" marR="0" marT="0" marB="0" anchor="b">
+                    <a:lnL w="6350" cap="flat" cmpd="sng" algn="ctr">
+                      <a:solidFill>
+                        <a:srgbClr val="000000"/>
+                      </a:solidFill>
+                      <a:prstDash val="solid"/>
+                      <a:round/>
+                      <a:headEnd type="none" w="med" len="med"/>
+                      <a:tailEnd type="none" w="med" len="med"/>
+                    </a:lnL>
+                    <a:lnR w="6350" cap="flat" cmpd="sng" algn="ctr">
+                      <a:solidFill>
+                        <a:srgbClr val="000000"/>
+                      </a:solidFill>
+                      <a:prstDash val="solid"/>
+                      <a:round/>
+                      <a:headEnd type="none" w="med" len="med"/>
+                      <a:tailEnd type="none" w="med" len="med"/>
+                    </a:lnR>
+                    <a:lnT w="6350" cap="flat" cmpd="sng" algn="ctr">
+                      <a:solidFill>
+                        <a:srgbClr val="000000"/>
+                      </a:solidFill>
+                      <a:prstDash val="solid"/>
+                      <a:round/>
+                      <a:headEnd type="none" w="med" len="med"/>
+                      <a:tailEnd type="none" w="med" len="med"/>
+                    </a:lnT>
+                    <a:lnB w="6350" cap="flat" cmpd="sng" algn="ctr">
+                      <a:solidFill>
+                        <a:srgbClr val="000000"/>
+                      </a:solidFill>
+                      <a:prstDash val="solid"/>
+                      <a:round/>
+                      <a:headEnd type="none" w="med" len="med"/>
+                      <a:tailEnd type="none" w="med" len="med"/>
+                    </a:lnB>
+                    <a:solidFill>
+                      <a:srgbClr val="DBE5F1"/>
+                    </a:solidFill>
+                  </a:tcPr>
+                </a:tc>
+                <a:tc>
+                  <a:txBody>
+                    <a:bodyPr/>
+                    <a:lstStyle/>
+                    <a:p>
+                      <a:pPr algn="l" fontAlgn="b"/>
+                      <a:r>
+                        <a:rPr lang="en-US" sz="1100" b="0" i="0" u="none" strike="noStrike">
+                          <a:solidFill>
+                            <a:srgbClr val="000000"/>
+                          </a:solidFill>
+                          <a:latin typeface="Calibri"/>
+                        </a:rPr>
+                        <a:t>(All)</a:t>
+                      </a:r>
+                    </a:p>
+                  </a:txBody>
+                  <a:tcPr marL="0" marR="0" marT="0" marB="0" anchor="b">
+                    <a:lnL w="6350" cap="flat" cmpd="sng" algn="ctr">
+                      <a:solidFill>
+                        <a:srgbClr val="000000"/>
+                      </a:solidFill>
+                      <a:prstDash val="solid"/>
+                      <a:round/>
+                      <a:headEnd type="none" w="med" len="med"/>
+                      <a:tailEnd type="none" w="med" len="med"/>
+                    </a:lnL>
+                    <a:lnR w="6350" cap="flat" cmpd="sng" algn="ctr">
+                      <a:solidFill>
+                        <a:srgbClr val="000000"/>
+                      </a:solidFill>
+                      <a:prstDash val="solid"/>
+                      <a:round/>
+                      <a:headEnd type="none" w="med" len="med"/>
+                      <a:tailEnd type="none" w="med" len="med"/>
+                    </a:lnR>
+                    <a:lnT w="6350" cap="flat" cmpd="sng" algn="ctr">
+                      <a:solidFill>
+                        <a:srgbClr val="000000"/>
+                      </a:solidFill>
+                      <a:prstDash val="solid"/>
+                      <a:round/>
+                      <a:headEnd type="none" w="med" len="med"/>
+                      <a:tailEnd type="none" w="med" len="med"/>
+                    </a:lnT>
+                    <a:lnB w="6350" cap="flat" cmpd="sng" algn="ctr">
+                      <a:solidFill>
+                        <a:srgbClr val="000000"/>
+                      </a:solidFill>
+                      <a:prstDash val="solid"/>
+                      <a:round/>
+                      <a:headEnd type="none" w="med" len="med"/>
+                      <a:tailEnd type="none" w="med" len="med"/>
+                    </a:lnB>
+                    <a:solidFill>
+                      <a:srgbClr val="DBE5F1"/>
+                    </a:solidFill>
+                  </a:tcPr>
+                </a:tc>
+                <a:tc>
+                  <a:txBody>
+                    <a:bodyPr/>
+                    <a:lstStyle/>
+                    <a:p>
+                      <a:pPr algn="l" fontAlgn="b"/>
+                      <a:endParaRPr lang="en-US" sz="1100" b="0" i="0" u="none" strike="noStrike">
+                        <a:solidFill>
+                          <a:srgbClr val="000000"/>
+                        </a:solidFill>
+                        <a:latin typeface="Calibri"/>
+                      </a:endParaRPr>
+                    </a:p>
+                  </a:txBody>
+                  <a:tcPr marL="0" marR="0" marT="0" marB="0" anchor="b">
+                    <a:lnL w="6350" cap="flat" cmpd="sng" algn="ctr">
+                      <a:solidFill>
+                        <a:srgbClr val="000000"/>
+                      </a:solidFill>
+                      <a:prstDash val="solid"/>
+                      <a:round/>
+                      <a:headEnd type="none" w="med" len="med"/>
+                      <a:tailEnd type="none" w="med" len="med"/>
+                    </a:lnL>
+                    <a:lnR>
+                      <a:noFill/>
+                    </a:lnR>
+                    <a:lnT>
+                      <a:noFill/>
+                    </a:lnT>
+                    <a:lnB>
+                      <a:noFill/>
+                    </a:lnB>
+                  </a:tcPr>
+                </a:tc>
+                <a:tc>
+                  <a:txBody>
+                    <a:bodyPr/>
+                    <a:lstStyle/>
+                    <a:p>
+                      <a:pPr algn="l" fontAlgn="b"/>
+                      <a:endParaRPr lang="en-US" sz="1100" b="0" i="0" u="none" strike="noStrike">
+                        <a:solidFill>
+                          <a:srgbClr val="000000"/>
+                        </a:solidFill>
+                        <a:latin typeface="Calibri"/>
+                      </a:endParaRPr>
+                    </a:p>
+                  </a:txBody>
+                  <a:tcPr marL="0" marR="0" marT="0" marB="0" anchor="b">
+                    <a:lnL>
+                      <a:noFill/>
+                    </a:lnL>
+                    <a:lnR>
+                      <a:noFill/>
+                    </a:lnR>
+                    <a:lnT>
+                      <a:noFill/>
+                    </a:lnT>
+                    <a:lnB>
+                      <a:noFill/>
+                    </a:lnB>
+                  </a:tcPr>
+                </a:tc>
+                <a:tc>
+                  <a:txBody>
+                    <a:bodyPr/>
+                    <a:lstStyle/>
+                    <a:p>
+                      <a:pPr algn="l" fontAlgn="b"/>
+                      <a:endParaRPr lang="en-US" sz="1100" b="0" i="0" u="none" strike="noStrike">
+                        <a:solidFill>
+                          <a:srgbClr val="000000"/>
+                        </a:solidFill>
+                        <a:latin typeface="Calibri"/>
+                      </a:endParaRPr>
+                    </a:p>
+                  </a:txBody>
+                  <a:tcPr marL="0" marR="0" marT="0" marB="0" anchor="b">
+                    <a:lnL>
+                      <a:noFill/>
+                    </a:lnL>
+                    <a:lnR>
+                      <a:noFill/>
+                    </a:lnR>
+                    <a:lnT>
+                      <a:noFill/>
+                    </a:lnT>
+                    <a:lnB>
+                      <a:noFill/>
+                    </a:lnB>
+                  </a:tcPr>
+                </a:tc>
+                <a:tc>
+                  <a:txBody>
+                    <a:bodyPr/>
+                    <a:lstStyle/>
+                    <a:p>
+                      <a:pPr algn="l" fontAlgn="b"/>
+                      <a:endParaRPr lang="en-US" sz="1100" b="0" i="0" u="none" strike="noStrike">
+                        <a:solidFill>
+                          <a:srgbClr val="000000"/>
+                        </a:solidFill>
+                        <a:latin typeface="Calibri"/>
+                      </a:endParaRPr>
+                    </a:p>
+                  </a:txBody>
+                  <a:tcPr marL="0" marR="0" marT="0" marB="0" anchor="b">
+                    <a:lnL>
+                      <a:noFill/>
+                    </a:lnL>
+                    <a:lnR>
+                      <a:noFill/>
+                    </a:lnR>
+                    <a:lnT>
+                      <a:noFill/>
+                    </a:lnT>
+                    <a:lnB>
+                      <a:noFill/>
+                    </a:lnB>
+                  </a:tcPr>
+                </a:tc>
+                <a:tc>
+                  <a:txBody>
+                    <a:bodyPr/>
+                    <a:lstStyle/>
+                    <a:p>
+                      <a:pPr algn="l" fontAlgn="b"/>
+                      <a:endParaRPr lang="en-US" sz="1100" b="0" i="0" u="none" strike="noStrike">
+                        <a:solidFill>
+                          <a:srgbClr val="000000"/>
+                        </a:solidFill>
+                        <a:latin typeface="Calibri"/>
+                      </a:endParaRPr>
+                    </a:p>
+                  </a:txBody>
+                  <a:tcPr marL="0" marR="0" marT="0" marB="0" anchor="b">
+                    <a:lnL>
+                      <a:noFill/>
+                    </a:lnL>
+                    <a:lnR>
+                      <a:noFill/>
+                    </a:lnR>
+                    <a:lnT>
+                      <a:noFill/>
+                    </a:lnT>
+                    <a:lnB>
+                      <a:noFill/>
+                    </a:lnB>
+                  </a:tcPr>
+                </a:tc>
+              </a:tr>
+              <a:tr h="318445">
+                <a:tc>
+                  <a:txBody>
+                    <a:bodyPr/>
+                    <a:lstStyle/>
+                    <a:p>
+                      <a:pPr algn="l" fontAlgn="b"/>
+                      <a:endParaRPr lang="en-US" sz="1100" b="0" i="0" u="none" strike="noStrike">
+                        <a:solidFill>
+                          <a:srgbClr val="000000"/>
+                        </a:solidFill>
+                        <a:latin typeface="Calibri"/>
+                      </a:endParaRPr>
+                    </a:p>
+                  </a:txBody>
+                  <a:tcPr marL="0" marR="0" marT="0" marB="0" anchor="b">
+                    <a:lnL>
+                      <a:noFill/>
+                    </a:lnL>
+                    <a:lnR>
+                      <a:noFill/>
+                    </a:lnR>
+                    <a:lnT w="6350" cap="flat" cmpd="sng" algn="ctr">
+                      <a:solidFill>
+                        <a:srgbClr val="000000"/>
+                      </a:solidFill>
+                      <a:prstDash val="solid"/>
+                      <a:round/>
+                      <a:headEnd type="none" w="med" len="med"/>
+                      <a:tailEnd type="none" w="med" len="med"/>
+                    </a:lnT>
+                    <a:lnB w="6350" cap="flat" cmpd="sng" algn="ctr">
+                      <a:solidFill>
+                        <a:srgbClr val="000000"/>
+                      </a:solidFill>
+                      <a:prstDash val="solid"/>
+                      <a:round/>
+                      <a:headEnd type="none" w="med" len="med"/>
+                      <a:tailEnd type="none" w="med" len="med"/>
+                    </a:lnB>
+                  </a:tcPr>
+                </a:tc>
+                <a:tc>
+                  <a:txBody>
+                    <a:bodyPr/>
+                    <a:lstStyle/>
+                    <a:p>
+                      <a:pPr algn="l" fontAlgn="b"/>
+                      <a:endParaRPr lang="en-US" sz="1100" b="0" i="0" u="none" strike="noStrike">
+                        <a:solidFill>
+                          <a:srgbClr val="000000"/>
+                        </a:solidFill>
+                        <a:latin typeface="Calibri"/>
+                      </a:endParaRPr>
+                    </a:p>
+                  </a:txBody>
+                  <a:tcPr marL="0" marR="0" marT="0" marB="0" anchor="b">
+                    <a:lnL>
+                      <a:noFill/>
+                    </a:lnL>
+                    <a:lnR>
+                      <a:noFill/>
+                    </a:lnR>
+                    <a:lnT w="6350" cap="flat" cmpd="sng" algn="ctr">
+                      <a:solidFill>
+                        <a:srgbClr val="000000"/>
+                      </a:solidFill>
+                      <a:prstDash val="solid"/>
+                      <a:round/>
+                      <a:headEnd type="none" w="med" len="med"/>
+                      <a:tailEnd type="none" w="med" len="med"/>
+                    </a:lnT>
+                    <a:lnB w="6350" cap="flat" cmpd="sng" algn="ctr">
+                      <a:solidFill>
+                        <a:srgbClr val="000000"/>
+                      </a:solidFill>
+                      <a:prstDash val="solid"/>
+                      <a:round/>
+                      <a:headEnd type="none" w="med" len="med"/>
+                      <a:tailEnd type="none" w="med" len="med"/>
+                    </a:lnB>
+                  </a:tcPr>
+                </a:tc>
+                <a:tc>
+                  <a:txBody>
+                    <a:bodyPr/>
+                    <a:lstStyle/>
+                    <a:p>
+                      <a:pPr algn="l" fontAlgn="b"/>
+                      <a:endParaRPr lang="en-US" sz="1100" b="0" i="0" u="none" strike="noStrike">
+                        <a:solidFill>
+                          <a:srgbClr val="000000"/>
+                        </a:solidFill>
+                        <a:latin typeface="Calibri"/>
+                      </a:endParaRPr>
+                    </a:p>
+                  </a:txBody>
+                  <a:tcPr marL="0" marR="0" marT="0" marB="0" anchor="b">
+                    <a:lnL>
+                      <a:noFill/>
+                    </a:lnL>
+                    <a:lnR>
+                      <a:noFill/>
+                    </a:lnR>
+                    <a:lnT>
+                      <a:noFill/>
+                    </a:lnT>
+                    <a:lnB w="6350" cap="flat" cmpd="sng" algn="ctr">
+                      <a:solidFill>
+                        <a:srgbClr val="000000"/>
+                      </a:solidFill>
+                      <a:prstDash val="solid"/>
+                      <a:round/>
+                      <a:headEnd type="none" w="med" len="med"/>
+                      <a:tailEnd type="none" w="med" len="med"/>
+                    </a:lnB>
+                  </a:tcPr>
+                </a:tc>
+                <a:tc>
+                  <a:txBody>
+                    <a:bodyPr/>
+                    <a:lstStyle/>
+                    <a:p>
+                      <a:pPr algn="l" fontAlgn="b"/>
+                      <a:endParaRPr lang="en-US" sz="1100" b="0" i="0" u="none" strike="noStrike">
+                        <a:solidFill>
+                          <a:srgbClr val="000000"/>
+                        </a:solidFill>
+                        <a:latin typeface="Calibri"/>
+                      </a:endParaRPr>
+                    </a:p>
+                  </a:txBody>
+                  <a:tcPr marL="0" marR="0" marT="0" marB="0" anchor="b">
+                    <a:lnL>
+                      <a:noFill/>
+                    </a:lnL>
+                    <a:lnR>
+                      <a:noFill/>
+                    </a:lnR>
+                    <a:lnT>
+                      <a:noFill/>
+                    </a:lnT>
+                    <a:lnB w="6350" cap="flat" cmpd="sng" algn="ctr">
+                      <a:solidFill>
+                        <a:srgbClr val="000000"/>
+                      </a:solidFill>
+                      <a:prstDash val="solid"/>
+                      <a:round/>
+                      <a:headEnd type="none" w="med" len="med"/>
+                      <a:tailEnd type="none" w="med" len="med"/>
+                    </a:lnB>
+                  </a:tcPr>
+                </a:tc>
+                <a:tc>
+                  <a:txBody>
+                    <a:bodyPr/>
+                    <a:lstStyle/>
+                    <a:p>
+                      <a:pPr algn="l" fontAlgn="b"/>
+                      <a:endParaRPr lang="en-US" sz="1100" b="0" i="0" u="none" strike="noStrike">
+                        <a:solidFill>
+                          <a:srgbClr val="000000"/>
+                        </a:solidFill>
+                        <a:latin typeface="Calibri"/>
+                      </a:endParaRPr>
+                    </a:p>
+                  </a:txBody>
+                  <a:tcPr marL="0" marR="0" marT="0" marB="0" anchor="b">
+                    <a:lnL>
+                      <a:noFill/>
+                    </a:lnL>
+                    <a:lnR>
+                      <a:noFill/>
+                    </a:lnR>
+                    <a:lnT>
+                      <a:noFill/>
+                    </a:lnT>
+                    <a:lnB w="6350" cap="flat" cmpd="sng" algn="ctr">
+                      <a:solidFill>
+                        <a:srgbClr val="000000"/>
+                      </a:solidFill>
+                      <a:prstDash val="solid"/>
+                      <a:round/>
+                      <a:headEnd type="none" w="med" len="med"/>
+                      <a:tailEnd type="none" w="med" len="med"/>
+                    </a:lnB>
+                  </a:tcPr>
+                </a:tc>
+                <a:tc>
+                  <a:txBody>
+                    <a:bodyPr/>
+                    <a:lstStyle/>
+                    <a:p>
+                      <a:pPr algn="l" fontAlgn="b"/>
+                      <a:endParaRPr lang="en-US" sz="1100" b="0" i="0" u="none" strike="noStrike">
+                        <a:solidFill>
+                          <a:srgbClr val="000000"/>
+                        </a:solidFill>
+                        <a:latin typeface="Calibri"/>
+                      </a:endParaRPr>
+                    </a:p>
+                  </a:txBody>
+                  <a:tcPr marL="0" marR="0" marT="0" marB="0" anchor="b">
+                    <a:lnL>
+                      <a:noFill/>
+                    </a:lnL>
+                    <a:lnR>
+                      <a:noFill/>
+                    </a:lnR>
+                    <a:lnT>
+                      <a:noFill/>
+                    </a:lnT>
+                    <a:lnB w="6350" cap="flat" cmpd="sng" algn="ctr">
+                      <a:solidFill>
+                        <a:srgbClr val="000000"/>
+                      </a:solidFill>
+                      <a:prstDash val="solid"/>
+                      <a:round/>
+                      <a:headEnd type="none" w="med" len="med"/>
+                      <a:tailEnd type="none" w="med" len="med"/>
+                    </a:lnB>
+                  </a:tcPr>
+                </a:tc>
+                <a:tc>
+                  <a:txBody>
+                    <a:bodyPr/>
+                    <a:lstStyle/>
+                    <a:p>
+                      <a:pPr algn="l" fontAlgn="b"/>
+                      <a:endParaRPr lang="en-US" sz="1100" b="0" i="0" u="none" strike="noStrike">
+                        <a:solidFill>
+                          <a:srgbClr val="000000"/>
+                        </a:solidFill>
+                        <a:latin typeface="Calibri"/>
+                      </a:endParaRPr>
+                    </a:p>
+                  </a:txBody>
+                  <a:tcPr marL="0" marR="0" marT="0" marB="0" anchor="b">
+                    <a:lnL>
+                      <a:noFill/>
+                    </a:lnL>
+                    <a:lnR>
+                      <a:noFill/>
+                    </a:lnR>
+                    <a:lnT>
+                      <a:noFill/>
+                    </a:lnT>
+                    <a:lnB w="6350" cap="flat" cmpd="sng" algn="ctr">
+                      <a:solidFill>
+                        <a:srgbClr val="000000"/>
+                      </a:solidFill>
+                      <a:prstDash val="solid"/>
+                      <a:round/>
+                      <a:headEnd type="none" w="med" len="med"/>
+                      <a:tailEnd type="none" w="med" len="med"/>
+                    </a:lnB>
+                  </a:tcPr>
+                </a:tc>
+              </a:tr>
+              <a:tr h="318445">
+                <a:tc>
+                  <a:txBody>
+                    <a:bodyPr/>
+                    <a:lstStyle/>
+                    <a:p>
+                      <a:pPr algn="l" fontAlgn="b"/>
+                      <a:r>
+                        <a:rPr lang="en-US" sz="1100" b="1" i="0" u="none" strike="noStrike">
+                          <a:solidFill>
+                            <a:srgbClr val="000000"/>
+                          </a:solidFill>
+                          <a:latin typeface="Calibri"/>
+                        </a:rPr>
+                        <a:t>Count of ExitDate</a:t>
+                      </a:r>
+                    </a:p>
+                  </a:txBody>
+                  <a:tcPr marL="0" marR="0" marT="0" marB="0" anchor="b">
+                    <a:lnL w="6350" cap="flat" cmpd="sng" algn="ctr">
+                      <a:solidFill>
+                        <a:srgbClr val="000000"/>
+                      </a:solidFill>
+                      <a:prstDash val="solid"/>
+                      <a:round/>
+                      <a:headEnd type="none" w="med" len="med"/>
+                      <a:tailEnd type="none" w="med" len="med"/>
+                    </a:lnL>
+                    <a:lnR w="6350" cap="flat" cmpd="sng" algn="ctr">
+                      <a:solidFill>
+                        <a:srgbClr val="000000"/>
+                      </a:solidFill>
+                      <a:prstDash val="solid"/>
+                      <a:round/>
+                      <a:headEnd type="none" w="med" len="med"/>
+                      <a:tailEnd type="none" w="med" len="med"/>
+                    </a:lnR>
+                    <a:lnT w="6350" cap="flat" cmpd="sng" algn="ctr">
+                      <a:solidFill>
+                        <a:srgbClr val="000000"/>
+                      </a:solidFill>
+                      <a:prstDash val="solid"/>
+                      <a:round/>
+                      <a:headEnd type="none" w="med" len="med"/>
+                      <a:tailEnd type="none" w="med" len="med"/>
+                    </a:lnT>
+                    <a:lnB w="6350" cap="flat" cmpd="sng" algn="ctr">
+                      <a:solidFill>
+                        <a:srgbClr val="000000"/>
+                      </a:solidFill>
+                      <a:prstDash val="solid"/>
+                      <a:round/>
+                      <a:headEnd type="none" w="med" len="med"/>
+                      <a:tailEnd type="none" w="med" len="med"/>
+                    </a:lnB>
+                    <a:solidFill>
+                      <a:srgbClr val="DBE5F1"/>
+                    </a:solidFill>
+                  </a:tcPr>
+                </a:tc>
+                <a:tc>
+                  <a:txBody>
+                    <a:bodyPr/>
+                    <a:lstStyle/>
+                    <a:p>
+                      <a:pPr algn="l" fontAlgn="b"/>
+                      <a:r>
+                        <a:rPr lang="en-US" sz="1100" b="1" i="0" u="none" strike="noStrike">
+                          <a:solidFill>
+                            <a:srgbClr val="000000"/>
+                          </a:solidFill>
+                          <a:latin typeface="Calibri"/>
+                        </a:rPr>
+                        <a:t>Column Labels</a:t>
+                      </a:r>
+                    </a:p>
+                  </a:txBody>
+                  <a:tcPr marL="0" marR="0" marT="0" marB="0" anchor="b">
+                    <a:lnL w="6350" cap="flat" cmpd="sng" algn="ctr">
+                      <a:solidFill>
+                        <a:srgbClr val="000000"/>
+                      </a:solidFill>
+                      <a:prstDash val="solid"/>
+                      <a:round/>
+                      <a:headEnd type="none" w="med" len="med"/>
+                      <a:tailEnd type="none" w="med" len="med"/>
+                    </a:lnL>
+                    <a:lnR w="6350" cap="flat" cmpd="sng" algn="ctr">
+                      <a:solidFill>
+                        <a:srgbClr val="000000"/>
+                      </a:solidFill>
+                      <a:prstDash val="solid"/>
+                      <a:round/>
+                      <a:headEnd type="none" w="med" len="med"/>
+                      <a:tailEnd type="none" w="med" len="med"/>
+                    </a:lnR>
+                    <a:lnT w="6350" cap="flat" cmpd="sng" algn="ctr">
+                      <a:solidFill>
+                        <a:srgbClr val="000000"/>
+                      </a:solidFill>
+                      <a:prstDash val="solid"/>
+                      <a:round/>
+                      <a:headEnd type="none" w="med" len="med"/>
+                      <a:tailEnd type="none" w="med" len="med"/>
+                    </a:lnT>
+                    <a:lnB w="6350" cap="flat" cmpd="sng" algn="ctr">
+                      <a:solidFill>
+                        <a:srgbClr val="000000"/>
+                      </a:solidFill>
+                      <a:prstDash val="solid"/>
+                      <a:round/>
+                      <a:headEnd type="none" w="med" len="med"/>
+                      <a:tailEnd type="none" w="med" len="med"/>
+                    </a:lnB>
+                    <a:solidFill>
+                      <a:srgbClr val="DBE5F1"/>
+                    </a:solidFill>
+                  </a:tcPr>
+                </a:tc>
+                <a:tc>
+                  <a:txBody>
+                    <a:bodyPr/>
+                    <a:lstStyle/>
+                    <a:p>
+                      <a:pPr algn="l" fontAlgn="b"/>
+                      <a:r>
+                        <a:rPr lang="en-US" sz="1100" b="1" i="0" u="none" strike="noStrike">
+                          <a:solidFill>
+                            <a:srgbClr val="000000"/>
+                          </a:solidFill>
+                          <a:latin typeface="Calibri"/>
+                        </a:rPr>
+                        <a:t> </a:t>
+                      </a:r>
+                    </a:p>
+                  </a:txBody>
+                  <a:tcPr marL="0" marR="0" marT="0" marB="0" anchor="b">
+                    <a:lnL w="6350" cap="flat" cmpd="sng" algn="ctr">
+                      <a:solidFill>
+                        <a:srgbClr val="000000"/>
+                      </a:solidFill>
+                      <a:prstDash val="solid"/>
+                      <a:round/>
+                      <a:headEnd type="none" w="med" len="med"/>
+                      <a:tailEnd type="none" w="med" len="med"/>
+                    </a:lnL>
+                    <a:lnR w="6350" cap="flat" cmpd="sng" algn="ctr">
+                      <a:solidFill>
+                        <a:srgbClr val="000000"/>
+                      </a:solidFill>
+                      <a:prstDash val="solid"/>
+                      <a:round/>
+                      <a:headEnd type="none" w="med" len="med"/>
+                      <a:tailEnd type="none" w="med" len="med"/>
+                    </a:lnR>
+                    <a:lnT w="6350" cap="flat" cmpd="sng" algn="ctr">
+                      <a:solidFill>
+                        <a:srgbClr val="000000"/>
+                      </a:solidFill>
+                      <a:prstDash val="solid"/>
+                      <a:round/>
+                      <a:headEnd type="none" w="med" len="med"/>
+                      <a:tailEnd type="none" w="med" len="med"/>
+                    </a:lnT>
+                    <a:lnB w="6350" cap="flat" cmpd="sng" algn="ctr">
+                      <a:solidFill>
+                        <a:srgbClr val="000000"/>
+                      </a:solidFill>
+                      <a:prstDash val="solid"/>
+                      <a:round/>
+                      <a:headEnd type="none" w="med" len="med"/>
+                      <a:tailEnd type="none" w="med" len="med"/>
+                    </a:lnB>
+                    <a:solidFill>
+                      <a:srgbClr val="DBE5F1"/>
+                    </a:solidFill>
+                  </a:tcPr>
+                </a:tc>
+                <a:tc>
+                  <a:txBody>
+                    <a:bodyPr/>
+                    <a:lstStyle/>
+                    <a:p>
+                      <a:pPr algn="l" fontAlgn="b"/>
+                      <a:r>
+                        <a:rPr lang="en-US" sz="1100" b="1" i="0" u="none" strike="noStrike">
+                          <a:solidFill>
+                            <a:srgbClr val="000000"/>
+                          </a:solidFill>
+                          <a:latin typeface="Calibri"/>
+                        </a:rPr>
+                        <a:t> </a:t>
+                      </a:r>
+                    </a:p>
+                  </a:txBody>
+                  <a:tcPr marL="0" marR="0" marT="0" marB="0" anchor="b">
+                    <a:lnL w="6350" cap="flat" cmpd="sng" algn="ctr">
+                      <a:solidFill>
+                        <a:srgbClr val="000000"/>
+                      </a:solidFill>
+                      <a:prstDash val="solid"/>
+                      <a:round/>
+                      <a:headEnd type="none" w="med" len="med"/>
+                      <a:tailEnd type="none" w="med" len="med"/>
+                    </a:lnL>
+                    <a:lnR w="6350" cap="flat" cmpd="sng" algn="ctr">
+                      <a:solidFill>
+                        <a:srgbClr val="000000"/>
+                      </a:solidFill>
+                      <a:prstDash val="solid"/>
+                      <a:round/>
+                      <a:headEnd type="none" w="med" len="med"/>
+                      <a:tailEnd type="none" w="med" len="med"/>
+                    </a:lnR>
+                    <a:lnT w="6350" cap="flat" cmpd="sng" algn="ctr">
+                      <a:solidFill>
+                        <a:srgbClr val="000000"/>
+                      </a:solidFill>
+                      <a:prstDash val="solid"/>
+                      <a:round/>
+                      <a:headEnd type="none" w="med" len="med"/>
+                      <a:tailEnd type="none" w="med" len="med"/>
+                    </a:lnT>
+                    <a:lnB w="6350" cap="flat" cmpd="sng" algn="ctr">
+                      <a:solidFill>
+                        <a:srgbClr val="000000"/>
+                      </a:solidFill>
+                      <a:prstDash val="solid"/>
+                      <a:round/>
+                      <a:headEnd type="none" w="med" len="med"/>
+                      <a:tailEnd type="none" w="med" len="med"/>
+                    </a:lnB>
+                    <a:solidFill>
+                      <a:srgbClr val="DBE5F1"/>
+                    </a:solidFill>
+                  </a:tcPr>
+                </a:tc>
+                <a:tc>
+                  <a:txBody>
+                    <a:bodyPr/>
+                    <a:lstStyle/>
+                    <a:p>
+                      <a:pPr algn="l" fontAlgn="b"/>
+                      <a:r>
+                        <a:rPr lang="en-US" sz="1100" b="1" i="0" u="none" strike="noStrike">
+                          <a:solidFill>
+                            <a:srgbClr val="000000"/>
+                          </a:solidFill>
+                          <a:latin typeface="Calibri"/>
+                        </a:rPr>
+                        <a:t> </a:t>
+                      </a:r>
+                    </a:p>
+                  </a:txBody>
+                  <a:tcPr marL="0" marR="0" marT="0" marB="0" anchor="b">
+                    <a:lnL w="6350" cap="flat" cmpd="sng" algn="ctr">
+                      <a:solidFill>
+                        <a:srgbClr val="000000"/>
+                      </a:solidFill>
+                      <a:prstDash val="solid"/>
+                      <a:round/>
+                      <a:headEnd type="none" w="med" len="med"/>
+                      <a:tailEnd type="none" w="med" len="med"/>
+                    </a:lnL>
+                    <a:lnR w="6350" cap="flat" cmpd="sng" algn="ctr">
+                      <a:solidFill>
+                        <a:srgbClr val="000000"/>
+                      </a:solidFill>
+                      <a:prstDash val="solid"/>
+                      <a:round/>
+                      <a:headEnd type="none" w="med" len="med"/>
+                      <a:tailEnd type="none" w="med" len="med"/>
+                    </a:lnR>
+                    <a:lnT w="6350" cap="flat" cmpd="sng" algn="ctr">
+                      <a:solidFill>
+                        <a:srgbClr val="000000"/>
+                      </a:solidFill>
+                      <a:prstDash val="solid"/>
+                      <a:round/>
+                      <a:headEnd type="none" w="med" len="med"/>
+                      <a:tailEnd type="none" w="med" len="med"/>
+                    </a:lnT>
+                    <a:lnB w="6350" cap="flat" cmpd="sng" algn="ctr">
+                      <a:solidFill>
+                        <a:srgbClr val="000000"/>
+                      </a:solidFill>
+                      <a:prstDash val="solid"/>
+                      <a:round/>
+                      <a:headEnd type="none" w="med" len="med"/>
+                      <a:tailEnd type="none" w="med" len="med"/>
+                    </a:lnB>
+                    <a:solidFill>
+                      <a:srgbClr val="DBE5F1"/>
+                    </a:solidFill>
+                  </a:tcPr>
+                </a:tc>
+                <a:tc>
+                  <a:txBody>
+                    <a:bodyPr/>
+                    <a:lstStyle/>
+                    <a:p>
+                      <a:pPr algn="l" fontAlgn="b"/>
+                      <a:r>
+                        <a:rPr lang="en-US" sz="1100" b="1" i="0" u="none" strike="noStrike">
+                          <a:solidFill>
+                            <a:srgbClr val="000000"/>
+                          </a:solidFill>
+                          <a:latin typeface="Calibri"/>
+                        </a:rPr>
+                        <a:t> </a:t>
+                      </a:r>
+                    </a:p>
+                  </a:txBody>
+                  <a:tcPr marL="0" marR="0" marT="0" marB="0" anchor="b">
+                    <a:lnL w="6350" cap="flat" cmpd="sng" algn="ctr">
+                      <a:solidFill>
+                        <a:srgbClr val="000000"/>
+                      </a:solidFill>
+                      <a:prstDash val="solid"/>
+                      <a:round/>
+                      <a:headEnd type="none" w="med" len="med"/>
+                      <a:tailEnd type="none" w="med" len="med"/>
+                    </a:lnL>
+                    <a:lnR w="6350" cap="flat" cmpd="sng" algn="ctr">
+                      <a:solidFill>
+                        <a:srgbClr val="000000"/>
+                      </a:solidFill>
+                      <a:prstDash val="solid"/>
+                      <a:round/>
+                      <a:headEnd type="none" w="med" len="med"/>
+                      <a:tailEnd type="none" w="med" len="med"/>
+                    </a:lnR>
+                    <a:lnT w="6350" cap="flat" cmpd="sng" algn="ctr">
+                      <a:solidFill>
+                        <a:srgbClr val="000000"/>
+                      </a:solidFill>
+                      <a:prstDash val="solid"/>
+                      <a:round/>
+                      <a:headEnd type="none" w="med" len="med"/>
+                      <a:tailEnd type="none" w="med" len="med"/>
+                    </a:lnT>
+                    <a:lnB w="6350" cap="flat" cmpd="sng" algn="ctr">
+                      <a:solidFill>
+                        <a:srgbClr val="000000"/>
+                      </a:solidFill>
+                      <a:prstDash val="solid"/>
+                      <a:round/>
+                      <a:headEnd type="none" w="med" len="med"/>
+                      <a:tailEnd type="none" w="med" len="med"/>
+                    </a:lnB>
+                    <a:solidFill>
+                      <a:srgbClr val="DBE5F1"/>
+                    </a:solidFill>
+                  </a:tcPr>
+                </a:tc>
+                <a:tc>
+                  <a:txBody>
+                    <a:bodyPr/>
+                    <a:lstStyle/>
+                    <a:p>
+                      <a:pPr algn="l" fontAlgn="b"/>
+                      <a:r>
+                        <a:rPr lang="en-US" sz="1100" b="1" i="0" u="none" strike="noStrike">
+                          <a:solidFill>
+                            <a:srgbClr val="000000"/>
+                          </a:solidFill>
+                          <a:latin typeface="Calibri"/>
+                        </a:rPr>
+                        <a:t> </a:t>
+                      </a:r>
+                    </a:p>
+                  </a:txBody>
+                  <a:tcPr marL="0" marR="0" marT="0" marB="0" anchor="b">
+                    <a:lnL w="6350" cap="flat" cmpd="sng" algn="ctr">
+                      <a:solidFill>
+                        <a:srgbClr val="000000"/>
+                      </a:solidFill>
+                      <a:prstDash val="solid"/>
+                      <a:round/>
+                      <a:headEnd type="none" w="med" len="med"/>
+                      <a:tailEnd type="none" w="med" len="med"/>
+                    </a:lnL>
+                    <a:lnR w="6350" cap="flat" cmpd="sng" algn="ctr">
+                      <a:solidFill>
+                        <a:srgbClr val="000000"/>
+                      </a:solidFill>
+                      <a:prstDash val="solid"/>
+                      <a:round/>
+                      <a:headEnd type="none" w="med" len="med"/>
+                      <a:tailEnd type="none" w="med" len="med"/>
+                    </a:lnR>
+                    <a:lnT w="6350" cap="flat" cmpd="sng" algn="ctr">
+                      <a:solidFill>
+                        <a:srgbClr val="000000"/>
+                      </a:solidFill>
+                      <a:prstDash val="solid"/>
+                      <a:round/>
+                      <a:headEnd type="none" w="med" len="med"/>
+                      <a:tailEnd type="none" w="med" len="med"/>
+                    </a:lnT>
+                    <a:lnB w="6350" cap="flat" cmpd="sng" algn="ctr">
+                      <a:solidFill>
+                        <a:srgbClr val="000000"/>
+                      </a:solidFill>
+                      <a:prstDash val="solid"/>
+                      <a:round/>
+                      <a:headEnd type="none" w="med" len="med"/>
+                      <a:tailEnd type="none" w="med" len="med"/>
+                    </a:lnB>
+                    <a:solidFill>
+                      <a:srgbClr val="DBE5F1"/>
+                    </a:solidFill>
+                  </a:tcPr>
+                </a:tc>
+              </a:tr>
+              <a:tr h="318445">
+                <a:tc>
+                  <a:txBody>
+                    <a:bodyPr/>
+                    <a:lstStyle/>
+                    <a:p>
+                      <a:pPr algn="l" fontAlgn="b"/>
+                      <a:r>
+                        <a:rPr lang="en-US" sz="1100" b="1" i="0" u="none" strike="noStrike">
+                          <a:solidFill>
+                            <a:srgbClr val="000000"/>
+                          </a:solidFill>
+                          <a:latin typeface="Calibri"/>
+                        </a:rPr>
+                        <a:t>Row Labels</a:t>
+                      </a:r>
+                    </a:p>
+                  </a:txBody>
+                  <a:tcPr marL="0" marR="0" marT="0" marB="0" anchor="b">
+                    <a:lnL w="6350" cap="flat" cmpd="sng" algn="ctr">
+                      <a:solidFill>
+                        <a:srgbClr val="000000"/>
+                      </a:solidFill>
+                      <a:prstDash val="solid"/>
+                      <a:round/>
+                      <a:headEnd type="none" w="med" len="med"/>
+                      <a:tailEnd type="none" w="med" len="med"/>
+                    </a:lnL>
+                    <a:lnR w="6350" cap="flat" cmpd="sng" algn="ctr">
+                      <a:solidFill>
+                        <a:srgbClr val="000000"/>
+                      </a:solidFill>
+                      <a:prstDash val="solid"/>
+                      <a:round/>
+                      <a:headEnd type="none" w="med" len="med"/>
+                      <a:tailEnd type="none" w="med" len="med"/>
+                    </a:lnR>
+                    <a:lnT w="6350" cap="flat" cmpd="sng" algn="ctr">
+                      <a:solidFill>
+                        <a:srgbClr val="000000"/>
+                      </a:solidFill>
+                      <a:prstDash val="solid"/>
+                      <a:round/>
+                      <a:headEnd type="none" w="med" len="med"/>
+                      <a:tailEnd type="none" w="med" len="med"/>
+                    </a:lnT>
+                    <a:lnB w="6350" cap="flat" cmpd="sng" algn="ctr">
+                      <a:solidFill>
+                        <a:srgbClr val="000000"/>
+                      </a:solidFill>
+                      <a:prstDash val="solid"/>
+                      <a:round/>
+                      <a:headEnd type="none" w="med" len="med"/>
+                      <a:tailEnd type="none" w="med" len="med"/>
+                    </a:lnB>
+                    <a:solidFill>
+                      <a:srgbClr val="DBE5F1"/>
+                    </a:solidFill>
+                  </a:tcPr>
+                </a:tc>
+                <a:tc>
+                  <a:txBody>
+                    <a:bodyPr/>
+                    <a:lstStyle/>
+                    <a:p>
+                      <a:pPr algn="l" fontAlgn="b"/>
+                      <a:r>
+                        <a:rPr lang="en-US" sz="1100" b="1" i="0" u="none" strike="noStrike">
+                          <a:solidFill>
+                            <a:srgbClr val="000000"/>
+                          </a:solidFill>
+                          <a:latin typeface="Calibri"/>
+                        </a:rPr>
+                        <a:t>Involuntary</a:t>
+                      </a:r>
+                    </a:p>
+                  </a:txBody>
+                  <a:tcPr marL="0" marR="0" marT="0" marB="0" anchor="b">
+                    <a:lnL w="6350" cap="flat" cmpd="sng" algn="ctr">
+                      <a:solidFill>
+                        <a:srgbClr val="000000"/>
+                      </a:solidFill>
+                      <a:prstDash val="solid"/>
+                      <a:round/>
+                      <a:headEnd type="none" w="med" len="med"/>
+                      <a:tailEnd type="none" w="med" len="med"/>
+                    </a:lnL>
+                    <a:lnR w="6350" cap="flat" cmpd="sng" algn="ctr">
+                      <a:solidFill>
+                        <a:srgbClr val="000000"/>
+                      </a:solidFill>
+                      <a:prstDash val="solid"/>
+                      <a:round/>
+                      <a:headEnd type="none" w="med" len="med"/>
+                      <a:tailEnd type="none" w="med" len="med"/>
+                    </a:lnR>
+                    <a:lnT w="6350" cap="flat" cmpd="sng" algn="ctr">
+                      <a:solidFill>
+                        <a:srgbClr val="000000"/>
+                      </a:solidFill>
+                      <a:prstDash val="solid"/>
+                      <a:round/>
+                      <a:headEnd type="none" w="med" len="med"/>
+                      <a:tailEnd type="none" w="med" len="med"/>
+                    </a:lnT>
+                    <a:lnB w="6350" cap="flat" cmpd="sng" algn="ctr">
+                      <a:solidFill>
+                        <a:srgbClr val="000000"/>
+                      </a:solidFill>
+                      <a:prstDash val="solid"/>
+                      <a:round/>
+                      <a:headEnd type="none" w="med" len="med"/>
+                      <a:tailEnd type="none" w="med" len="med"/>
+                    </a:lnB>
+                    <a:solidFill>
+                      <a:srgbClr val="DBE5F1"/>
+                    </a:solidFill>
+                  </a:tcPr>
+                </a:tc>
+                <a:tc>
+                  <a:txBody>
+                    <a:bodyPr/>
+                    <a:lstStyle/>
+                    <a:p>
+                      <a:pPr algn="l" fontAlgn="b"/>
+                      <a:r>
+                        <a:rPr lang="en-US" sz="1100" b="1" i="0" u="none" strike="noStrike">
+                          <a:solidFill>
+                            <a:srgbClr val="000000"/>
+                          </a:solidFill>
+                          <a:latin typeface="Calibri"/>
+                        </a:rPr>
+                        <a:t>Resignation</a:t>
+                      </a:r>
+                    </a:p>
+                  </a:txBody>
+                  <a:tcPr marL="0" marR="0" marT="0" marB="0" anchor="b">
+                    <a:lnL w="6350" cap="flat" cmpd="sng" algn="ctr">
+                      <a:solidFill>
+                        <a:srgbClr val="000000"/>
+                      </a:solidFill>
+                      <a:prstDash val="solid"/>
+                      <a:round/>
+                      <a:headEnd type="none" w="med" len="med"/>
+                      <a:tailEnd type="none" w="med" len="med"/>
+                    </a:lnL>
+                    <a:lnR w="6350" cap="flat" cmpd="sng" algn="ctr">
+                      <a:solidFill>
+                        <a:srgbClr val="000000"/>
+                      </a:solidFill>
+                      <a:prstDash val="solid"/>
+                      <a:round/>
+                      <a:headEnd type="none" w="med" len="med"/>
+                      <a:tailEnd type="none" w="med" len="med"/>
+                    </a:lnR>
+                    <a:lnT w="6350" cap="flat" cmpd="sng" algn="ctr">
+                      <a:solidFill>
+                        <a:srgbClr val="000000"/>
+                      </a:solidFill>
+                      <a:prstDash val="solid"/>
+                      <a:round/>
+                      <a:headEnd type="none" w="med" len="med"/>
+                      <a:tailEnd type="none" w="med" len="med"/>
+                    </a:lnT>
+                    <a:lnB w="6350" cap="flat" cmpd="sng" algn="ctr">
+                      <a:solidFill>
+                        <a:srgbClr val="000000"/>
+                      </a:solidFill>
+                      <a:prstDash val="solid"/>
+                      <a:round/>
+                      <a:headEnd type="none" w="med" len="med"/>
+                      <a:tailEnd type="none" w="med" len="med"/>
+                    </a:lnB>
+                    <a:solidFill>
+                      <a:srgbClr val="DBE5F1"/>
+                    </a:solidFill>
+                  </a:tcPr>
+                </a:tc>
+                <a:tc>
+                  <a:txBody>
+                    <a:bodyPr/>
+                    <a:lstStyle/>
+                    <a:p>
+                      <a:pPr algn="l" fontAlgn="b"/>
+                      <a:r>
+                        <a:rPr lang="en-US" sz="1100" b="1" i="0" u="none" strike="noStrike">
+                          <a:solidFill>
+                            <a:srgbClr val="000000"/>
+                          </a:solidFill>
+                          <a:latin typeface="Calibri"/>
+                        </a:rPr>
+                        <a:t>Retirement</a:t>
+                      </a:r>
+                    </a:p>
+                  </a:txBody>
+                  <a:tcPr marL="0" marR="0" marT="0" marB="0" anchor="b">
+                    <a:lnL w="6350" cap="flat" cmpd="sng" algn="ctr">
+                      <a:solidFill>
+                        <a:srgbClr val="000000"/>
+                      </a:solidFill>
+                      <a:prstDash val="solid"/>
+                      <a:round/>
+                      <a:headEnd type="none" w="med" len="med"/>
+                      <a:tailEnd type="none" w="med" len="med"/>
+                    </a:lnL>
+                    <a:lnR w="6350" cap="flat" cmpd="sng" algn="ctr">
+                      <a:solidFill>
+                        <a:srgbClr val="000000"/>
+                      </a:solidFill>
+                      <a:prstDash val="solid"/>
+                      <a:round/>
+                      <a:headEnd type="none" w="med" len="med"/>
+                      <a:tailEnd type="none" w="med" len="med"/>
+                    </a:lnR>
+                    <a:lnT w="6350" cap="flat" cmpd="sng" algn="ctr">
+                      <a:solidFill>
+                        <a:srgbClr val="000000"/>
+                      </a:solidFill>
+                      <a:prstDash val="solid"/>
+                      <a:round/>
+                      <a:headEnd type="none" w="med" len="med"/>
+                      <a:tailEnd type="none" w="med" len="med"/>
+                    </a:lnT>
+                    <a:lnB w="6350" cap="flat" cmpd="sng" algn="ctr">
+                      <a:solidFill>
+                        <a:srgbClr val="000000"/>
+                      </a:solidFill>
+                      <a:prstDash val="solid"/>
+                      <a:round/>
+                      <a:headEnd type="none" w="med" len="med"/>
+                      <a:tailEnd type="none" w="med" len="med"/>
+                    </a:lnB>
+                    <a:solidFill>
+                      <a:srgbClr val="DBE5F1"/>
+                    </a:solidFill>
+                  </a:tcPr>
+                </a:tc>
+                <a:tc>
+                  <a:txBody>
+                    <a:bodyPr/>
+                    <a:lstStyle/>
+                    <a:p>
+                      <a:pPr algn="l" fontAlgn="b"/>
+                      <a:r>
+                        <a:rPr lang="en-US" sz="1100" b="1" i="0" u="none" strike="noStrike">
+                          <a:solidFill>
+                            <a:srgbClr val="000000"/>
+                          </a:solidFill>
+                          <a:latin typeface="Calibri"/>
+                        </a:rPr>
+                        <a:t>Unk</a:t>
+                      </a:r>
+                    </a:p>
+                  </a:txBody>
+                  <a:tcPr marL="0" marR="0" marT="0" marB="0" anchor="b">
+                    <a:lnL w="6350" cap="flat" cmpd="sng" algn="ctr">
+                      <a:solidFill>
+                        <a:srgbClr val="000000"/>
+                      </a:solidFill>
+                      <a:prstDash val="solid"/>
+                      <a:round/>
+                      <a:headEnd type="none" w="med" len="med"/>
+                      <a:tailEnd type="none" w="med" len="med"/>
+                    </a:lnL>
+                    <a:lnR w="6350" cap="flat" cmpd="sng" algn="ctr">
+                      <a:solidFill>
+                        <a:srgbClr val="000000"/>
+                      </a:solidFill>
+                      <a:prstDash val="solid"/>
+                      <a:round/>
+                      <a:headEnd type="none" w="med" len="med"/>
+                      <a:tailEnd type="none" w="med" len="med"/>
+                    </a:lnR>
+                    <a:lnT w="6350" cap="flat" cmpd="sng" algn="ctr">
+                      <a:solidFill>
+                        <a:srgbClr val="000000"/>
+                      </a:solidFill>
+                      <a:prstDash val="solid"/>
+                      <a:round/>
+                      <a:headEnd type="none" w="med" len="med"/>
+                      <a:tailEnd type="none" w="med" len="med"/>
+                    </a:lnT>
+                    <a:lnB w="6350" cap="flat" cmpd="sng" algn="ctr">
+                      <a:solidFill>
+                        <a:srgbClr val="000000"/>
+                      </a:solidFill>
+                      <a:prstDash val="solid"/>
+                      <a:round/>
+                      <a:headEnd type="none" w="med" len="med"/>
+                      <a:tailEnd type="none" w="med" len="med"/>
+                    </a:lnB>
+                    <a:solidFill>
+                      <a:srgbClr val="DBE5F1"/>
+                    </a:solidFill>
+                  </a:tcPr>
+                </a:tc>
+                <a:tc>
+                  <a:txBody>
+                    <a:bodyPr/>
+                    <a:lstStyle/>
+                    <a:p>
+                      <a:pPr algn="l" fontAlgn="b"/>
+                      <a:r>
+                        <a:rPr lang="en-US" sz="1100" b="1" i="0" u="none" strike="noStrike">
+                          <a:solidFill>
+                            <a:srgbClr val="000000"/>
+                          </a:solidFill>
+                          <a:latin typeface="Calibri"/>
+                        </a:rPr>
+                        <a:t>Voluntary</a:t>
+                      </a:r>
+                    </a:p>
+                  </a:txBody>
+                  <a:tcPr marL="0" marR="0" marT="0" marB="0" anchor="b">
+                    <a:lnL w="6350" cap="flat" cmpd="sng" algn="ctr">
+                      <a:solidFill>
+                        <a:srgbClr val="000000"/>
+                      </a:solidFill>
+                      <a:prstDash val="solid"/>
+                      <a:round/>
+                      <a:headEnd type="none" w="med" len="med"/>
+                      <a:tailEnd type="none" w="med" len="med"/>
+                    </a:lnL>
+                    <a:lnR w="6350" cap="flat" cmpd="sng" algn="ctr">
+                      <a:solidFill>
+                        <a:srgbClr val="000000"/>
+                      </a:solidFill>
+                      <a:prstDash val="solid"/>
+                      <a:round/>
+                      <a:headEnd type="none" w="med" len="med"/>
+                      <a:tailEnd type="none" w="med" len="med"/>
+                    </a:lnR>
+                    <a:lnT w="6350" cap="flat" cmpd="sng" algn="ctr">
+                      <a:solidFill>
+                        <a:srgbClr val="000000"/>
+                      </a:solidFill>
+                      <a:prstDash val="solid"/>
+                      <a:round/>
+                      <a:headEnd type="none" w="med" len="med"/>
+                      <a:tailEnd type="none" w="med" len="med"/>
+                    </a:lnT>
+                    <a:lnB w="6350" cap="flat" cmpd="sng" algn="ctr">
+                      <a:solidFill>
+                        <a:srgbClr val="000000"/>
+                      </a:solidFill>
+                      <a:prstDash val="solid"/>
+                      <a:round/>
+                      <a:headEnd type="none" w="med" len="med"/>
+                      <a:tailEnd type="none" w="med" len="med"/>
+                    </a:lnB>
+                    <a:solidFill>
+                      <a:srgbClr val="DBE5F1"/>
+                    </a:solidFill>
+                  </a:tcPr>
+                </a:tc>
+                <a:tc>
+                  <a:txBody>
+                    <a:bodyPr/>
+                    <a:lstStyle/>
+                    <a:p>
+                      <a:pPr algn="l" fontAlgn="b"/>
+                      <a:r>
+                        <a:rPr lang="en-US" sz="1100" b="1" i="0" u="none" strike="noStrike">
+                          <a:solidFill>
+                            <a:srgbClr val="000000"/>
+                          </a:solidFill>
+                          <a:latin typeface="Calibri"/>
+                        </a:rPr>
+                        <a:t>Grand Total</a:t>
+                      </a:r>
+                    </a:p>
+                  </a:txBody>
+                  <a:tcPr marL="0" marR="0" marT="0" marB="0" anchor="b">
+                    <a:lnL w="6350" cap="flat" cmpd="sng" algn="ctr">
+                      <a:solidFill>
+                        <a:srgbClr val="000000"/>
+                      </a:solidFill>
+                      <a:prstDash val="solid"/>
+                      <a:round/>
+                      <a:headEnd type="none" w="med" len="med"/>
+                      <a:tailEnd type="none" w="med" len="med"/>
+                    </a:lnL>
+                    <a:lnR w="6350" cap="flat" cmpd="sng" algn="ctr">
+                      <a:solidFill>
+                        <a:srgbClr val="000000"/>
+                      </a:solidFill>
+                      <a:prstDash val="solid"/>
+                      <a:round/>
+                      <a:headEnd type="none" w="med" len="med"/>
+                      <a:tailEnd type="none" w="med" len="med"/>
+                    </a:lnR>
+                    <a:lnT w="6350" cap="flat" cmpd="sng" algn="ctr">
+                      <a:solidFill>
+                        <a:srgbClr val="000000"/>
+                      </a:solidFill>
+                      <a:prstDash val="solid"/>
+                      <a:round/>
+                      <a:headEnd type="none" w="med" len="med"/>
+                      <a:tailEnd type="none" w="med" len="med"/>
+                    </a:lnT>
+                    <a:lnB w="6350" cap="flat" cmpd="sng" algn="ctr">
+                      <a:solidFill>
+                        <a:srgbClr val="000000"/>
+                      </a:solidFill>
+                      <a:prstDash val="solid"/>
+                      <a:round/>
+                      <a:headEnd type="none" w="med" len="med"/>
+                      <a:tailEnd type="none" w="med" len="med"/>
+                    </a:lnB>
+                    <a:solidFill>
+                      <a:srgbClr val="DBE5F1"/>
+                    </a:solidFill>
+                  </a:tcPr>
+                </a:tc>
+              </a:tr>
+              <a:tr h="318445">
+                <a:tc>
+                  <a:txBody>
+                    <a:bodyPr/>
+                    <a:lstStyle/>
+                    <a:p>
+                      <a:pPr algn="l" fontAlgn="b"/>
+                      <a:r>
+                        <a:rPr lang="en-US" sz="1100" b="1" i="0" u="none" strike="noStrike">
+                          <a:solidFill>
+                            <a:srgbClr val="000000"/>
+                          </a:solidFill>
+                          <a:latin typeface="Calibri"/>
+                        </a:rPr>
+                        <a:t>IT/IS</a:t>
+                      </a:r>
+                    </a:p>
+                  </a:txBody>
+                  <a:tcPr marL="0" marR="0" marT="0" marB="0" anchor="b">
+                    <a:lnL w="6350" cap="flat" cmpd="sng" algn="ctr">
+                      <a:solidFill>
+                        <a:srgbClr val="000000"/>
+                      </a:solidFill>
+                      <a:prstDash val="solid"/>
+                      <a:round/>
+                      <a:headEnd type="none" w="med" len="med"/>
+                      <a:tailEnd type="none" w="med" len="med"/>
+                    </a:lnL>
+                    <a:lnR w="6350" cap="flat" cmpd="sng" algn="ctr">
+                      <a:solidFill>
+                        <a:srgbClr val="000000"/>
+                      </a:solidFill>
+                      <a:prstDash val="solid"/>
+                      <a:round/>
+                      <a:headEnd type="none" w="med" len="med"/>
+                      <a:tailEnd type="none" w="med" len="med"/>
+                    </a:lnR>
+                    <a:lnT w="6350" cap="flat" cmpd="sng" algn="ctr">
+                      <a:solidFill>
+                        <a:srgbClr val="000000"/>
+                      </a:solidFill>
+                      <a:prstDash val="solid"/>
+                      <a:round/>
+                      <a:headEnd type="none" w="med" len="med"/>
+                      <a:tailEnd type="none" w="med" len="med"/>
+                    </a:lnT>
+                    <a:lnB w="6350" cap="flat" cmpd="sng" algn="ctr">
+                      <a:solidFill>
+                        <a:srgbClr val="000000"/>
+                      </a:solidFill>
+                      <a:prstDash val="solid"/>
+                      <a:round/>
+                      <a:headEnd type="none" w="med" len="med"/>
+                      <a:tailEnd type="none" w="med" len="med"/>
+                    </a:lnB>
+                  </a:tcPr>
+                </a:tc>
+                <a:tc>
+                  <a:txBody>
+                    <a:bodyPr/>
+                    <a:lstStyle/>
+                    <a:p>
+                      <a:pPr algn="l" fontAlgn="b"/>
+                      <a:r>
+                        <a:rPr lang="en-US" sz="1100" b="1" i="0" u="none" strike="noStrike">
+                          <a:solidFill>
+                            <a:srgbClr val="000000"/>
+                          </a:solidFill>
+                          <a:latin typeface="Calibri"/>
+                        </a:rPr>
+                        <a:t> </a:t>
+                      </a:r>
+                    </a:p>
+                  </a:txBody>
+                  <a:tcPr marL="0" marR="0" marT="0" marB="0" anchor="b">
+                    <a:lnL w="6350" cap="flat" cmpd="sng" algn="ctr">
+                      <a:solidFill>
+                        <a:srgbClr val="000000"/>
+                      </a:solidFill>
+                      <a:prstDash val="solid"/>
+                      <a:round/>
+                      <a:headEnd type="none" w="med" len="med"/>
+                      <a:tailEnd type="none" w="med" len="med"/>
+                    </a:lnL>
+                    <a:lnR w="6350" cap="flat" cmpd="sng" algn="ctr">
+                      <a:solidFill>
+                        <a:srgbClr val="000000"/>
+                      </a:solidFill>
+                      <a:prstDash val="solid"/>
+                      <a:round/>
+                      <a:headEnd type="none" w="med" len="med"/>
+                      <a:tailEnd type="none" w="med" len="med"/>
+                    </a:lnR>
+                    <a:lnT w="6350" cap="flat" cmpd="sng" algn="ctr">
+                      <a:solidFill>
+                        <a:srgbClr val="000000"/>
+                      </a:solidFill>
+                      <a:prstDash val="solid"/>
+                      <a:round/>
+                      <a:headEnd type="none" w="med" len="med"/>
+                      <a:tailEnd type="none" w="med" len="med"/>
+                    </a:lnT>
+                    <a:lnB w="6350" cap="flat" cmpd="sng" algn="ctr">
+                      <a:solidFill>
+                        <a:srgbClr val="000000"/>
+                      </a:solidFill>
+                      <a:prstDash val="solid"/>
+                      <a:round/>
+                      <a:headEnd type="none" w="med" len="med"/>
+                      <a:tailEnd type="none" w="med" len="med"/>
+                    </a:lnB>
+                  </a:tcPr>
+                </a:tc>
+                <a:tc>
+                  <a:txBody>
+                    <a:bodyPr/>
+                    <a:lstStyle/>
+                    <a:p>
+                      <a:pPr algn="l" fontAlgn="b"/>
+                      <a:r>
+                        <a:rPr lang="en-US" sz="1100" b="1" i="0" u="none" strike="noStrike">
+                          <a:solidFill>
+                            <a:srgbClr val="000000"/>
+                          </a:solidFill>
+                          <a:latin typeface="Calibri"/>
+                        </a:rPr>
+                        <a:t> </a:t>
+                      </a:r>
+                    </a:p>
+                  </a:txBody>
+                  <a:tcPr marL="0" marR="0" marT="0" marB="0" anchor="b">
+                    <a:lnL w="6350" cap="flat" cmpd="sng" algn="ctr">
+                      <a:solidFill>
+                        <a:srgbClr val="000000"/>
+                      </a:solidFill>
+                      <a:prstDash val="solid"/>
+                      <a:round/>
+                      <a:headEnd type="none" w="med" len="med"/>
+                      <a:tailEnd type="none" w="med" len="med"/>
+                    </a:lnL>
+                    <a:lnR w="6350" cap="flat" cmpd="sng" algn="ctr">
+                      <a:solidFill>
+                        <a:srgbClr val="000000"/>
+                      </a:solidFill>
+                      <a:prstDash val="solid"/>
+                      <a:round/>
+                      <a:headEnd type="none" w="med" len="med"/>
+                      <a:tailEnd type="none" w="med" len="med"/>
+                    </a:lnR>
+                    <a:lnT w="6350" cap="flat" cmpd="sng" algn="ctr">
+                      <a:solidFill>
+                        <a:srgbClr val="000000"/>
+                      </a:solidFill>
+                      <a:prstDash val="solid"/>
+                      <a:round/>
+                      <a:headEnd type="none" w="med" len="med"/>
+                      <a:tailEnd type="none" w="med" len="med"/>
+                    </a:lnT>
+                    <a:lnB w="6350" cap="flat" cmpd="sng" algn="ctr">
+                      <a:solidFill>
+                        <a:srgbClr val="000000"/>
+                      </a:solidFill>
+                      <a:prstDash val="solid"/>
+                      <a:round/>
+                      <a:headEnd type="none" w="med" len="med"/>
+                      <a:tailEnd type="none" w="med" len="med"/>
+                    </a:lnB>
+                  </a:tcPr>
+                </a:tc>
+                <a:tc>
+                  <a:txBody>
+                    <a:bodyPr/>
+                    <a:lstStyle/>
+                    <a:p>
+                      <a:pPr algn="r" fontAlgn="b"/>
+                      <a:r>
+                        <a:rPr lang="en-US" sz="1100" b="1" i="0" u="none" strike="noStrike">
+                          <a:solidFill>
+                            <a:srgbClr val="000000"/>
+                          </a:solidFill>
+                          <a:latin typeface="Calibri"/>
+                        </a:rPr>
+                        <a:t>2</a:t>
+                      </a:r>
+                    </a:p>
+                  </a:txBody>
+                  <a:tcPr marL="0" marR="0" marT="0" marB="0" anchor="b">
+                    <a:lnL w="6350" cap="flat" cmpd="sng" algn="ctr">
+                      <a:solidFill>
+                        <a:srgbClr val="000000"/>
+                      </a:solidFill>
+                      <a:prstDash val="solid"/>
+                      <a:round/>
+                      <a:headEnd type="none" w="med" len="med"/>
+                      <a:tailEnd type="none" w="med" len="med"/>
+                    </a:lnL>
+                    <a:lnR w="6350" cap="flat" cmpd="sng" algn="ctr">
+                      <a:solidFill>
+                        <a:srgbClr val="000000"/>
+                      </a:solidFill>
+                      <a:prstDash val="solid"/>
+                      <a:round/>
+                      <a:headEnd type="none" w="med" len="med"/>
+                      <a:tailEnd type="none" w="med" len="med"/>
+                    </a:lnR>
+                    <a:lnT w="6350" cap="flat" cmpd="sng" algn="ctr">
+                      <a:solidFill>
+                        <a:srgbClr val="000000"/>
+                      </a:solidFill>
+                      <a:prstDash val="solid"/>
+                      <a:round/>
+                      <a:headEnd type="none" w="med" len="med"/>
+                      <a:tailEnd type="none" w="med" len="med"/>
+                    </a:lnT>
+                    <a:lnB w="6350" cap="flat" cmpd="sng" algn="ctr">
+                      <a:solidFill>
+                        <a:srgbClr val="000000"/>
+                      </a:solidFill>
+                      <a:prstDash val="solid"/>
+                      <a:round/>
+                      <a:headEnd type="none" w="med" len="med"/>
+                      <a:tailEnd type="none" w="med" len="med"/>
+                    </a:lnB>
+                  </a:tcPr>
+                </a:tc>
+                <a:tc>
+                  <a:txBody>
+                    <a:bodyPr/>
+                    <a:lstStyle/>
+                    <a:p>
+                      <a:pPr algn="l" fontAlgn="b"/>
+                      <a:r>
+                        <a:rPr lang="en-US" sz="1100" b="1" i="0" u="none" strike="noStrike">
+                          <a:solidFill>
+                            <a:srgbClr val="000000"/>
+                          </a:solidFill>
+                          <a:latin typeface="Calibri"/>
+                        </a:rPr>
+                        <a:t> </a:t>
+                      </a:r>
+                    </a:p>
+                  </a:txBody>
+                  <a:tcPr marL="0" marR="0" marT="0" marB="0" anchor="b">
+                    <a:lnL w="6350" cap="flat" cmpd="sng" algn="ctr">
+                      <a:solidFill>
+                        <a:srgbClr val="000000"/>
+                      </a:solidFill>
+                      <a:prstDash val="solid"/>
+                      <a:round/>
+                      <a:headEnd type="none" w="med" len="med"/>
+                      <a:tailEnd type="none" w="med" len="med"/>
+                    </a:lnL>
+                    <a:lnR w="6350" cap="flat" cmpd="sng" algn="ctr">
+                      <a:solidFill>
+                        <a:srgbClr val="000000"/>
+                      </a:solidFill>
+                      <a:prstDash val="solid"/>
+                      <a:round/>
+                      <a:headEnd type="none" w="med" len="med"/>
+                      <a:tailEnd type="none" w="med" len="med"/>
+                    </a:lnR>
+                    <a:lnT w="6350" cap="flat" cmpd="sng" algn="ctr">
+                      <a:solidFill>
+                        <a:srgbClr val="000000"/>
+                      </a:solidFill>
+                      <a:prstDash val="solid"/>
+                      <a:round/>
+                      <a:headEnd type="none" w="med" len="med"/>
+                      <a:tailEnd type="none" w="med" len="med"/>
+                    </a:lnT>
+                    <a:lnB w="6350" cap="flat" cmpd="sng" algn="ctr">
+                      <a:solidFill>
+                        <a:srgbClr val="000000"/>
+                      </a:solidFill>
+                      <a:prstDash val="solid"/>
+                      <a:round/>
+                      <a:headEnd type="none" w="med" len="med"/>
+                      <a:tailEnd type="none" w="med" len="med"/>
+                    </a:lnB>
+                  </a:tcPr>
+                </a:tc>
+                <a:tc>
+                  <a:txBody>
+                    <a:bodyPr/>
+                    <a:lstStyle/>
+                    <a:p>
+                      <a:pPr algn="r" fontAlgn="b"/>
+                      <a:r>
+                        <a:rPr lang="en-US" sz="1100" b="1" i="0" u="none" strike="noStrike">
+                          <a:solidFill>
+                            <a:srgbClr val="000000"/>
+                          </a:solidFill>
+                          <a:latin typeface="Calibri"/>
+                        </a:rPr>
+                        <a:t>1</a:t>
+                      </a:r>
+                    </a:p>
+                  </a:txBody>
+                  <a:tcPr marL="0" marR="0" marT="0" marB="0" anchor="b">
+                    <a:lnL w="6350" cap="flat" cmpd="sng" algn="ctr">
+                      <a:solidFill>
+                        <a:srgbClr val="000000"/>
+                      </a:solidFill>
+                      <a:prstDash val="solid"/>
+                      <a:round/>
+                      <a:headEnd type="none" w="med" len="med"/>
+                      <a:tailEnd type="none" w="med" len="med"/>
+                    </a:lnL>
+                    <a:lnR w="6350" cap="flat" cmpd="sng" algn="ctr">
+                      <a:solidFill>
+                        <a:srgbClr val="000000"/>
+                      </a:solidFill>
+                      <a:prstDash val="solid"/>
+                      <a:round/>
+                      <a:headEnd type="none" w="med" len="med"/>
+                      <a:tailEnd type="none" w="med" len="med"/>
+                    </a:lnR>
+                    <a:lnT w="6350" cap="flat" cmpd="sng" algn="ctr">
+                      <a:solidFill>
+                        <a:srgbClr val="000000"/>
+                      </a:solidFill>
+                      <a:prstDash val="solid"/>
+                      <a:round/>
+                      <a:headEnd type="none" w="med" len="med"/>
+                      <a:tailEnd type="none" w="med" len="med"/>
+                    </a:lnT>
+                    <a:lnB w="6350" cap="flat" cmpd="sng" algn="ctr">
+                      <a:solidFill>
+                        <a:srgbClr val="000000"/>
+                      </a:solidFill>
+                      <a:prstDash val="solid"/>
+                      <a:round/>
+                      <a:headEnd type="none" w="med" len="med"/>
+                      <a:tailEnd type="none" w="med" len="med"/>
+                    </a:lnB>
+                  </a:tcPr>
+                </a:tc>
+                <a:tc>
+                  <a:txBody>
+                    <a:bodyPr/>
+                    <a:lstStyle/>
+                    <a:p>
+                      <a:pPr algn="r" fontAlgn="b"/>
+                      <a:r>
+                        <a:rPr lang="en-US" sz="1100" b="1" i="0" u="none" strike="noStrike">
+                          <a:solidFill>
+                            <a:srgbClr val="000000"/>
+                          </a:solidFill>
+                          <a:latin typeface="Calibri"/>
+                        </a:rPr>
+                        <a:t>3</a:t>
+                      </a:r>
+                    </a:p>
+                  </a:txBody>
+                  <a:tcPr marL="0" marR="0" marT="0" marB="0" anchor="b">
+                    <a:lnL w="6350" cap="flat" cmpd="sng" algn="ctr">
+                      <a:solidFill>
+                        <a:srgbClr val="000000"/>
+                      </a:solidFill>
+                      <a:prstDash val="solid"/>
+                      <a:round/>
+                      <a:headEnd type="none" w="med" len="med"/>
+                      <a:tailEnd type="none" w="med" len="med"/>
+                    </a:lnL>
+                    <a:lnR w="6350" cap="flat" cmpd="sng" algn="ctr">
+                      <a:solidFill>
+                        <a:srgbClr val="000000"/>
+                      </a:solidFill>
+                      <a:prstDash val="solid"/>
+                      <a:round/>
+                      <a:headEnd type="none" w="med" len="med"/>
+                      <a:tailEnd type="none" w="med" len="med"/>
+                    </a:lnR>
+                    <a:lnT w="6350" cap="flat" cmpd="sng" algn="ctr">
+                      <a:solidFill>
+                        <a:srgbClr val="000000"/>
+                      </a:solidFill>
+                      <a:prstDash val="solid"/>
+                      <a:round/>
+                      <a:headEnd type="none" w="med" len="med"/>
+                      <a:tailEnd type="none" w="med" len="med"/>
+                    </a:lnT>
+                    <a:lnB w="6350" cap="flat" cmpd="sng" algn="ctr">
+                      <a:solidFill>
+                        <a:srgbClr val="000000"/>
+                      </a:solidFill>
+                      <a:prstDash val="solid"/>
+                      <a:round/>
+                      <a:headEnd type="none" w="med" len="med"/>
+                      <a:tailEnd type="none" w="med" len="med"/>
+                    </a:lnB>
+                  </a:tcPr>
+                </a:tc>
+              </a:tr>
+              <a:tr h="318445">
+                <a:tc>
+                  <a:txBody>
+                    <a:bodyPr/>
+                    <a:lstStyle/>
+                    <a:p>
+                      <a:pPr algn="l" fontAlgn="b"/>
+                      <a:r>
+                        <a:rPr lang="en-US" sz="1100" b="0" i="0" u="none" strike="noStrike">
+                          <a:solidFill>
+                            <a:srgbClr val="000000"/>
+                          </a:solidFill>
+                          <a:latin typeface="Calibri"/>
+                        </a:rPr>
+                        <a:t>Full-Time</a:t>
+                      </a:r>
+                    </a:p>
+                  </a:txBody>
+                  <a:tcPr marL="85725" marR="0" marT="0" marB="0" anchor="b">
+                    <a:lnL w="6350" cap="flat" cmpd="sng" algn="ctr">
+                      <a:solidFill>
+                        <a:srgbClr val="000000"/>
+                      </a:solidFill>
+                      <a:prstDash val="solid"/>
+                      <a:round/>
+                      <a:headEnd type="none" w="med" len="med"/>
+                      <a:tailEnd type="none" w="med" len="med"/>
+                    </a:lnL>
+                    <a:lnR w="6350" cap="flat" cmpd="sng" algn="ctr">
+                      <a:solidFill>
+                        <a:srgbClr val="000000"/>
+                      </a:solidFill>
+                      <a:prstDash val="solid"/>
+                      <a:round/>
+                      <a:headEnd type="none" w="med" len="med"/>
+                      <a:tailEnd type="none" w="med" len="med"/>
+                    </a:lnR>
+                    <a:lnT w="6350" cap="flat" cmpd="sng" algn="ctr">
+                      <a:solidFill>
+                        <a:srgbClr val="000000"/>
+                      </a:solidFill>
+                      <a:prstDash val="solid"/>
+                      <a:round/>
+                      <a:headEnd type="none" w="med" len="med"/>
+                      <a:tailEnd type="none" w="med" len="med"/>
+                    </a:lnT>
+                    <a:lnB w="6350" cap="flat" cmpd="sng" algn="ctr">
+                      <a:solidFill>
+                        <a:srgbClr val="000000"/>
+                      </a:solidFill>
+                      <a:prstDash val="solid"/>
+                      <a:round/>
+                      <a:headEnd type="none" w="med" len="med"/>
+                      <a:tailEnd type="none" w="med" len="med"/>
+                    </a:lnB>
+                  </a:tcPr>
+                </a:tc>
+                <a:tc>
+                  <a:txBody>
+                    <a:bodyPr/>
+                    <a:lstStyle/>
+                    <a:p>
+                      <a:pPr algn="l" fontAlgn="b"/>
+                      <a:r>
+                        <a:rPr lang="en-US" sz="1100" b="0" i="0" u="none" strike="noStrike">
+                          <a:solidFill>
+                            <a:srgbClr val="000000"/>
+                          </a:solidFill>
+                          <a:latin typeface="Calibri"/>
+                        </a:rPr>
+                        <a:t> </a:t>
+                      </a:r>
+                    </a:p>
+                  </a:txBody>
+                  <a:tcPr marL="0" marR="0" marT="0" marB="0" anchor="b">
+                    <a:lnL w="6350" cap="flat" cmpd="sng" algn="ctr">
+                      <a:solidFill>
+                        <a:srgbClr val="000000"/>
+                      </a:solidFill>
+                      <a:prstDash val="solid"/>
+                      <a:round/>
+                      <a:headEnd type="none" w="med" len="med"/>
+                      <a:tailEnd type="none" w="med" len="med"/>
+                    </a:lnL>
+                    <a:lnR w="6350" cap="flat" cmpd="sng" algn="ctr">
+                      <a:solidFill>
+                        <a:srgbClr val="000000"/>
+                      </a:solidFill>
+                      <a:prstDash val="solid"/>
+                      <a:round/>
+                      <a:headEnd type="none" w="med" len="med"/>
+                      <a:tailEnd type="none" w="med" len="med"/>
+                    </a:lnR>
+                    <a:lnT w="6350" cap="flat" cmpd="sng" algn="ctr">
+                      <a:solidFill>
+                        <a:srgbClr val="000000"/>
+                      </a:solidFill>
+                      <a:prstDash val="solid"/>
+                      <a:round/>
+                      <a:headEnd type="none" w="med" len="med"/>
+                      <a:tailEnd type="none" w="med" len="med"/>
+                    </a:lnT>
+                    <a:lnB w="6350" cap="flat" cmpd="sng" algn="ctr">
+                      <a:solidFill>
+                        <a:srgbClr val="000000"/>
+                      </a:solidFill>
+                      <a:prstDash val="solid"/>
+                      <a:round/>
+                      <a:headEnd type="none" w="med" len="med"/>
+                      <a:tailEnd type="none" w="med" len="med"/>
+                    </a:lnB>
+                  </a:tcPr>
+                </a:tc>
+                <a:tc>
+                  <a:txBody>
+                    <a:bodyPr/>
+                    <a:lstStyle/>
+                    <a:p>
+                      <a:pPr algn="l" fontAlgn="b"/>
+                      <a:r>
+                        <a:rPr lang="en-US" sz="1100" b="0" i="0" u="none" strike="noStrike">
+                          <a:solidFill>
+                            <a:srgbClr val="000000"/>
+                          </a:solidFill>
+                          <a:latin typeface="Calibri"/>
+                        </a:rPr>
+                        <a:t> </a:t>
+                      </a:r>
+                    </a:p>
+                  </a:txBody>
+                  <a:tcPr marL="0" marR="0" marT="0" marB="0" anchor="b">
+                    <a:lnL w="6350" cap="flat" cmpd="sng" algn="ctr">
+                      <a:solidFill>
+                        <a:srgbClr val="000000"/>
+                      </a:solidFill>
+                      <a:prstDash val="solid"/>
+                      <a:round/>
+                      <a:headEnd type="none" w="med" len="med"/>
+                      <a:tailEnd type="none" w="med" len="med"/>
+                    </a:lnL>
+                    <a:lnR w="6350" cap="flat" cmpd="sng" algn="ctr">
+                      <a:solidFill>
+                        <a:srgbClr val="000000"/>
+                      </a:solidFill>
+                      <a:prstDash val="solid"/>
+                      <a:round/>
+                      <a:headEnd type="none" w="med" len="med"/>
+                      <a:tailEnd type="none" w="med" len="med"/>
+                    </a:lnR>
+                    <a:lnT w="6350" cap="flat" cmpd="sng" algn="ctr">
+                      <a:solidFill>
+                        <a:srgbClr val="000000"/>
+                      </a:solidFill>
+                      <a:prstDash val="solid"/>
+                      <a:round/>
+                      <a:headEnd type="none" w="med" len="med"/>
+                      <a:tailEnd type="none" w="med" len="med"/>
+                    </a:lnT>
+                    <a:lnB w="6350" cap="flat" cmpd="sng" algn="ctr">
+                      <a:solidFill>
+                        <a:srgbClr val="000000"/>
+                      </a:solidFill>
+                      <a:prstDash val="solid"/>
+                      <a:round/>
+                      <a:headEnd type="none" w="med" len="med"/>
+                      <a:tailEnd type="none" w="med" len="med"/>
+                    </a:lnB>
+                  </a:tcPr>
+                </a:tc>
+                <a:tc>
+                  <a:txBody>
+                    <a:bodyPr/>
+                    <a:lstStyle/>
+                    <a:p>
+                      <a:pPr algn="r" fontAlgn="b"/>
+                      <a:r>
+                        <a:rPr lang="en-US" sz="1100" b="0" i="0" u="none" strike="noStrike">
+                          <a:solidFill>
+                            <a:srgbClr val="000000"/>
+                          </a:solidFill>
+                          <a:latin typeface="Calibri"/>
+                        </a:rPr>
+                        <a:t>1</a:t>
+                      </a:r>
+                    </a:p>
+                  </a:txBody>
+                  <a:tcPr marL="0" marR="0" marT="0" marB="0" anchor="b">
+                    <a:lnL w="6350" cap="flat" cmpd="sng" algn="ctr">
+                      <a:solidFill>
+                        <a:srgbClr val="000000"/>
+                      </a:solidFill>
+                      <a:prstDash val="solid"/>
+                      <a:round/>
+                      <a:headEnd type="none" w="med" len="med"/>
+                      <a:tailEnd type="none" w="med" len="med"/>
+                    </a:lnL>
+                    <a:lnR w="6350" cap="flat" cmpd="sng" algn="ctr">
+                      <a:solidFill>
+                        <a:srgbClr val="000000"/>
+                      </a:solidFill>
+                      <a:prstDash val="solid"/>
+                      <a:round/>
+                      <a:headEnd type="none" w="med" len="med"/>
+                      <a:tailEnd type="none" w="med" len="med"/>
+                    </a:lnR>
+                    <a:lnT w="6350" cap="flat" cmpd="sng" algn="ctr">
+                      <a:solidFill>
+                        <a:srgbClr val="000000"/>
+                      </a:solidFill>
+                      <a:prstDash val="solid"/>
+                      <a:round/>
+                      <a:headEnd type="none" w="med" len="med"/>
+                      <a:tailEnd type="none" w="med" len="med"/>
+                    </a:lnT>
+                    <a:lnB w="6350" cap="flat" cmpd="sng" algn="ctr">
+                      <a:solidFill>
+                        <a:srgbClr val="000000"/>
+                      </a:solidFill>
+                      <a:prstDash val="solid"/>
+                      <a:round/>
+                      <a:headEnd type="none" w="med" len="med"/>
+                      <a:tailEnd type="none" w="med" len="med"/>
+                    </a:lnB>
+                  </a:tcPr>
+                </a:tc>
+                <a:tc>
+                  <a:txBody>
+                    <a:bodyPr/>
+                    <a:lstStyle/>
+                    <a:p>
+                      <a:pPr algn="l" fontAlgn="b"/>
+                      <a:r>
+                        <a:rPr lang="en-US" sz="1100" b="0" i="0" u="none" strike="noStrike">
+                          <a:solidFill>
+                            <a:srgbClr val="000000"/>
+                          </a:solidFill>
+                          <a:latin typeface="Calibri"/>
+                        </a:rPr>
+                        <a:t> </a:t>
+                      </a:r>
+                    </a:p>
+                  </a:txBody>
+                  <a:tcPr marL="0" marR="0" marT="0" marB="0" anchor="b">
+                    <a:lnL w="6350" cap="flat" cmpd="sng" algn="ctr">
+                      <a:solidFill>
+                        <a:srgbClr val="000000"/>
+                      </a:solidFill>
+                      <a:prstDash val="solid"/>
+                      <a:round/>
+                      <a:headEnd type="none" w="med" len="med"/>
+                      <a:tailEnd type="none" w="med" len="med"/>
+                    </a:lnL>
+                    <a:lnR w="6350" cap="flat" cmpd="sng" algn="ctr">
+                      <a:solidFill>
+                        <a:srgbClr val="000000"/>
+                      </a:solidFill>
+                      <a:prstDash val="solid"/>
+                      <a:round/>
+                      <a:headEnd type="none" w="med" len="med"/>
+                      <a:tailEnd type="none" w="med" len="med"/>
+                    </a:lnR>
+                    <a:lnT w="6350" cap="flat" cmpd="sng" algn="ctr">
+                      <a:solidFill>
+                        <a:srgbClr val="000000"/>
+                      </a:solidFill>
+                      <a:prstDash val="solid"/>
+                      <a:round/>
+                      <a:headEnd type="none" w="med" len="med"/>
+                      <a:tailEnd type="none" w="med" len="med"/>
+                    </a:lnT>
+                    <a:lnB w="6350" cap="flat" cmpd="sng" algn="ctr">
+                      <a:solidFill>
+                        <a:srgbClr val="000000"/>
+                      </a:solidFill>
+                      <a:prstDash val="solid"/>
+                      <a:round/>
+                      <a:headEnd type="none" w="med" len="med"/>
+                      <a:tailEnd type="none" w="med" len="med"/>
+                    </a:lnB>
+                  </a:tcPr>
+                </a:tc>
+                <a:tc>
+                  <a:txBody>
+                    <a:bodyPr/>
+                    <a:lstStyle/>
+                    <a:p>
+                      <a:pPr algn="r" fontAlgn="b"/>
+                      <a:r>
+                        <a:rPr lang="en-US" sz="1100" b="0" i="0" u="none" strike="noStrike">
+                          <a:solidFill>
+                            <a:srgbClr val="000000"/>
+                          </a:solidFill>
+                          <a:latin typeface="Calibri"/>
+                        </a:rPr>
+                        <a:t>1</a:t>
+                      </a:r>
+                    </a:p>
+                  </a:txBody>
+                  <a:tcPr marL="0" marR="0" marT="0" marB="0" anchor="b">
+                    <a:lnL w="6350" cap="flat" cmpd="sng" algn="ctr">
+                      <a:solidFill>
+                        <a:srgbClr val="000000"/>
+                      </a:solidFill>
+                      <a:prstDash val="solid"/>
+                      <a:round/>
+                      <a:headEnd type="none" w="med" len="med"/>
+                      <a:tailEnd type="none" w="med" len="med"/>
+                    </a:lnL>
+                    <a:lnR w="6350" cap="flat" cmpd="sng" algn="ctr">
+                      <a:solidFill>
+                        <a:srgbClr val="000000"/>
+                      </a:solidFill>
+                      <a:prstDash val="solid"/>
+                      <a:round/>
+                      <a:headEnd type="none" w="med" len="med"/>
+                      <a:tailEnd type="none" w="med" len="med"/>
+                    </a:lnR>
+                    <a:lnT w="6350" cap="flat" cmpd="sng" algn="ctr">
+                      <a:solidFill>
+                        <a:srgbClr val="000000"/>
+                      </a:solidFill>
+                      <a:prstDash val="solid"/>
+                      <a:round/>
+                      <a:headEnd type="none" w="med" len="med"/>
+                      <a:tailEnd type="none" w="med" len="med"/>
+                    </a:lnT>
+                    <a:lnB w="6350" cap="flat" cmpd="sng" algn="ctr">
+                      <a:solidFill>
+                        <a:srgbClr val="000000"/>
+                      </a:solidFill>
+                      <a:prstDash val="solid"/>
+                      <a:round/>
+                      <a:headEnd type="none" w="med" len="med"/>
+                      <a:tailEnd type="none" w="med" len="med"/>
+                    </a:lnB>
+                  </a:tcPr>
+                </a:tc>
+                <a:tc>
+                  <a:txBody>
+                    <a:bodyPr/>
+                    <a:lstStyle/>
+                    <a:p>
+                      <a:pPr algn="r" fontAlgn="b"/>
+                      <a:r>
+                        <a:rPr lang="en-US" sz="1100" b="0" i="0" u="none" strike="noStrike">
+                          <a:solidFill>
+                            <a:srgbClr val="000000"/>
+                          </a:solidFill>
+                          <a:latin typeface="Calibri"/>
+                        </a:rPr>
+                        <a:t>2</a:t>
+                      </a:r>
+                    </a:p>
+                  </a:txBody>
+                  <a:tcPr marL="0" marR="0" marT="0" marB="0" anchor="b">
+                    <a:lnL w="6350" cap="flat" cmpd="sng" algn="ctr">
+                      <a:solidFill>
+                        <a:srgbClr val="000000"/>
+                      </a:solidFill>
+                      <a:prstDash val="solid"/>
+                      <a:round/>
+                      <a:headEnd type="none" w="med" len="med"/>
+                      <a:tailEnd type="none" w="med" len="med"/>
+                    </a:lnL>
+                    <a:lnR w="6350" cap="flat" cmpd="sng" algn="ctr">
+                      <a:solidFill>
+                        <a:srgbClr val="000000"/>
+                      </a:solidFill>
+                      <a:prstDash val="solid"/>
+                      <a:round/>
+                      <a:headEnd type="none" w="med" len="med"/>
+                      <a:tailEnd type="none" w="med" len="med"/>
+                    </a:lnR>
+                    <a:lnT w="6350" cap="flat" cmpd="sng" algn="ctr">
+                      <a:solidFill>
+                        <a:srgbClr val="000000"/>
+                      </a:solidFill>
+                      <a:prstDash val="solid"/>
+                      <a:round/>
+                      <a:headEnd type="none" w="med" len="med"/>
+                      <a:tailEnd type="none" w="med" len="med"/>
+                    </a:lnT>
+                    <a:lnB w="6350" cap="flat" cmpd="sng" algn="ctr">
+                      <a:solidFill>
+                        <a:srgbClr val="000000"/>
+                      </a:solidFill>
+                      <a:prstDash val="solid"/>
+                      <a:round/>
+                      <a:headEnd type="none" w="med" len="med"/>
+                      <a:tailEnd type="none" w="med" len="med"/>
+                    </a:lnB>
+                  </a:tcPr>
+                </a:tc>
+              </a:tr>
+              <a:tr h="318445">
+                <a:tc>
+                  <a:txBody>
+                    <a:bodyPr/>
+                    <a:lstStyle/>
+                    <a:p>
+                      <a:pPr algn="l" fontAlgn="b"/>
+                      <a:r>
+                        <a:rPr lang="en-US" sz="1100" b="0" i="0" u="none" strike="noStrike" dirty="0">
+                          <a:solidFill>
+                            <a:srgbClr val="000000"/>
+                          </a:solidFill>
+                          <a:latin typeface="Calibri"/>
+                        </a:rPr>
+                        <a:t>Part-Time</a:t>
+                      </a:r>
+                    </a:p>
+                  </a:txBody>
+                  <a:tcPr marL="85725" marR="0" marT="0" marB="0" anchor="b">
+                    <a:lnL w="6350" cap="flat" cmpd="sng" algn="ctr">
+                      <a:solidFill>
+                        <a:srgbClr val="000000"/>
+                      </a:solidFill>
+                      <a:prstDash val="solid"/>
+                      <a:round/>
+                      <a:headEnd type="none" w="med" len="med"/>
+                      <a:tailEnd type="none" w="med" len="med"/>
+                    </a:lnL>
+                    <a:lnR w="6350" cap="flat" cmpd="sng" algn="ctr">
+                      <a:solidFill>
+                        <a:srgbClr val="000000"/>
+                      </a:solidFill>
+                      <a:prstDash val="solid"/>
+                      <a:round/>
+                      <a:headEnd type="none" w="med" len="med"/>
+                      <a:tailEnd type="none" w="med" len="med"/>
+                    </a:lnR>
+                    <a:lnT w="6350" cap="flat" cmpd="sng" algn="ctr">
+                      <a:solidFill>
+                        <a:srgbClr val="000000"/>
+                      </a:solidFill>
+                      <a:prstDash val="solid"/>
+                      <a:round/>
+                      <a:headEnd type="none" w="med" len="med"/>
+                      <a:tailEnd type="none" w="med" len="med"/>
+                    </a:lnT>
+                    <a:lnB w="6350" cap="flat" cmpd="sng" algn="ctr">
+                      <a:solidFill>
+                        <a:srgbClr val="000000"/>
+                      </a:solidFill>
+                      <a:prstDash val="solid"/>
+                      <a:round/>
+                      <a:headEnd type="none" w="med" len="med"/>
+                      <a:tailEnd type="none" w="med" len="med"/>
+                    </a:lnB>
+                  </a:tcPr>
+                </a:tc>
+                <a:tc>
+                  <a:txBody>
+                    <a:bodyPr/>
+                    <a:lstStyle/>
+                    <a:p>
+                      <a:pPr algn="l" fontAlgn="b"/>
+                      <a:r>
+                        <a:rPr lang="en-US" sz="1100" b="0" i="0" u="none" strike="noStrike">
+                          <a:solidFill>
+                            <a:srgbClr val="000000"/>
+                          </a:solidFill>
+                          <a:latin typeface="Calibri"/>
+                        </a:rPr>
+                        <a:t> </a:t>
+                      </a:r>
+                    </a:p>
+                  </a:txBody>
+                  <a:tcPr marL="0" marR="0" marT="0" marB="0" anchor="b">
+                    <a:lnL w="6350" cap="flat" cmpd="sng" algn="ctr">
+                      <a:solidFill>
+                        <a:srgbClr val="000000"/>
+                      </a:solidFill>
+                      <a:prstDash val="solid"/>
+                      <a:round/>
+                      <a:headEnd type="none" w="med" len="med"/>
+                      <a:tailEnd type="none" w="med" len="med"/>
+                    </a:lnL>
+                    <a:lnR w="6350" cap="flat" cmpd="sng" algn="ctr">
+                      <a:solidFill>
+                        <a:srgbClr val="000000"/>
+                      </a:solidFill>
+                      <a:prstDash val="solid"/>
+                      <a:round/>
+                      <a:headEnd type="none" w="med" len="med"/>
+                      <a:tailEnd type="none" w="med" len="med"/>
+                    </a:lnR>
+                    <a:lnT w="6350" cap="flat" cmpd="sng" algn="ctr">
+                      <a:solidFill>
+                        <a:srgbClr val="000000"/>
+                      </a:solidFill>
+                      <a:prstDash val="solid"/>
+                      <a:round/>
+                      <a:headEnd type="none" w="med" len="med"/>
+                      <a:tailEnd type="none" w="med" len="med"/>
+                    </a:lnT>
+                    <a:lnB w="6350" cap="flat" cmpd="sng" algn="ctr">
+                      <a:solidFill>
+                        <a:srgbClr val="000000"/>
+                      </a:solidFill>
+                      <a:prstDash val="solid"/>
+                      <a:round/>
+                      <a:headEnd type="none" w="med" len="med"/>
+                      <a:tailEnd type="none" w="med" len="med"/>
+                    </a:lnB>
+                  </a:tcPr>
+                </a:tc>
+                <a:tc>
+                  <a:txBody>
+                    <a:bodyPr/>
+                    <a:lstStyle/>
+                    <a:p>
+                      <a:pPr algn="l" fontAlgn="b"/>
+                      <a:r>
+                        <a:rPr lang="en-US" sz="1100" b="0" i="0" u="none" strike="noStrike">
+                          <a:solidFill>
+                            <a:srgbClr val="000000"/>
+                          </a:solidFill>
+                          <a:latin typeface="Calibri"/>
+                        </a:rPr>
+                        <a:t> </a:t>
+                      </a:r>
+                    </a:p>
+                  </a:txBody>
+                  <a:tcPr marL="0" marR="0" marT="0" marB="0" anchor="b">
+                    <a:lnL w="6350" cap="flat" cmpd="sng" algn="ctr">
+                      <a:solidFill>
+                        <a:srgbClr val="000000"/>
+                      </a:solidFill>
+                      <a:prstDash val="solid"/>
+                      <a:round/>
+                      <a:headEnd type="none" w="med" len="med"/>
+                      <a:tailEnd type="none" w="med" len="med"/>
+                    </a:lnL>
+                    <a:lnR w="6350" cap="flat" cmpd="sng" algn="ctr">
+                      <a:solidFill>
+                        <a:srgbClr val="000000"/>
+                      </a:solidFill>
+                      <a:prstDash val="solid"/>
+                      <a:round/>
+                      <a:headEnd type="none" w="med" len="med"/>
+                      <a:tailEnd type="none" w="med" len="med"/>
+                    </a:lnR>
+                    <a:lnT w="6350" cap="flat" cmpd="sng" algn="ctr">
+                      <a:solidFill>
+                        <a:srgbClr val="000000"/>
+                      </a:solidFill>
+                      <a:prstDash val="solid"/>
+                      <a:round/>
+                      <a:headEnd type="none" w="med" len="med"/>
+                      <a:tailEnd type="none" w="med" len="med"/>
+                    </a:lnT>
+                    <a:lnB w="6350" cap="flat" cmpd="sng" algn="ctr">
+                      <a:solidFill>
+                        <a:srgbClr val="000000"/>
+                      </a:solidFill>
+                      <a:prstDash val="solid"/>
+                      <a:round/>
+                      <a:headEnd type="none" w="med" len="med"/>
+                      <a:tailEnd type="none" w="med" len="med"/>
+                    </a:lnB>
+                  </a:tcPr>
+                </a:tc>
+                <a:tc>
+                  <a:txBody>
+                    <a:bodyPr/>
+                    <a:lstStyle/>
+                    <a:p>
+                      <a:pPr algn="r" fontAlgn="b"/>
+                      <a:r>
+                        <a:rPr lang="en-US" sz="1100" b="0" i="0" u="none" strike="noStrike">
+                          <a:solidFill>
+                            <a:srgbClr val="000000"/>
+                          </a:solidFill>
+                          <a:latin typeface="Calibri"/>
+                        </a:rPr>
+                        <a:t>1</a:t>
+                      </a:r>
+                    </a:p>
+                  </a:txBody>
+                  <a:tcPr marL="0" marR="0" marT="0" marB="0" anchor="b">
+                    <a:lnL w="6350" cap="flat" cmpd="sng" algn="ctr">
+                      <a:solidFill>
+                        <a:srgbClr val="000000"/>
+                      </a:solidFill>
+                      <a:prstDash val="solid"/>
+                      <a:round/>
+                      <a:headEnd type="none" w="med" len="med"/>
+                      <a:tailEnd type="none" w="med" len="med"/>
+                    </a:lnL>
+                    <a:lnR w="6350" cap="flat" cmpd="sng" algn="ctr">
+                      <a:solidFill>
+                        <a:srgbClr val="000000"/>
+                      </a:solidFill>
+                      <a:prstDash val="solid"/>
+                      <a:round/>
+                      <a:headEnd type="none" w="med" len="med"/>
+                      <a:tailEnd type="none" w="med" len="med"/>
+                    </a:lnR>
+                    <a:lnT w="6350" cap="flat" cmpd="sng" algn="ctr">
+                      <a:solidFill>
+                        <a:srgbClr val="000000"/>
+                      </a:solidFill>
+                      <a:prstDash val="solid"/>
+                      <a:round/>
+                      <a:headEnd type="none" w="med" len="med"/>
+                      <a:tailEnd type="none" w="med" len="med"/>
+                    </a:lnT>
+                    <a:lnB w="6350" cap="flat" cmpd="sng" algn="ctr">
+                      <a:solidFill>
+                        <a:srgbClr val="000000"/>
+                      </a:solidFill>
+                      <a:prstDash val="solid"/>
+                      <a:round/>
+                      <a:headEnd type="none" w="med" len="med"/>
+                      <a:tailEnd type="none" w="med" len="med"/>
+                    </a:lnB>
+                  </a:tcPr>
+                </a:tc>
+                <a:tc>
+                  <a:txBody>
+                    <a:bodyPr/>
+                    <a:lstStyle/>
+                    <a:p>
+                      <a:pPr algn="l" fontAlgn="b"/>
+                      <a:r>
+                        <a:rPr lang="en-US" sz="1100" b="0" i="0" u="none" strike="noStrike">
+                          <a:solidFill>
+                            <a:srgbClr val="000000"/>
+                          </a:solidFill>
+                          <a:latin typeface="Calibri"/>
+                        </a:rPr>
+                        <a:t> </a:t>
+                      </a:r>
+                    </a:p>
+                  </a:txBody>
+                  <a:tcPr marL="0" marR="0" marT="0" marB="0" anchor="b">
+                    <a:lnL w="6350" cap="flat" cmpd="sng" algn="ctr">
+                      <a:solidFill>
+                        <a:srgbClr val="000000"/>
+                      </a:solidFill>
+                      <a:prstDash val="solid"/>
+                      <a:round/>
+                      <a:headEnd type="none" w="med" len="med"/>
+                      <a:tailEnd type="none" w="med" len="med"/>
+                    </a:lnL>
+                    <a:lnR w="6350" cap="flat" cmpd="sng" algn="ctr">
+                      <a:solidFill>
+                        <a:srgbClr val="000000"/>
+                      </a:solidFill>
+                      <a:prstDash val="solid"/>
+                      <a:round/>
+                      <a:headEnd type="none" w="med" len="med"/>
+                      <a:tailEnd type="none" w="med" len="med"/>
+                    </a:lnR>
+                    <a:lnT w="6350" cap="flat" cmpd="sng" algn="ctr">
+                      <a:solidFill>
+                        <a:srgbClr val="000000"/>
+                      </a:solidFill>
+                      <a:prstDash val="solid"/>
+                      <a:round/>
+                      <a:headEnd type="none" w="med" len="med"/>
+                      <a:tailEnd type="none" w="med" len="med"/>
+                    </a:lnT>
+                    <a:lnB w="6350" cap="flat" cmpd="sng" algn="ctr">
+                      <a:solidFill>
+                        <a:srgbClr val="000000"/>
+                      </a:solidFill>
+                      <a:prstDash val="solid"/>
+                      <a:round/>
+                      <a:headEnd type="none" w="med" len="med"/>
+                      <a:tailEnd type="none" w="med" len="med"/>
+                    </a:lnB>
+                  </a:tcPr>
+                </a:tc>
+                <a:tc>
+                  <a:txBody>
+                    <a:bodyPr/>
+                    <a:lstStyle/>
+                    <a:p>
+                      <a:pPr algn="l" fontAlgn="b"/>
+                      <a:r>
+                        <a:rPr lang="en-US" sz="1100" b="0" i="0" u="none" strike="noStrike">
+                          <a:solidFill>
+                            <a:srgbClr val="000000"/>
+                          </a:solidFill>
+                          <a:latin typeface="Calibri"/>
+                        </a:rPr>
+                        <a:t> </a:t>
+                      </a:r>
+                    </a:p>
+                  </a:txBody>
+                  <a:tcPr marL="0" marR="0" marT="0" marB="0" anchor="b">
+                    <a:lnL w="6350" cap="flat" cmpd="sng" algn="ctr">
+                      <a:solidFill>
+                        <a:srgbClr val="000000"/>
+                      </a:solidFill>
+                      <a:prstDash val="solid"/>
+                      <a:round/>
+                      <a:headEnd type="none" w="med" len="med"/>
+                      <a:tailEnd type="none" w="med" len="med"/>
+                    </a:lnL>
+                    <a:lnR w="6350" cap="flat" cmpd="sng" algn="ctr">
+                      <a:solidFill>
+                        <a:srgbClr val="000000"/>
+                      </a:solidFill>
+                      <a:prstDash val="solid"/>
+                      <a:round/>
+                      <a:headEnd type="none" w="med" len="med"/>
+                      <a:tailEnd type="none" w="med" len="med"/>
+                    </a:lnR>
+                    <a:lnT w="6350" cap="flat" cmpd="sng" algn="ctr">
+                      <a:solidFill>
+                        <a:srgbClr val="000000"/>
+                      </a:solidFill>
+                      <a:prstDash val="solid"/>
+                      <a:round/>
+                      <a:headEnd type="none" w="med" len="med"/>
+                      <a:tailEnd type="none" w="med" len="med"/>
+                    </a:lnT>
+                    <a:lnB w="6350" cap="flat" cmpd="sng" algn="ctr">
+                      <a:solidFill>
+                        <a:srgbClr val="000000"/>
+                      </a:solidFill>
+                      <a:prstDash val="solid"/>
+                      <a:round/>
+                      <a:headEnd type="none" w="med" len="med"/>
+                      <a:tailEnd type="none" w="med" len="med"/>
+                    </a:lnB>
+                  </a:tcPr>
+                </a:tc>
+                <a:tc>
+                  <a:txBody>
+                    <a:bodyPr/>
+                    <a:lstStyle/>
+                    <a:p>
+                      <a:pPr algn="r" fontAlgn="b"/>
+                      <a:r>
+                        <a:rPr lang="en-US" sz="1100" b="0" i="0" u="none" strike="noStrike">
+                          <a:solidFill>
+                            <a:srgbClr val="000000"/>
+                          </a:solidFill>
+                          <a:latin typeface="Calibri"/>
+                        </a:rPr>
+                        <a:t>1</a:t>
+                      </a:r>
+                    </a:p>
+                  </a:txBody>
+                  <a:tcPr marL="0" marR="0" marT="0" marB="0" anchor="b">
+                    <a:lnL w="6350" cap="flat" cmpd="sng" algn="ctr">
+                      <a:solidFill>
+                        <a:srgbClr val="000000"/>
+                      </a:solidFill>
+                      <a:prstDash val="solid"/>
+                      <a:round/>
+                      <a:headEnd type="none" w="med" len="med"/>
+                      <a:tailEnd type="none" w="med" len="med"/>
+                    </a:lnL>
+                    <a:lnR w="6350" cap="flat" cmpd="sng" algn="ctr">
+                      <a:solidFill>
+                        <a:srgbClr val="000000"/>
+                      </a:solidFill>
+                      <a:prstDash val="solid"/>
+                      <a:round/>
+                      <a:headEnd type="none" w="med" len="med"/>
+                      <a:tailEnd type="none" w="med" len="med"/>
+                    </a:lnR>
+                    <a:lnT w="6350" cap="flat" cmpd="sng" algn="ctr">
+                      <a:solidFill>
+                        <a:srgbClr val="000000"/>
+                      </a:solidFill>
+                      <a:prstDash val="solid"/>
+                      <a:round/>
+                      <a:headEnd type="none" w="med" len="med"/>
+                      <a:tailEnd type="none" w="med" len="med"/>
+                    </a:lnT>
+                    <a:lnB w="6350" cap="flat" cmpd="sng" algn="ctr">
+                      <a:solidFill>
+                        <a:srgbClr val="000000"/>
+                      </a:solidFill>
+                      <a:prstDash val="solid"/>
+                      <a:round/>
+                      <a:headEnd type="none" w="med" len="med"/>
+                      <a:tailEnd type="none" w="med" len="med"/>
+                    </a:lnB>
+                  </a:tcPr>
+                </a:tc>
+              </a:tr>
+              <a:tr h="318445">
+                <a:tc>
+                  <a:txBody>
+                    <a:bodyPr/>
+                    <a:lstStyle/>
+                    <a:p>
+                      <a:pPr algn="l" fontAlgn="b"/>
+                      <a:r>
+                        <a:rPr lang="en-US" sz="1100" b="1" i="0" u="none" strike="noStrike" dirty="0">
+                          <a:solidFill>
+                            <a:srgbClr val="000000"/>
+                          </a:solidFill>
+                          <a:latin typeface="Calibri"/>
+                        </a:rPr>
+                        <a:t>Production       </a:t>
+                      </a:r>
+                    </a:p>
+                  </a:txBody>
+                  <a:tcPr marL="0" marR="0" marT="0" marB="0" anchor="b">
+                    <a:lnL w="6350" cap="flat" cmpd="sng" algn="ctr">
+                      <a:solidFill>
+                        <a:srgbClr val="000000"/>
+                      </a:solidFill>
+                      <a:prstDash val="solid"/>
+                      <a:round/>
+                      <a:headEnd type="none" w="med" len="med"/>
+                      <a:tailEnd type="none" w="med" len="med"/>
+                    </a:lnL>
+                    <a:lnR w="6350" cap="flat" cmpd="sng" algn="ctr">
+                      <a:solidFill>
+                        <a:srgbClr val="000000"/>
+                      </a:solidFill>
+                      <a:prstDash val="solid"/>
+                      <a:round/>
+                      <a:headEnd type="none" w="med" len="med"/>
+                      <a:tailEnd type="none" w="med" len="med"/>
+                    </a:lnR>
+                    <a:lnT w="6350" cap="flat" cmpd="sng" algn="ctr">
+                      <a:solidFill>
+                        <a:srgbClr val="000000"/>
+                      </a:solidFill>
+                      <a:prstDash val="solid"/>
+                      <a:round/>
+                      <a:headEnd type="none" w="med" len="med"/>
+                      <a:tailEnd type="none" w="med" len="med"/>
+                    </a:lnT>
+                    <a:lnB w="6350" cap="flat" cmpd="sng" algn="ctr">
+                      <a:solidFill>
+                        <a:srgbClr val="000000"/>
+                      </a:solidFill>
+                      <a:prstDash val="solid"/>
+                      <a:round/>
+                      <a:headEnd type="none" w="med" len="med"/>
+                      <a:tailEnd type="none" w="med" len="med"/>
+                    </a:lnB>
+                  </a:tcPr>
+                </a:tc>
+                <a:tc>
+                  <a:txBody>
+                    <a:bodyPr/>
+                    <a:lstStyle/>
+                    <a:p>
+                      <a:pPr algn="l" fontAlgn="b"/>
+                      <a:r>
+                        <a:rPr lang="en-US" sz="1100" b="1" i="0" u="none" strike="noStrike">
+                          <a:solidFill>
+                            <a:srgbClr val="000000"/>
+                          </a:solidFill>
+                          <a:latin typeface="Calibri"/>
+                        </a:rPr>
+                        <a:t> </a:t>
+                      </a:r>
+                    </a:p>
+                  </a:txBody>
+                  <a:tcPr marL="0" marR="0" marT="0" marB="0" anchor="b">
+                    <a:lnL w="6350" cap="flat" cmpd="sng" algn="ctr">
+                      <a:solidFill>
+                        <a:srgbClr val="000000"/>
+                      </a:solidFill>
+                      <a:prstDash val="solid"/>
+                      <a:round/>
+                      <a:headEnd type="none" w="med" len="med"/>
+                      <a:tailEnd type="none" w="med" len="med"/>
+                    </a:lnL>
+                    <a:lnR w="6350" cap="flat" cmpd="sng" algn="ctr">
+                      <a:solidFill>
+                        <a:srgbClr val="000000"/>
+                      </a:solidFill>
+                      <a:prstDash val="solid"/>
+                      <a:round/>
+                      <a:headEnd type="none" w="med" len="med"/>
+                      <a:tailEnd type="none" w="med" len="med"/>
+                    </a:lnR>
+                    <a:lnT w="6350" cap="flat" cmpd="sng" algn="ctr">
+                      <a:solidFill>
+                        <a:srgbClr val="000000"/>
+                      </a:solidFill>
+                      <a:prstDash val="solid"/>
+                      <a:round/>
+                      <a:headEnd type="none" w="med" len="med"/>
+                      <a:tailEnd type="none" w="med" len="med"/>
+                    </a:lnT>
+                    <a:lnB w="6350" cap="flat" cmpd="sng" algn="ctr">
+                      <a:solidFill>
+                        <a:srgbClr val="000000"/>
+                      </a:solidFill>
+                      <a:prstDash val="solid"/>
+                      <a:round/>
+                      <a:headEnd type="none" w="med" len="med"/>
+                      <a:tailEnd type="none" w="med" len="med"/>
+                    </a:lnB>
+                  </a:tcPr>
+                </a:tc>
+                <a:tc>
+                  <a:txBody>
+                    <a:bodyPr/>
+                    <a:lstStyle/>
+                    <a:p>
+                      <a:pPr algn="l" fontAlgn="b"/>
+                      <a:r>
+                        <a:rPr lang="en-US" sz="1100" b="1" i="0" u="none" strike="noStrike">
+                          <a:solidFill>
+                            <a:srgbClr val="000000"/>
+                          </a:solidFill>
+                          <a:latin typeface="Calibri"/>
+                        </a:rPr>
+                        <a:t> </a:t>
+                      </a:r>
+                    </a:p>
+                  </a:txBody>
+                  <a:tcPr marL="0" marR="0" marT="0" marB="0" anchor="b">
+                    <a:lnL w="6350" cap="flat" cmpd="sng" algn="ctr">
+                      <a:solidFill>
+                        <a:srgbClr val="000000"/>
+                      </a:solidFill>
+                      <a:prstDash val="solid"/>
+                      <a:round/>
+                      <a:headEnd type="none" w="med" len="med"/>
+                      <a:tailEnd type="none" w="med" len="med"/>
+                    </a:lnL>
+                    <a:lnR w="6350" cap="flat" cmpd="sng" algn="ctr">
+                      <a:solidFill>
+                        <a:srgbClr val="000000"/>
+                      </a:solidFill>
+                      <a:prstDash val="solid"/>
+                      <a:round/>
+                      <a:headEnd type="none" w="med" len="med"/>
+                      <a:tailEnd type="none" w="med" len="med"/>
+                    </a:lnR>
+                    <a:lnT w="6350" cap="flat" cmpd="sng" algn="ctr">
+                      <a:solidFill>
+                        <a:srgbClr val="000000"/>
+                      </a:solidFill>
+                      <a:prstDash val="solid"/>
+                      <a:round/>
+                      <a:headEnd type="none" w="med" len="med"/>
+                      <a:tailEnd type="none" w="med" len="med"/>
+                    </a:lnT>
+                    <a:lnB w="6350" cap="flat" cmpd="sng" algn="ctr">
+                      <a:solidFill>
+                        <a:srgbClr val="000000"/>
+                      </a:solidFill>
+                      <a:prstDash val="solid"/>
+                      <a:round/>
+                      <a:headEnd type="none" w="med" len="med"/>
+                      <a:tailEnd type="none" w="med" len="med"/>
+                    </a:lnB>
+                  </a:tcPr>
+                </a:tc>
+                <a:tc>
+                  <a:txBody>
+                    <a:bodyPr/>
+                    <a:lstStyle/>
+                    <a:p>
+                      <a:pPr algn="l" fontAlgn="b"/>
+                      <a:r>
+                        <a:rPr lang="en-US" sz="1100" b="1" i="0" u="none" strike="noStrike">
+                          <a:solidFill>
+                            <a:srgbClr val="000000"/>
+                          </a:solidFill>
+                          <a:latin typeface="Calibri"/>
+                        </a:rPr>
+                        <a:t> </a:t>
+                      </a:r>
+                    </a:p>
+                  </a:txBody>
+                  <a:tcPr marL="0" marR="0" marT="0" marB="0" anchor="b">
+                    <a:lnL w="6350" cap="flat" cmpd="sng" algn="ctr">
+                      <a:solidFill>
+                        <a:srgbClr val="000000"/>
+                      </a:solidFill>
+                      <a:prstDash val="solid"/>
+                      <a:round/>
+                      <a:headEnd type="none" w="med" len="med"/>
+                      <a:tailEnd type="none" w="med" len="med"/>
+                    </a:lnL>
+                    <a:lnR w="6350" cap="flat" cmpd="sng" algn="ctr">
+                      <a:solidFill>
+                        <a:srgbClr val="000000"/>
+                      </a:solidFill>
+                      <a:prstDash val="solid"/>
+                      <a:round/>
+                      <a:headEnd type="none" w="med" len="med"/>
+                      <a:tailEnd type="none" w="med" len="med"/>
+                    </a:lnR>
+                    <a:lnT w="6350" cap="flat" cmpd="sng" algn="ctr">
+                      <a:solidFill>
+                        <a:srgbClr val="000000"/>
+                      </a:solidFill>
+                      <a:prstDash val="solid"/>
+                      <a:round/>
+                      <a:headEnd type="none" w="med" len="med"/>
+                      <a:tailEnd type="none" w="med" len="med"/>
+                    </a:lnT>
+                    <a:lnB w="6350" cap="flat" cmpd="sng" algn="ctr">
+                      <a:solidFill>
+                        <a:srgbClr val="000000"/>
+                      </a:solidFill>
+                      <a:prstDash val="solid"/>
+                      <a:round/>
+                      <a:headEnd type="none" w="med" len="med"/>
+                      <a:tailEnd type="none" w="med" len="med"/>
+                    </a:lnB>
+                  </a:tcPr>
+                </a:tc>
+                <a:tc>
+                  <a:txBody>
+                    <a:bodyPr/>
+                    <a:lstStyle/>
+                    <a:p>
+                      <a:pPr algn="l" fontAlgn="b"/>
+                      <a:r>
+                        <a:rPr lang="en-US" sz="1100" b="1" i="0" u="none" strike="noStrike">
+                          <a:solidFill>
+                            <a:srgbClr val="000000"/>
+                          </a:solidFill>
+                          <a:latin typeface="Calibri"/>
+                        </a:rPr>
+                        <a:t> </a:t>
+                      </a:r>
+                    </a:p>
+                  </a:txBody>
+                  <a:tcPr marL="0" marR="0" marT="0" marB="0" anchor="b">
+                    <a:lnL w="6350" cap="flat" cmpd="sng" algn="ctr">
+                      <a:solidFill>
+                        <a:srgbClr val="000000"/>
+                      </a:solidFill>
+                      <a:prstDash val="solid"/>
+                      <a:round/>
+                      <a:headEnd type="none" w="med" len="med"/>
+                      <a:tailEnd type="none" w="med" len="med"/>
+                    </a:lnL>
+                    <a:lnR w="6350" cap="flat" cmpd="sng" algn="ctr">
+                      <a:solidFill>
+                        <a:srgbClr val="000000"/>
+                      </a:solidFill>
+                      <a:prstDash val="solid"/>
+                      <a:round/>
+                      <a:headEnd type="none" w="med" len="med"/>
+                      <a:tailEnd type="none" w="med" len="med"/>
+                    </a:lnR>
+                    <a:lnT w="6350" cap="flat" cmpd="sng" algn="ctr">
+                      <a:solidFill>
+                        <a:srgbClr val="000000"/>
+                      </a:solidFill>
+                      <a:prstDash val="solid"/>
+                      <a:round/>
+                      <a:headEnd type="none" w="med" len="med"/>
+                      <a:tailEnd type="none" w="med" len="med"/>
+                    </a:lnT>
+                    <a:lnB w="6350" cap="flat" cmpd="sng" algn="ctr">
+                      <a:solidFill>
+                        <a:srgbClr val="000000"/>
+                      </a:solidFill>
+                      <a:prstDash val="solid"/>
+                      <a:round/>
+                      <a:headEnd type="none" w="med" len="med"/>
+                      <a:tailEnd type="none" w="med" len="med"/>
+                    </a:lnB>
+                  </a:tcPr>
+                </a:tc>
+                <a:tc>
+                  <a:txBody>
+                    <a:bodyPr/>
+                    <a:lstStyle/>
+                    <a:p>
+                      <a:pPr algn="l" fontAlgn="b"/>
+                      <a:r>
+                        <a:rPr lang="en-US" sz="1100" b="1" i="0" u="none" strike="noStrike">
+                          <a:solidFill>
+                            <a:srgbClr val="000000"/>
+                          </a:solidFill>
+                          <a:latin typeface="Calibri"/>
+                        </a:rPr>
+                        <a:t> </a:t>
+                      </a:r>
+                    </a:p>
+                  </a:txBody>
+                  <a:tcPr marL="0" marR="0" marT="0" marB="0" anchor="b">
+                    <a:lnL w="6350" cap="flat" cmpd="sng" algn="ctr">
+                      <a:solidFill>
+                        <a:srgbClr val="000000"/>
+                      </a:solidFill>
+                      <a:prstDash val="solid"/>
+                      <a:round/>
+                      <a:headEnd type="none" w="med" len="med"/>
+                      <a:tailEnd type="none" w="med" len="med"/>
+                    </a:lnL>
+                    <a:lnR w="6350" cap="flat" cmpd="sng" algn="ctr">
+                      <a:solidFill>
+                        <a:srgbClr val="000000"/>
+                      </a:solidFill>
+                      <a:prstDash val="solid"/>
+                      <a:round/>
+                      <a:headEnd type="none" w="med" len="med"/>
+                      <a:tailEnd type="none" w="med" len="med"/>
+                    </a:lnR>
+                    <a:lnT w="6350" cap="flat" cmpd="sng" algn="ctr">
+                      <a:solidFill>
+                        <a:srgbClr val="000000"/>
+                      </a:solidFill>
+                      <a:prstDash val="solid"/>
+                      <a:round/>
+                      <a:headEnd type="none" w="med" len="med"/>
+                      <a:tailEnd type="none" w="med" len="med"/>
+                    </a:lnT>
+                    <a:lnB w="6350" cap="flat" cmpd="sng" algn="ctr">
+                      <a:solidFill>
+                        <a:srgbClr val="000000"/>
+                      </a:solidFill>
+                      <a:prstDash val="solid"/>
+                      <a:round/>
+                      <a:headEnd type="none" w="med" len="med"/>
+                      <a:tailEnd type="none" w="med" len="med"/>
+                    </a:lnB>
+                  </a:tcPr>
+                </a:tc>
+                <a:tc>
+                  <a:txBody>
+                    <a:bodyPr/>
+                    <a:lstStyle/>
+                    <a:p>
+                      <a:pPr algn="l" fontAlgn="b"/>
+                      <a:r>
+                        <a:rPr lang="en-US" sz="1100" b="1" i="0" u="none" strike="noStrike" dirty="0">
+                          <a:solidFill>
+                            <a:srgbClr val="000000"/>
+                          </a:solidFill>
+                          <a:latin typeface="Calibri"/>
+                        </a:rPr>
+                        <a:t> </a:t>
+                      </a:r>
+                    </a:p>
+                  </a:txBody>
+                  <a:tcPr marL="0" marR="0" marT="0" marB="0" anchor="b">
+                    <a:lnL w="6350" cap="flat" cmpd="sng" algn="ctr">
+                      <a:solidFill>
+                        <a:srgbClr val="000000"/>
+                      </a:solidFill>
+                      <a:prstDash val="solid"/>
+                      <a:round/>
+                      <a:headEnd type="none" w="med" len="med"/>
+                      <a:tailEnd type="none" w="med" len="med"/>
+                    </a:lnL>
+                    <a:lnR w="6350" cap="flat" cmpd="sng" algn="ctr">
+                      <a:solidFill>
+                        <a:srgbClr val="000000"/>
+                      </a:solidFill>
+                      <a:prstDash val="solid"/>
+                      <a:round/>
+                      <a:headEnd type="none" w="med" len="med"/>
+                      <a:tailEnd type="none" w="med" len="med"/>
+                    </a:lnR>
+                    <a:lnT w="6350" cap="flat" cmpd="sng" algn="ctr">
+                      <a:solidFill>
+                        <a:srgbClr val="000000"/>
+                      </a:solidFill>
+                      <a:prstDash val="solid"/>
+                      <a:round/>
+                      <a:headEnd type="none" w="med" len="med"/>
+                      <a:tailEnd type="none" w="med" len="med"/>
+                    </a:lnT>
+                    <a:lnB w="6350" cap="flat" cmpd="sng" algn="ctr">
+                      <a:solidFill>
+                        <a:srgbClr val="000000"/>
+                      </a:solidFill>
+                      <a:prstDash val="solid"/>
+                      <a:round/>
+                      <a:headEnd type="none" w="med" len="med"/>
+                      <a:tailEnd type="none" w="med" len="med"/>
+                    </a:lnB>
+                  </a:tcPr>
+                </a:tc>
+              </a:tr>
+              <a:tr h="318445">
+                <a:tc>
+                  <a:txBody>
+                    <a:bodyPr/>
+                    <a:lstStyle/>
+                    <a:p>
+                      <a:pPr algn="l" fontAlgn="b"/>
+                      <a:r>
+                        <a:rPr lang="en-US" sz="1100" b="0" i="0" u="none" strike="noStrike">
+                          <a:solidFill>
+                            <a:srgbClr val="000000"/>
+                          </a:solidFill>
+                          <a:latin typeface="Calibri"/>
+                        </a:rPr>
+                        <a:t>Contract</a:t>
+                      </a:r>
+                    </a:p>
+                  </a:txBody>
+                  <a:tcPr marL="85725" marR="0" marT="0" marB="0" anchor="b">
+                    <a:lnL w="6350" cap="flat" cmpd="sng" algn="ctr">
+                      <a:solidFill>
+                        <a:srgbClr val="000000"/>
+                      </a:solidFill>
+                      <a:prstDash val="solid"/>
+                      <a:round/>
+                      <a:headEnd type="none" w="med" len="med"/>
+                      <a:tailEnd type="none" w="med" len="med"/>
+                    </a:lnL>
+                    <a:lnR w="6350" cap="flat" cmpd="sng" algn="ctr">
+                      <a:solidFill>
+                        <a:srgbClr val="000000"/>
+                      </a:solidFill>
+                      <a:prstDash val="solid"/>
+                      <a:round/>
+                      <a:headEnd type="none" w="med" len="med"/>
+                      <a:tailEnd type="none" w="med" len="med"/>
+                    </a:lnR>
+                    <a:lnT w="6350" cap="flat" cmpd="sng" algn="ctr">
+                      <a:solidFill>
+                        <a:srgbClr val="000000"/>
+                      </a:solidFill>
+                      <a:prstDash val="solid"/>
+                      <a:round/>
+                      <a:headEnd type="none" w="med" len="med"/>
+                      <a:tailEnd type="none" w="med" len="med"/>
+                    </a:lnT>
+                    <a:lnB w="6350" cap="flat" cmpd="sng" algn="ctr">
+                      <a:solidFill>
+                        <a:srgbClr val="000000"/>
+                      </a:solidFill>
+                      <a:prstDash val="solid"/>
+                      <a:round/>
+                      <a:headEnd type="none" w="med" len="med"/>
+                      <a:tailEnd type="none" w="med" len="med"/>
+                    </a:lnB>
+                  </a:tcPr>
+                </a:tc>
+                <a:tc>
+                  <a:txBody>
+                    <a:bodyPr/>
+                    <a:lstStyle/>
+                    <a:p>
+                      <a:pPr algn="l" fontAlgn="b"/>
+                      <a:r>
+                        <a:rPr lang="en-US" sz="1100" b="0" i="0" u="none" strike="noStrike">
+                          <a:solidFill>
+                            <a:srgbClr val="000000"/>
+                          </a:solidFill>
+                          <a:latin typeface="Calibri"/>
+                        </a:rPr>
+                        <a:t> </a:t>
+                      </a:r>
+                    </a:p>
+                  </a:txBody>
+                  <a:tcPr marL="0" marR="0" marT="0" marB="0" anchor="b">
+                    <a:lnL w="6350" cap="flat" cmpd="sng" algn="ctr">
+                      <a:solidFill>
+                        <a:srgbClr val="000000"/>
+                      </a:solidFill>
+                      <a:prstDash val="solid"/>
+                      <a:round/>
+                      <a:headEnd type="none" w="med" len="med"/>
+                      <a:tailEnd type="none" w="med" len="med"/>
+                    </a:lnL>
+                    <a:lnR w="6350" cap="flat" cmpd="sng" algn="ctr">
+                      <a:solidFill>
+                        <a:srgbClr val="000000"/>
+                      </a:solidFill>
+                      <a:prstDash val="solid"/>
+                      <a:round/>
+                      <a:headEnd type="none" w="med" len="med"/>
+                      <a:tailEnd type="none" w="med" len="med"/>
+                    </a:lnR>
+                    <a:lnT w="6350" cap="flat" cmpd="sng" algn="ctr">
+                      <a:solidFill>
+                        <a:srgbClr val="000000"/>
+                      </a:solidFill>
+                      <a:prstDash val="solid"/>
+                      <a:round/>
+                      <a:headEnd type="none" w="med" len="med"/>
+                      <a:tailEnd type="none" w="med" len="med"/>
+                    </a:lnT>
+                    <a:lnB w="6350" cap="flat" cmpd="sng" algn="ctr">
+                      <a:solidFill>
+                        <a:srgbClr val="000000"/>
+                      </a:solidFill>
+                      <a:prstDash val="solid"/>
+                      <a:round/>
+                      <a:headEnd type="none" w="med" len="med"/>
+                      <a:tailEnd type="none" w="med" len="med"/>
+                    </a:lnB>
+                  </a:tcPr>
+                </a:tc>
+                <a:tc>
+                  <a:txBody>
+                    <a:bodyPr/>
+                    <a:lstStyle/>
+                    <a:p>
+                      <a:pPr algn="l" fontAlgn="b"/>
+                      <a:r>
+                        <a:rPr lang="en-US" sz="1100" b="0" i="0" u="none" strike="noStrike">
+                          <a:solidFill>
+                            <a:srgbClr val="000000"/>
+                          </a:solidFill>
+                          <a:latin typeface="Calibri"/>
+                        </a:rPr>
+                        <a:t> </a:t>
+                      </a:r>
+                    </a:p>
+                  </a:txBody>
+                  <a:tcPr marL="0" marR="0" marT="0" marB="0" anchor="b">
+                    <a:lnL w="6350" cap="flat" cmpd="sng" algn="ctr">
+                      <a:solidFill>
+                        <a:srgbClr val="000000"/>
+                      </a:solidFill>
+                      <a:prstDash val="solid"/>
+                      <a:round/>
+                      <a:headEnd type="none" w="med" len="med"/>
+                      <a:tailEnd type="none" w="med" len="med"/>
+                    </a:lnL>
+                    <a:lnR w="6350" cap="flat" cmpd="sng" algn="ctr">
+                      <a:solidFill>
+                        <a:srgbClr val="000000"/>
+                      </a:solidFill>
+                      <a:prstDash val="solid"/>
+                      <a:round/>
+                      <a:headEnd type="none" w="med" len="med"/>
+                      <a:tailEnd type="none" w="med" len="med"/>
+                    </a:lnR>
+                    <a:lnT w="6350" cap="flat" cmpd="sng" algn="ctr">
+                      <a:solidFill>
+                        <a:srgbClr val="000000"/>
+                      </a:solidFill>
+                      <a:prstDash val="solid"/>
+                      <a:round/>
+                      <a:headEnd type="none" w="med" len="med"/>
+                      <a:tailEnd type="none" w="med" len="med"/>
+                    </a:lnT>
+                    <a:lnB w="6350" cap="flat" cmpd="sng" algn="ctr">
+                      <a:solidFill>
+                        <a:srgbClr val="000000"/>
+                      </a:solidFill>
+                      <a:prstDash val="solid"/>
+                      <a:round/>
+                      <a:headEnd type="none" w="med" len="med"/>
+                      <a:tailEnd type="none" w="med" len="med"/>
+                    </a:lnB>
+                  </a:tcPr>
+                </a:tc>
+                <a:tc>
+                  <a:txBody>
+                    <a:bodyPr/>
+                    <a:lstStyle/>
+                    <a:p>
+                      <a:pPr algn="l" fontAlgn="b"/>
+                      <a:r>
+                        <a:rPr lang="en-US" sz="1100" b="0" i="0" u="none" strike="noStrike">
+                          <a:solidFill>
+                            <a:srgbClr val="000000"/>
+                          </a:solidFill>
+                          <a:latin typeface="Calibri"/>
+                        </a:rPr>
+                        <a:t> </a:t>
+                      </a:r>
+                    </a:p>
+                  </a:txBody>
+                  <a:tcPr marL="0" marR="0" marT="0" marB="0" anchor="b">
+                    <a:lnL w="6350" cap="flat" cmpd="sng" algn="ctr">
+                      <a:solidFill>
+                        <a:srgbClr val="000000"/>
+                      </a:solidFill>
+                      <a:prstDash val="solid"/>
+                      <a:round/>
+                      <a:headEnd type="none" w="med" len="med"/>
+                      <a:tailEnd type="none" w="med" len="med"/>
+                    </a:lnL>
+                    <a:lnR w="6350" cap="flat" cmpd="sng" algn="ctr">
+                      <a:solidFill>
+                        <a:srgbClr val="000000"/>
+                      </a:solidFill>
+                      <a:prstDash val="solid"/>
+                      <a:round/>
+                      <a:headEnd type="none" w="med" len="med"/>
+                      <a:tailEnd type="none" w="med" len="med"/>
+                    </a:lnR>
+                    <a:lnT w="6350" cap="flat" cmpd="sng" algn="ctr">
+                      <a:solidFill>
+                        <a:srgbClr val="000000"/>
+                      </a:solidFill>
+                      <a:prstDash val="solid"/>
+                      <a:round/>
+                      <a:headEnd type="none" w="med" len="med"/>
+                      <a:tailEnd type="none" w="med" len="med"/>
+                    </a:lnT>
+                    <a:lnB w="6350" cap="flat" cmpd="sng" algn="ctr">
+                      <a:solidFill>
+                        <a:srgbClr val="000000"/>
+                      </a:solidFill>
+                      <a:prstDash val="solid"/>
+                      <a:round/>
+                      <a:headEnd type="none" w="med" len="med"/>
+                      <a:tailEnd type="none" w="med" len="med"/>
+                    </a:lnB>
+                  </a:tcPr>
+                </a:tc>
+                <a:tc>
+                  <a:txBody>
+                    <a:bodyPr/>
+                    <a:lstStyle/>
+                    <a:p>
+                      <a:pPr algn="l" fontAlgn="b"/>
+                      <a:r>
+                        <a:rPr lang="en-US" sz="1100" b="0" i="0" u="none" strike="noStrike">
+                          <a:solidFill>
+                            <a:srgbClr val="000000"/>
+                          </a:solidFill>
+                          <a:latin typeface="Calibri"/>
+                        </a:rPr>
+                        <a:t> </a:t>
+                      </a:r>
+                    </a:p>
+                  </a:txBody>
+                  <a:tcPr marL="0" marR="0" marT="0" marB="0" anchor="b">
+                    <a:lnL w="6350" cap="flat" cmpd="sng" algn="ctr">
+                      <a:solidFill>
+                        <a:srgbClr val="000000"/>
+                      </a:solidFill>
+                      <a:prstDash val="solid"/>
+                      <a:round/>
+                      <a:headEnd type="none" w="med" len="med"/>
+                      <a:tailEnd type="none" w="med" len="med"/>
+                    </a:lnL>
+                    <a:lnR w="6350" cap="flat" cmpd="sng" algn="ctr">
+                      <a:solidFill>
+                        <a:srgbClr val="000000"/>
+                      </a:solidFill>
+                      <a:prstDash val="solid"/>
+                      <a:round/>
+                      <a:headEnd type="none" w="med" len="med"/>
+                      <a:tailEnd type="none" w="med" len="med"/>
+                    </a:lnR>
+                    <a:lnT w="6350" cap="flat" cmpd="sng" algn="ctr">
+                      <a:solidFill>
+                        <a:srgbClr val="000000"/>
+                      </a:solidFill>
+                      <a:prstDash val="solid"/>
+                      <a:round/>
+                      <a:headEnd type="none" w="med" len="med"/>
+                      <a:tailEnd type="none" w="med" len="med"/>
+                    </a:lnT>
+                    <a:lnB w="6350" cap="flat" cmpd="sng" algn="ctr">
+                      <a:solidFill>
+                        <a:srgbClr val="000000"/>
+                      </a:solidFill>
+                      <a:prstDash val="solid"/>
+                      <a:round/>
+                      <a:headEnd type="none" w="med" len="med"/>
+                      <a:tailEnd type="none" w="med" len="med"/>
+                    </a:lnB>
+                  </a:tcPr>
+                </a:tc>
+                <a:tc>
+                  <a:txBody>
+                    <a:bodyPr/>
+                    <a:lstStyle/>
+                    <a:p>
+                      <a:pPr algn="l" fontAlgn="b"/>
+                      <a:r>
+                        <a:rPr lang="en-US" sz="1100" b="0" i="0" u="none" strike="noStrike">
+                          <a:solidFill>
+                            <a:srgbClr val="000000"/>
+                          </a:solidFill>
+                          <a:latin typeface="Calibri"/>
+                        </a:rPr>
+                        <a:t> </a:t>
+                      </a:r>
+                    </a:p>
+                  </a:txBody>
+                  <a:tcPr marL="0" marR="0" marT="0" marB="0" anchor="b">
+                    <a:lnL w="6350" cap="flat" cmpd="sng" algn="ctr">
+                      <a:solidFill>
+                        <a:srgbClr val="000000"/>
+                      </a:solidFill>
+                      <a:prstDash val="solid"/>
+                      <a:round/>
+                      <a:headEnd type="none" w="med" len="med"/>
+                      <a:tailEnd type="none" w="med" len="med"/>
+                    </a:lnL>
+                    <a:lnR w="6350" cap="flat" cmpd="sng" algn="ctr">
+                      <a:solidFill>
+                        <a:srgbClr val="000000"/>
+                      </a:solidFill>
+                      <a:prstDash val="solid"/>
+                      <a:round/>
+                      <a:headEnd type="none" w="med" len="med"/>
+                      <a:tailEnd type="none" w="med" len="med"/>
+                    </a:lnR>
+                    <a:lnT w="6350" cap="flat" cmpd="sng" algn="ctr">
+                      <a:solidFill>
+                        <a:srgbClr val="000000"/>
+                      </a:solidFill>
+                      <a:prstDash val="solid"/>
+                      <a:round/>
+                      <a:headEnd type="none" w="med" len="med"/>
+                      <a:tailEnd type="none" w="med" len="med"/>
+                    </a:lnT>
+                    <a:lnB w="6350" cap="flat" cmpd="sng" algn="ctr">
+                      <a:solidFill>
+                        <a:srgbClr val="000000"/>
+                      </a:solidFill>
+                      <a:prstDash val="solid"/>
+                      <a:round/>
+                      <a:headEnd type="none" w="med" len="med"/>
+                      <a:tailEnd type="none" w="med" len="med"/>
+                    </a:lnB>
+                  </a:tcPr>
+                </a:tc>
+                <a:tc>
+                  <a:txBody>
+                    <a:bodyPr/>
+                    <a:lstStyle/>
+                    <a:p>
+                      <a:pPr algn="l" fontAlgn="b"/>
+                      <a:r>
+                        <a:rPr lang="en-US" sz="1100" b="0" i="0" u="none" strike="noStrike">
+                          <a:solidFill>
+                            <a:srgbClr val="000000"/>
+                          </a:solidFill>
+                          <a:latin typeface="Calibri"/>
+                        </a:rPr>
+                        <a:t> </a:t>
+                      </a:r>
+                    </a:p>
+                  </a:txBody>
+                  <a:tcPr marL="0" marR="0" marT="0" marB="0" anchor="b">
+                    <a:lnL w="6350" cap="flat" cmpd="sng" algn="ctr">
+                      <a:solidFill>
+                        <a:srgbClr val="000000"/>
+                      </a:solidFill>
+                      <a:prstDash val="solid"/>
+                      <a:round/>
+                      <a:headEnd type="none" w="med" len="med"/>
+                      <a:tailEnd type="none" w="med" len="med"/>
+                    </a:lnL>
+                    <a:lnR w="6350" cap="flat" cmpd="sng" algn="ctr">
+                      <a:solidFill>
+                        <a:srgbClr val="000000"/>
+                      </a:solidFill>
+                      <a:prstDash val="solid"/>
+                      <a:round/>
+                      <a:headEnd type="none" w="med" len="med"/>
+                      <a:tailEnd type="none" w="med" len="med"/>
+                    </a:lnR>
+                    <a:lnT w="6350" cap="flat" cmpd="sng" algn="ctr">
+                      <a:solidFill>
+                        <a:srgbClr val="000000"/>
+                      </a:solidFill>
+                      <a:prstDash val="solid"/>
+                      <a:round/>
+                      <a:headEnd type="none" w="med" len="med"/>
+                      <a:tailEnd type="none" w="med" len="med"/>
+                    </a:lnT>
+                    <a:lnB w="6350" cap="flat" cmpd="sng" algn="ctr">
+                      <a:solidFill>
+                        <a:srgbClr val="000000"/>
+                      </a:solidFill>
+                      <a:prstDash val="solid"/>
+                      <a:round/>
+                      <a:headEnd type="none" w="med" len="med"/>
+                      <a:tailEnd type="none" w="med" len="med"/>
+                    </a:lnB>
+                  </a:tcPr>
+                </a:tc>
+              </a:tr>
+              <a:tr h="318445">
+                <a:tc>
+                  <a:txBody>
+                    <a:bodyPr/>
+                    <a:lstStyle/>
+                    <a:p>
+                      <a:pPr algn="l" fontAlgn="b"/>
+                      <a:r>
+                        <a:rPr lang="en-US" sz="1100" b="1" i="0" u="none" strike="noStrike">
+                          <a:solidFill>
+                            <a:srgbClr val="000000"/>
+                          </a:solidFill>
+                          <a:latin typeface="Calibri"/>
+                        </a:rPr>
+                        <a:t>Sales</a:t>
+                      </a:r>
+                    </a:p>
+                  </a:txBody>
+                  <a:tcPr marL="0" marR="0" marT="0" marB="0" anchor="b">
+                    <a:lnL w="6350" cap="flat" cmpd="sng" algn="ctr">
+                      <a:solidFill>
+                        <a:srgbClr val="000000"/>
+                      </a:solidFill>
+                      <a:prstDash val="solid"/>
+                      <a:round/>
+                      <a:headEnd type="none" w="med" len="med"/>
+                      <a:tailEnd type="none" w="med" len="med"/>
+                    </a:lnL>
+                    <a:lnR w="6350" cap="flat" cmpd="sng" algn="ctr">
+                      <a:solidFill>
+                        <a:srgbClr val="000000"/>
+                      </a:solidFill>
+                      <a:prstDash val="solid"/>
+                      <a:round/>
+                      <a:headEnd type="none" w="med" len="med"/>
+                      <a:tailEnd type="none" w="med" len="med"/>
+                    </a:lnR>
+                    <a:lnT w="6350" cap="flat" cmpd="sng" algn="ctr">
+                      <a:solidFill>
+                        <a:srgbClr val="000000"/>
+                      </a:solidFill>
+                      <a:prstDash val="solid"/>
+                      <a:round/>
+                      <a:headEnd type="none" w="med" len="med"/>
+                      <a:tailEnd type="none" w="med" len="med"/>
+                    </a:lnT>
+                    <a:lnB w="6350" cap="flat" cmpd="sng" algn="ctr">
+                      <a:solidFill>
+                        <a:srgbClr val="000000"/>
+                      </a:solidFill>
+                      <a:prstDash val="solid"/>
+                      <a:round/>
+                      <a:headEnd type="none" w="med" len="med"/>
+                      <a:tailEnd type="none" w="med" len="med"/>
+                    </a:lnB>
+                  </a:tcPr>
+                </a:tc>
+                <a:tc>
+                  <a:txBody>
+                    <a:bodyPr/>
+                    <a:lstStyle/>
+                    <a:p>
+                      <a:pPr algn="r" fontAlgn="b"/>
+                      <a:r>
+                        <a:rPr lang="en-US" sz="1100" b="1" i="0" u="none" strike="noStrike">
+                          <a:solidFill>
+                            <a:srgbClr val="000000"/>
+                          </a:solidFill>
+                          <a:latin typeface="Calibri"/>
+                        </a:rPr>
+                        <a:t>14</a:t>
+                      </a:r>
+                    </a:p>
+                  </a:txBody>
+                  <a:tcPr marL="0" marR="0" marT="0" marB="0" anchor="b">
+                    <a:lnL w="6350" cap="flat" cmpd="sng" algn="ctr">
+                      <a:solidFill>
+                        <a:srgbClr val="000000"/>
+                      </a:solidFill>
+                      <a:prstDash val="solid"/>
+                      <a:round/>
+                      <a:headEnd type="none" w="med" len="med"/>
+                      <a:tailEnd type="none" w="med" len="med"/>
+                    </a:lnL>
+                    <a:lnR w="6350" cap="flat" cmpd="sng" algn="ctr">
+                      <a:solidFill>
+                        <a:srgbClr val="000000"/>
+                      </a:solidFill>
+                      <a:prstDash val="solid"/>
+                      <a:round/>
+                      <a:headEnd type="none" w="med" len="med"/>
+                      <a:tailEnd type="none" w="med" len="med"/>
+                    </a:lnR>
+                    <a:lnT w="6350" cap="flat" cmpd="sng" algn="ctr">
+                      <a:solidFill>
+                        <a:srgbClr val="000000"/>
+                      </a:solidFill>
+                      <a:prstDash val="solid"/>
+                      <a:round/>
+                      <a:headEnd type="none" w="med" len="med"/>
+                      <a:tailEnd type="none" w="med" len="med"/>
+                    </a:lnT>
+                    <a:lnB w="6350" cap="flat" cmpd="sng" algn="ctr">
+                      <a:solidFill>
+                        <a:srgbClr val="000000"/>
+                      </a:solidFill>
+                      <a:prstDash val="solid"/>
+                      <a:round/>
+                      <a:headEnd type="none" w="med" len="med"/>
+                      <a:tailEnd type="none" w="med" len="med"/>
+                    </a:lnB>
+                  </a:tcPr>
+                </a:tc>
+                <a:tc>
+                  <a:txBody>
+                    <a:bodyPr/>
+                    <a:lstStyle/>
+                    <a:p>
+                      <a:pPr algn="r" fontAlgn="b"/>
+                      <a:r>
+                        <a:rPr lang="en-US" sz="1100" b="1" i="0" u="none" strike="noStrike">
+                          <a:solidFill>
+                            <a:srgbClr val="000000"/>
+                          </a:solidFill>
+                          <a:latin typeface="Calibri"/>
+                        </a:rPr>
+                        <a:t>14</a:t>
+                      </a:r>
+                    </a:p>
+                  </a:txBody>
+                  <a:tcPr marL="0" marR="0" marT="0" marB="0" anchor="b">
+                    <a:lnL w="6350" cap="flat" cmpd="sng" algn="ctr">
+                      <a:solidFill>
+                        <a:srgbClr val="000000"/>
+                      </a:solidFill>
+                      <a:prstDash val="solid"/>
+                      <a:round/>
+                      <a:headEnd type="none" w="med" len="med"/>
+                      <a:tailEnd type="none" w="med" len="med"/>
+                    </a:lnL>
+                    <a:lnR w="6350" cap="flat" cmpd="sng" algn="ctr">
+                      <a:solidFill>
+                        <a:srgbClr val="000000"/>
+                      </a:solidFill>
+                      <a:prstDash val="solid"/>
+                      <a:round/>
+                      <a:headEnd type="none" w="med" len="med"/>
+                      <a:tailEnd type="none" w="med" len="med"/>
+                    </a:lnR>
+                    <a:lnT w="6350" cap="flat" cmpd="sng" algn="ctr">
+                      <a:solidFill>
+                        <a:srgbClr val="000000"/>
+                      </a:solidFill>
+                      <a:prstDash val="solid"/>
+                      <a:round/>
+                      <a:headEnd type="none" w="med" len="med"/>
+                      <a:tailEnd type="none" w="med" len="med"/>
+                    </a:lnT>
+                    <a:lnB w="6350" cap="flat" cmpd="sng" algn="ctr">
+                      <a:solidFill>
+                        <a:srgbClr val="000000"/>
+                      </a:solidFill>
+                      <a:prstDash val="solid"/>
+                      <a:round/>
+                      <a:headEnd type="none" w="med" len="med"/>
+                      <a:tailEnd type="none" w="med" len="med"/>
+                    </a:lnB>
+                  </a:tcPr>
+                </a:tc>
+                <a:tc>
+                  <a:txBody>
+                    <a:bodyPr/>
+                    <a:lstStyle/>
+                    <a:p>
+                      <a:pPr algn="r" fontAlgn="b"/>
+                      <a:r>
+                        <a:rPr lang="en-US" sz="1100" b="1" i="0" u="none" strike="noStrike">
+                          <a:solidFill>
+                            <a:srgbClr val="000000"/>
+                          </a:solidFill>
+                          <a:latin typeface="Calibri"/>
+                        </a:rPr>
+                        <a:t>17</a:t>
+                      </a:r>
+                    </a:p>
+                  </a:txBody>
+                  <a:tcPr marL="0" marR="0" marT="0" marB="0" anchor="b">
+                    <a:lnL w="6350" cap="flat" cmpd="sng" algn="ctr">
+                      <a:solidFill>
+                        <a:srgbClr val="000000"/>
+                      </a:solidFill>
+                      <a:prstDash val="solid"/>
+                      <a:round/>
+                      <a:headEnd type="none" w="med" len="med"/>
+                      <a:tailEnd type="none" w="med" len="med"/>
+                    </a:lnL>
+                    <a:lnR w="6350" cap="flat" cmpd="sng" algn="ctr">
+                      <a:solidFill>
+                        <a:srgbClr val="000000"/>
+                      </a:solidFill>
+                      <a:prstDash val="solid"/>
+                      <a:round/>
+                      <a:headEnd type="none" w="med" len="med"/>
+                      <a:tailEnd type="none" w="med" len="med"/>
+                    </a:lnR>
+                    <a:lnT w="6350" cap="flat" cmpd="sng" algn="ctr">
+                      <a:solidFill>
+                        <a:srgbClr val="000000"/>
+                      </a:solidFill>
+                      <a:prstDash val="solid"/>
+                      <a:round/>
+                      <a:headEnd type="none" w="med" len="med"/>
+                      <a:tailEnd type="none" w="med" len="med"/>
+                    </a:lnT>
+                    <a:lnB w="6350" cap="flat" cmpd="sng" algn="ctr">
+                      <a:solidFill>
+                        <a:srgbClr val="000000"/>
+                      </a:solidFill>
+                      <a:prstDash val="solid"/>
+                      <a:round/>
+                      <a:headEnd type="none" w="med" len="med"/>
+                      <a:tailEnd type="none" w="med" len="med"/>
+                    </a:lnB>
+                  </a:tcPr>
+                </a:tc>
+                <a:tc>
+                  <a:txBody>
+                    <a:bodyPr/>
+                    <a:lstStyle/>
+                    <a:p>
+                      <a:pPr algn="l" fontAlgn="b"/>
+                      <a:r>
+                        <a:rPr lang="en-US" sz="1100" b="1" i="0" u="none" strike="noStrike">
+                          <a:solidFill>
+                            <a:srgbClr val="000000"/>
+                          </a:solidFill>
+                          <a:latin typeface="Calibri"/>
+                        </a:rPr>
+                        <a:t> </a:t>
+                      </a:r>
+                    </a:p>
+                  </a:txBody>
+                  <a:tcPr marL="0" marR="0" marT="0" marB="0" anchor="b">
+                    <a:lnL w="6350" cap="flat" cmpd="sng" algn="ctr">
+                      <a:solidFill>
+                        <a:srgbClr val="000000"/>
+                      </a:solidFill>
+                      <a:prstDash val="solid"/>
+                      <a:round/>
+                      <a:headEnd type="none" w="med" len="med"/>
+                      <a:tailEnd type="none" w="med" len="med"/>
+                    </a:lnL>
+                    <a:lnR w="6350" cap="flat" cmpd="sng" algn="ctr">
+                      <a:solidFill>
+                        <a:srgbClr val="000000"/>
+                      </a:solidFill>
+                      <a:prstDash val="solid"/>
+                      <a:round/>
+                      <a:headEnd type="none" w="med" len="med"/>
+                      <a:tailEnd type="none" w="med" len="med"/>
+                    </a:lnR>
+                    <a:lnT w="6350" cap="flat" cmpd="sng" algn="ctr">
+                      <a:solidFill>
+                        <a:srgbClr val="000000"/>
+                      </a:solidFill>
+                      <a:prstDash val="solid"/>
+                      <a:round/>
+                      <a:headEnd type="none" w="med" len="med"/>
+                      <a:tailEnd type="none" w="med" len="med"/>
+                    </a:lnT>
+                    <a:lnB w="6350" cap="flat" cmpd="sng" algn="ctr">
+                      <a:solidFill>
+                        <a:srgbClr val="000000"/>
+                      </a:solidFill>
+                      <a:prstDash val="solid"/>
+                      <a:round/>
+                      <a:headEnd type="none" w="med" len="med"/>
+                      <a:tailEnd type="none" w="med" len="med"/>
+                    </a:lnB>
+                  </a:tcPr>
+                </a:tc>
+                <a:tc>
+                  <a:txBody>
+                    <a:bodyPr/>
+                    <a:lstStyle/>
+                    <a:p>
+                      <a:pPr algn="r" fontAlgn="b"/>
+                      <a:r>
+                        <a:rPr lang="en-US" sz="1100" b="1" i="0" u="none" strike="noStrike">
+                          <a:solidFill>
+                            <a:srgbClr val="000000"/>
+                          </a:solidFill>
+                          <a:latin typeface="Calibri"/>
+                        </a:rPr>
+                        <a:t>11</a:t>
+                      </a:r>
+                    </a:p>
+                  </a:txBody>
+                  <a:tcPr marL="0" marR="0" marT="0" marB="0" anchor="b">
+                    <a:lnL w="6350" cap="flat" cmpd="sng" algn="ctr">
+                      <a:solidFill>
+                        <a:srgbClr val="000000"/>
+                      </a:solidFill>
+                      <a:prstDash val="solid"/>
+                      <a:round/>
+                      <a:headEnd type="none" w="med" len="med"/>
+                      <a:tailEnd type="none" w="med" len="med"/>
+                    </a:lnL>
+                    <a:lnR w="6350" cap="flat" cmpd="sng" algn="ctr">
+                      <a:solidFill>
+                        <a:srgbClr val="000000"/>
+                      </a:solidFill>
+                      <a:prstDash val="solid"/>
+                      <a:round/>
+                      <a:headEnd type="none" w="med" len="med"/>
+                      <a:tailEnd type="none" w="med" len="med"/>
+                    </a:lnR>
+                    <a:lnT w="6350" cap="flat" cmpd="sng" algn="ctr">
+                      <a:solidFill>
+                        <a:srgbClr val="000000"/>
+                      </a:solidFill>
+                      <a:prstDash val="solid"/>
+                      <a:round/>
+                      <a:headEnd type="none" w="med" len="med"/>
+                      <a:tailEnd type="none" w="med" len="med"/>
+                    </a:lnT>
+                    <a:lnB w="6350" cap="flat" cmpd="sng" algn="ctr">
+                      <a:solidFill>
+                        <a:srgbClr val="000000"/>
+                      </a:solidFill>
+                      <a:prstDash val="solid"/>
+                      <a:round/>
+                      <a:headEnd type="none" w="med" len="med"/>
+                      <a:tailEnd type="none" w="med" len="med"/>
+                    </a:lnB>
+                  </a:tcPr>
+                </a:tc>
+                <a:tc>
+                  <a:txBody>
+                    <a:bodyPr/>
+                    <a:lstStyle/>
+                    <a:p>
+                      <a:pPr algn="r" fontAlgn="b"/>
+                      <a:r>
+                        <a:rPr lang="en-US" sz="1100" b="1" i="0" u="none" strike="noStrike">
+                          <a:solidFill>
+                            <a:srgbClr val="000000"/>
+                          </a:solidFill>
+                          <a:latin typeface="Calibri"/>
+                        </a:rPr>
+                        <a:t>56</a:t>
+                      </a:r>
+                    </a:p>
+                  </a:txBody>
+                  <a:tcPr marL="0" marR="0" marT="0" marB="0" anchor="b">
+                    <a:lnL w="6350" cap="flat" cmpd="sng" algn="ctr">
+                      <a:solidFill>
+                        <a:srgbClr val="000000"/>
+                      </a:solidFill>
+                      <a:prstDash val="solid"/>
+                      <a:round/>
+                      <a:headEnd type="none" w="med" len="med"/>
+                      <a:tailEnd type="none" w="med" len="med"/>
+                    </a:lnL>
+                    <a:lnR w="6350" cap="flat" cmpd="sng" algn="ctr">
+                      <a:solidFill>
+                        <a:srgbClr val="000000"/>
+                      </a:solidFill>
+                      <a:prstDash val="solid"/>
+                      <a:round/>
+                      <a:headEnd type="none" w="med" len="med"/>
+                      <a:tailEnd type="none" w="med" len="med"/>
+                    </a:lnR>
+                    <a:lnT w="6350" cap="flat" cmpd="sng" algn="ctr">
+                      <a:solidFill>
+                        <a:srgbClr val="000000"/>
+                      </a:solidFill>
+                      <a:prstDash val="solid"/>
+                      <a:round/>
+                      <a:headEnd type="none" w="med" len="med"/>
+                      <a:tailEnd type="none" w="med" len="med"/>
+                    </a:lnT>
+                    <a:lnB w="6350" cap="flat" cmpd="sng" algn="ctr">
+                      <a:solidFill>
+                        <a:srgbClr val="000000"/>
+                      </a:solidFill>
+                      <a:prstDash val="solid"/>
+                      <a:round/>
+                      <a:headEnd type="none" w="med" len="med"/>
+                      <a:tailEnd type="none" w="med" len="med"/>
+                    </a:lnB>
+                  </a:tcPr>
+                </a:tc>
+              </a:tr>
+              <a:tr h="318445">
+                <a:tc>
+                  <a:txBody>
+                    <a:bodyPr/>
+                    <a:lstStyle/>
+                    <a:p>
+                      <a:pPr algn="l" fontAlgn="b"/>
+                      <a:r>
+                        <a:rPr lang="en-US" sz="1100" b="0" i="0" u="none" strike="noStrike">
+                          <a:solidFill>
+                            <a:srgbClr val="000000"/>
+                          </a:solidFill>
+                          <a:latin typeface="Calibri"/>
+                        </a:rPr>
+                        <a:t>Contract</a:t>
+                      </a:r>
+                    </a:p>
+                  </a:txBody>
+                  <a:tcPr marL="85725" marR="0" marT="0" marB="0" anchor="b">
+                    <a:lnL w="6350" cap="flat" cmpd="sng" algn="ctr">
+                      <a:solidFill>
+                        <a:srgbClr val="000000"/>
+                      </a:solidFill>
+                      <a:prstDash val="solid"/>
+                      <a:round/>
+                      <a:headEnd type="none" w="med" len="med"/>
+                      <a:tailEnd type="none" w="med" len="med"/>
+                    </a:lnL>
+                    <a:lnR w="6350" cap="flat" cmpd="sng" algn="ctr">
+                      <a:solidFill>
+                        <a:srgbClr val="000000"/>
+                      </a:solidFill>
+                      <a:prstDash val="solid"/>
+                      <a:round/>
+                      <a:headEnd type="none" w="med" len="med"/>
+                      <a:tailEnd type="none" w="med" len="med"/>
+                    </a:lnR>
+                    <a:lnT w="6350" cap="flat" cmpd="sng" algn="ctr">
+                      <a:solidFill>
+                        <a:srgbClr val="000000"/>
+                      </a:solidFill>
+                      <a:prstDash val="solid"/>
+                      <a:round/>
+                      <a:headEnd type="none" w="med" len="med"/>
+                      <a:tailEnd type="none" w="med" len="med"/>
+                    </a:lnT>
+                    <a:lnB w="6350" cap="flat" cmpd="sng" algn="ctr">
+                      <a:solidFill>
+                        <a:srgbClr val="000000"/>
+                      </a:solidFill>
+                      <a:prstDash val="solid"/>
+                      <a:round/>
+                      <a:headEnd type="none" w="med" len="med"/>
+                      <a:tailEnd type="none" w="med" len="med"/>
+                    </a:lnB>
+                  </a:tcPr>
+                </a:tc>
+                <a:tc>
+                  <a:txBody>
+                    <a:bodyPr/>
+                    <a:lstStyle/>
+                    <a:p>
+                      <a:pPr algn="r" fontAlgn="b"/>
+                      <a:r>
+                        <a:rPr lang="en-US" sz="1100" b="0" i="0" u="none" strike="noStrike">
+                          <a:solidFill>
+                            <a:srgbClr val="000000"/>
+                          </a:solidFill>
+                          <a:latin typeface="Calibri"/>
+                        </a:rPr>
+                        <a:t>7</a:t>
+                      </a:r>
+                    </a:p>
+                  </a:txBody>
+                  <a:tcPr marL="0" marR="0" marT="0" marB="0" anchor="b">
+                    <a:lnL w="6350" cap="flat" cmpd="sng" algn="ctr">
+                      <a:solidFill>
+                        <a:srgbClr val="000000"/>
+                      </a:solidFill>
+                      <a:prstDash val="solid"/>
+                      <a:round/>
+                      <a:headEnd type="none" w="med" len="med"/>
+                      <a:tailEnd type="none" w="med" len="med"/>
+                    </a:lnL>
+                    <a:lnR w="6350" cap="flat" cmpd="sng" algn="ctr">
+                      <a:solidFill>
+                        <a:srgbClr val="000000"/>
+                      </a:solidFill>
+                      <a:prstDash val="solid"/>
+                      <a:round/>
+                      <a:headEnd type="none" w="med" len="med"/>
+                      <a:tailEnd type="none" w="med" len="med"/>
+                    </a:lnR>
+                    <a:lnT w="6350" cap="flat" cmpd="sng" algn="ctr">
+                      <a:solidFill>
+                        <a:srgbClr val="000000"/>
+                      </a:solidFill>
+                      <a:prstDash val="solid"/>
+                      <a:round/>
+                      <a:headEnd type="none" w="med" len="med"/>
+                      <a:tailEnd type="none" w="med" len="med"/>
+                    </a:lnT>
+                    <a:lnB w="6350" cap="flat" cmpd="sng" algn="ctr">
+                      <a:solidFill>
+                        <a:srgbClr val="000000"/>
+                      </a:solidFill>
+                      <a:prstDash val="solid"/>
+                      <a:round/>
+                      <a:headEnd type="none" w="med" len="med"/>
+                      <a:tailEnd type="none" w="med" len="med"/>
+                    </a:lnB>
+                  </a:tcPr>
+                </a:tc>
+                <a:tc>
+                  <a:txBody>
+                    <a:bodyPr/>
+                    <a:lstStyle/>
+                    <a:p>
+                      <a:pPr algn="r" fontAlgn="b"/>
+                      <a:r>
+                        <a:rPr lang="en-US" sz="1100" b="0" i="0" u="none" strike="noStrike">
+                          <a:solidFill>
+                            <a:srgbClr val="000000"/>
+                          </a:solidFill>
+                          <a:latin typeface="Calibri"/>
+                        </a:rPr>
+                        <a:t>4</a:t>
+                      </a:r>
+                    </a:p>
+                  </a:txBody>
+                  <a:tcPr marL="0" marR="0" marT="0" marB="0" anchor="b">
+                    <a:lnL w="6350" cap="flat" cmpd="sng" algn="ctr">
+                      <a:solidFill>
+                        <a:srgbClr val="000000"/>
+                      </a:solidFill>
+                      <a:prstDash val="solid"/>
+                      <a:round/>
+                      <a:headEnd type="none" w="med" len="med"/>
+                      <a:tailEnd type="none" w="med" len="med"/>
+                    </a:lnL>
+                    <a:lnR w="6350" cap="flat" cmpd="sng" algn="ctr">
+                      <a:solidFill>
+                        <a:srgbClr val="000000"/>
+                      </a:solidFill>
+                      <a:prstDash val="solid"/>
+                      <a:round/>
+                      <a:headEnd type="none" w="med" len="med"/>
+                      <a:tailEnd type="none" w="med" len="med"/>
+                    </a:lnR>
+                    <a:lnT w="6350" cap="flat" cmpd="sng" algn="ctr">
+                      <a:solidFill>
+                        <a:srgbClr val="000000"/>
+                      </a:solidFill>
+                      <a:prstDash val="solid"/>
+                      <a:round/>
+                      <a:headEnd type="none" w="med" len="med"/>
+                      <a:tailEnd type="none" w="med" len="med"/>
+                    </a:lnT>
+                    <a:lnB w="6350" cap="flat" cmpd="sng" algn="ctr">
+                      <a:solidFill>
+                        <a:srgbClr val="000000"/>
+                      </a:solidFill>
+                      <a:prstDash val="solid"/>
+                      <a:round/>
+                      <a:headEnd type="none" w="med" len="med"/>
+                      <a:tailEnd type="none" w="med" len="med"/>
+                    </a:lnB>
+                  </a:tcPr>
+                </a:tc>
+                <a:tc>
+                  <a:txBody>
+                    <a:bodyPr/>
+                    <a:lstStyle/>
+                    <a:p>
+                      <a:pPr algn="r" fontAlgn="b"/>
+                      <a:r>
+                        <a:rPr lang="en-US" sz="1100" b="0" i="0" u="none" strike="noStrike">
+                          <a:solidFill>
+                            <a:srgbClr val="000000"/>
+                          </a:solidFill>
+                          <a:latin typeface="Calibri"/>
+                        </a:rPr>
+                        <a:t>5</a:t>
+                      </a:r>
+                    </a:p>
+                  </a:txBody>
+                  <a:tcPr marL="0" marR="0" marT="0" marB="0" anchor="b">
+                    <a:lnL w="6350" cap="flat" cmpd="sng" algn="ctr">
+                      <a:solidFill>
+                        <a:srgbClr val="000000"/>
+                      </a:solidFill>
+                      <a:prstDash val="solid"/>
+                      <a:round/>
+                      <a:headEnd type="none" w="med" len="med"/>
+                      <a:tailEnd type="none" w="med" len="med"/>
+                    </a:lnL>
+                    <a:lnR w="6350" cap="flat" cmpd="sng" algn="ctr">
+                      <a:solidFill>
+                        <a:srgbClr val="000000"/>
+                      </a:solidFill>
+                      <a:prstDash val="solid"/>
+                      <a:round/>
+                      <a:headEnd type="none" w="med" len="med"/>
+                      <a:tailEnd type="none" w="med" len="med"/>
+                    </a:lnR>
+                    <a:lnT w="6350" cap="flat" cmpd="sng" algn="ctr">
+                      <a:solidFill>
+                        <a:srgbClr val="000000"/>
+                      </a:solidFill>
+                      <a:prstDash val="solid"/>
+                      <a:round/>
+                      <a:headEnd type="none" w="med" len="med"/>
+                      <a:tailEnd type="none" w="med" len="med"/>
+                    </a:lnT>
+                    <a:lnB w="6350" cap="flat" cmpd="sng" algn="ctr">
+                      <a:solidFill>
+                        <a:srgbClr val="000000"/>
+                      </a:solidFill>
+                      <a:prstDash val="solid"/>
+                      <a:round/>
+                      <a:headEnd type="none" w="med" len="med"/>
+                      <a:tailEnd type="none" w="med" len="med"/>
+                    </a:lnB>
+                  </a:tcPr>
+                </a:tc>
+                <a:tc>
+                  <a:txBody>
+                    <a:bodyPr/>
+                    <a:lstStyle/>
+                    <a:p>
+                      <a:pPr algn="l" fontAlgn="b"/>
+                      <a:r>
+                        <a:rPr lang="en-US" sz="1100" b="0" i="0" u="none" strike="noStrike">
+                          <a:solidFill>
+                            <a:srgbClr val="000000"/>
+                          </a:solidFill>
+                          <a:latin typeface="Calibri"/>
+                        </a:rPr>
+                        <a:t> </a:t>
+                      </a:r>
+                    </a:p>
+                  </a:txBody>
+                  <a:tcPr marL="0" marR="0" marT="0" marB="0" anchor="b">
+                    <a:lnL w="6350" cap="flat" cmpd="sng" algn="ctr">
+                      <a:solidFill>
+                        <a:srgbClr val="000000"/>
+                      </a:solidFill>
+                      <a:prstDash val="solid"/>
+                      <a:round/>
+                      <a:headEnd type="none" w="med" len="med"/>
+                      <a:tailEnd type="none" w="med" len="med"/>
+                    </a:lnL>
+                    <a:lnR w="6350" cap="flat" cmpd="sng" algn="ctr">
+                      <a:solidFill>
+                        <a:srgbClr val="000000"/>
+                      </a:solidFill>
+                      <a:prstDash val="solid"/>
+                      <a:round/>
+                      <a:headEnd type="none" w="med" len="med"/>
+                      <a:tailEnd type="none" w="med" len="med"/>
+                    </a:lnR>
+                    <a:lnT w="6350" cap="flat" cmpd="sng" algn="ctr">
+                      <a:solidFill>
+                        <a:srgbClr val="000000"/>
+                      </a:solidFill>
+                      <a:prstDash val="solid"/>
+                      <a:round/>
+                      <a:headEnd type="none" w="med" len="med"/>
+                      <a:tailEnd type="none" w="med" len="med"/>
+                    </a:lnT>
+                    <a:lnB w="6350" cap="flat" cmpd="sng" algn="ctr">
+                      <a:solidFill>
+                        <a:srgbClr val="000000"/>
+                      </a:solidFill>
+                      <a:prstDash val="solid"/>
+                      <a:round/>
+                      <a:headEnd type="none" w="med" len="med"/>
+                      <a:tailEnd type="none" w="med" len="med"/>
+                    </a:lnB>
+                  </a:tcPr>
+                </a:tc>
+                <a:tc>
+                  <a:txBody>
+                    <a:bodyPr/>
+                    <a:lstStyle/>
+                    <a:p>
+                      <a:pPr algn="r" fontAlgn="b"/>
+                      <a:r>
+                        <a:rPr lang="en-US" sz="1100" b="0" i="0" u="none" strike="noStrike">
+                          <a:solidFill>
+                            <a:srgbClr val="000000"/>
+                          </a:solidFill>
+                          <a:latin typeface="Calibri"/>
+                        </a:rPr>
+                        <a:t>5</a:t>
+                      </a:r>
+                    </a:p>
+                  </a:txBody>
+                  <a:tcPr marL="0" marR="0" marT="0" marB="0" anchor="b">
+                    <a:lnL w="6350" cap="flat" cmpd="sng" algn="ctr">
+                      <a:solidFill>
+                        <a:srgbClr val="000000"/>
+                      </a:solidFill>
+                      <a:prstDash val="solid"/>
+                      <a:round/>
+                      <a:headEnd type="none" w="med" len="med"/>
+                      <a:tailEnd type="none" w="med" len="med"/>
+                    </a:lnL>
+                    <a:lnR w="6350" cap="flat" cmpd="sng" algn="ctr">
+                      <a:solidFill>
+                        <a:srgbClr val="000000"/>
+                      </a:solidFill>
+                      <a:prstDash val="solid"/>
+                      <a:round/>
+                      <a:headEnd type="none" w="med" len="med"/>
+                      <a:tailEnd type="none" w="med" len="med"/>
+                    </a:lnR>
+                    <a:lnT w="6350" cap="flat" cmpd="sng" algn="ctr">
+                      <a:solidFill>
+                        <a:srgbClr val="000000"/>
+                      </a:solidFill>
+                      <a:prstDash val="solid"/>
+                      <a:round/>
+                      <a:headEnd type="none" w="med" len="med"/>
+                      <a:tailEnd type="none" w="med" len="med"/>
+                    </a:lnT>
+                    <a:lnB w="6350" cap="flat" cmpd="sng" algn="ctr">
+                      <a:solidFill>
+                        <a:srgbClr val="000000"/>
+                      </a:solidFill>
+                      <a:prstDash val="solid"/>
+                      <a:round/>
+                      <a:headEnd type="none" w="med" len="med"/>
+                      <a:tailEnd type="none" w="med" len="med"/>
+                    </a:lnB>
+                  </a:tcPr>
+                </a:tc>
+                <a:tc>
+                  <a:txBody>
+                    <a:bodyPr/>
+                    <a:lstStyle/>
+                    <a:p>
+                      <a:pPr algn="r" fontAlgn="b"/>
+                      <a:r>
+                        <a:rPr lang="en-US" sz="1100" b="0" i="0" u="none" strike="noStrike">
+                          <a:solidFill>
+                            <a:srgbClr val="000000"/>
+                          </a:solidFill>
+                          <a:latin typeface="Calibri"/>
+                        </a:rPr>
+                        <a:t>21</a:t>
+                      </a:r>
+                    </a:p>
+                  </a:txBody>
+                  <a:tcPr marL="0" marR="0" marT="0" marB="0" anchor="b">
+                    <a:lnL w="6350" cap="flat" cmpd="sng" algn="ctr">
+                      <a:solidFill>
+                        <a:srgbClr val="000000"/>
+                      </a:solidFill>
+                      <a:prstDash val="solid"/>
+                      <a:round/>
+                      <a:headEnd type="none" w="med" len="med"/>
+                      <a:tailEnd type="none" w="med" len="med"/>
+                    </a:lnL>
+                    <a:lnR w="6350" cap="flat" cmpd="sng" algn="ctr">
+                      <a:solidFill>
+                        <a:srgbClr val="000000"/>
+                      </a:solidFill>
+                      <a:prstDash val="solid"/>
+                      <a:round/>
+                      <a:headEnd type="none" w="med" len="med"/>
+                      <a:tailEnd type="none" w="med" len="med"/>
+                    </a:lnR>
+                    <a:lnT w="6350" cap="flat" cmpd="sng" algn="ctr">
+                      <a:solidFill>
+                        <a:srgbClr val="000000"/>
+                      </a:solidFill>
+                      <a:prstDash val="solid"/>
+                      <a:round/>
+                      <a:headEnd type="none" w="med" len="med"/>
+                      <a:tailEnd type="none" w="med" len="med"/>
+                    </a:lnT>
+                    <a:lnB w="6350" cap="flat" cmpd="sng" algn="ctr">
+                      <a:solidFill>
+                        <a:srgbClr val="000000"/>
+                      </a:solidFill>
+                      <a:prstDash val="solid"/>
+                      <a:round/>
+                      <a:headEnd type="none" w="med" len="med"/>
+                      <a:tailEnd type="none" w="med" len="med"/>
+                    </a:lnB>
+                  </a:tcPr>
+                </a:tc>
+              </a:tr>
+              <a:tr h="318445">
+                <a:tc>
+                  <a:txBody>
+                    <a:bodyPr/>
+                    <a:lstStyle/>
+                    <a:p>
+                      <a:pPr algn="l" fontAlgn="b"/>
+                      <a:r>
+                        <a:rPr lang="en-US" sz="1100" b="0" i="0" u="none" strike="noStrike">
+                          <a:solidFill>
+                            <a:srgbClr val="000000"/>
+                          </a:solidFill>
+                          <a:latin typeface="Calibri"/>
+                        </a:rPr>
+                        <a:t>Full-Time</a:t>
+                      </a:r>
+                    </a:p>
+                  </a:txBody>
+                  <a:tcPr marL="85725" marR="0" marT="0" marB="0" anchor="b">
+                    <a:lnL w="6350" cap="flat" cmpd="sng" algn="ctr">
+                      <a:solidFill>
+                        <a:srgbClr val="000000"/>
+                      </a:solidFill>
+                      <a:prstDash val="solid"/>
+                      <a:round/>
+                      <a:headEnd type="none" w="med" len="med"/>
+                      <a:tailEnd type="none" w="med" len="med"/>
+                    </a:lnL>
+                    <a:lnR w="6350" cap="flat" cmpd="sng" algn="ctr">
+                      <a:solidFill>
+                        <a:srgbClr val="000000"/>
+                      </a:solidFill>
+                      <a:prstDash val="solid"/>
+                      <a:round/>
+                      <a:headEnd type="none" w="med" len="med"/>
+                      <a:tailEnd type="none" w="med" len="med"/>
+                    </a:lnR>
+                    <a:lnT w="6350" cap="flat" cmpd="sng" algn="ctr">
+                      <a:solidFill>
+                        <a:srgbClr val="000000"/>
+                      </a:solidFill>
+                      <a:prstDash val="solid"/>
+                      <a:round/>
+                      <a:headEnd type="none" w="med" len="med"/>
+                      <a:tailEnd type="none" w="med" len="med"/>
+                    </a:lnT>
+                    <a:lnB w="6350" cap="flat" cmpd="sng" algn="ctr">
+                      <a:solidFill>
+                        <a:srgbClr val="000000"/>
+                      </a:solidFill>
+                      <a:prstDash val="solid"/>
+                      <a:round/>
+                      <a:headEnd type="none" w="med" len="med"/>
+                      <a:tailEnd type="none" w="med" len="med"/>
+                    </a:lnB>
+                  </a:tcPr>
+                </a:tc>
+                <a:tc>
+                  <a:txBody>
+                    <a:bodyPr/>
+                    <a:lstStyle/>
+                    <a:p>
+                      <a:pPr algn="r" fontAlgn="b"/>
+                      <a:r>
+                        <a:rPr lang="en-US" sz="1100" b="0" i="0" u="none" strike="noStrike">
+                          <a:solidFill>
+                            <a:srgbClr val="000000"/>
+                          </a:solidFill>
+                          <a:latin typeface="Calibri"/>
+                        </a:rPr>
+                        <a:t>4</a:t>
+                      </a:r>
+                    </a:p>
+                  </a:txBody>
+                  <a:tcPr marL="0" marR="0" marT="0" marB="0" anchor="b">
+                    <a:lnL w="6350" cap="flat" cmpd="sng" algn="ctr">
+                      <a:solidFill>
+                        <a:srgbClr val="000000"/>
+                      </a:solidFill>
+                      <a:prstDash val="solid"/>
+                      <a:round/>
+                      <a:headEnd type="none" w="med" len="med"/>
+                      <a:tailEnd type="none" w="med" len="med"/>
+                    </a:lnL>
+                    <a:lnR w="6350" cap="flat" cmpd="sng" algn="ctr">
+                      <a:solidFill>
+                        <a:srgbClr val="000000"/>
+                      </a:solidFill>
+                      <a:prstDash val="solid"/>
+                      <a:round/>
+                      <a:headEnd type="none" w="med" len="med"/>
+                      <a:tailEnd type="none" w="med" len="med"/>
+                    </a:lnR>
+                    <a:lnT w="6350" cap="flat" cmpd="sng" algn="ctr">
+                      <a:solidFill>
+                        <a:srgbClr val="000000"/>
+                      </a:solidFill>
+                      <a:prstDash val="solid"/>
+                      <a:round/>
+                      <a:headEnd type="none" w="med" len="med"/>
+                      <a:tailEnd type="none" w="med" len="med"/>
+                    </a:lnT>
+                    <a:lnB w="6350" cap="flat" cmpd="sng" algn="ctr">
+                      <a:solidFill>
+                        <a:srgbClr val="000000"/>
+                      </a:solidFill>
+                      <a:prstDash val="solid"/>
+                      <a:round/>
+                      <a:headEnd type="none" w="med" len="med"/>
+                      <a:tailEnd type="none" w="med" len="med"/>
+                    </a:lnB>
+                  </a:tcPr>
+                </a:tc>
+                <a:tc>
+                  <a:txBody>
+                    <a:bodyPr/>
+                    <a:lstStyle/>
+                    <a:p>
+                      <a:pPr algn="r" fontAlgn="b"/>
+                      <a:r>
+                        <a:rPr lang="en-US" sz="1100" b="0" i="0" u="none" strike="noStrike">
+                          <a:solidFill>
+                            <a:srgbClr val="000000"/>
+                          </a:solidFill>
+                          <a:latin typeface="Calibri"/>
+                        </a:rPr>
+                        <a:t>6</a:t>
+                      </a:r>
+                    </a:p>
+                  </a:txBody>
+                  <a:tcPr marL="0" marR="0" marT="0" marB="0" anchor="b">
+                    <a:lnL w="6350" cap="flat" cmpd="sng" algn="ctr">
+                      <a:solidFill>
+                        <a:srgbClr val="000000"/>
+                      </a:solidFill>
+                      <a:prstDash val="solid"/>
+                      <a:round/>
+                      <a:headEnd type="none" w="med" len="med"/>
+                      <a:tailEnd type="none" w="med" len="med"/>
+                    </a:lnL>
+                    <a:lnR w="6350" cap="flat" cmpd="sng" algn="ctr">
+                      <a:solidFill>
+                        <a:srgbClr val="000000"/>
+                      </a:solidFill>
+                      <a:prstDash val="solid"/>
+                      <a:round/>
+                      <a:headEnd type="none" w="med" len="med"/>
+                      <a:tailEnd type="none" w="med" len="med"/>
+                    </a:lnR>
+                    <a:lnT w="6350" cap="flat" cmpd="sng" algn="ctr">
+                      <a:solidFill>
+                        <a:srgbClr val="000000"/>
+                      </a:solidFill>
+                      <a:prstDash val="solid"/>
+                      <a:round/>
+                      <a:headEnd type="none" w="med" len="med"/>
+                      <a:tailEnd type="none" w="med" len="med"/>
+                    </a:lnT>
+                    <a:lnB w="6350" cap="flat" cmpd="sng" algn="ctr">
+                      <a:solidFill>
+                        <a:srgbClr val="000000"/>
+                      </a:solidFill>
+                      <a:prstDash val="solid"/>
+                      <a:round/>
+                      <a:headEnd type="none" w="med" len="med"/>
+                      <a:tailEnd type="none" w="med" len="med"/>
+                    </a:lnB>
+                  </a:tcPr>
+                </a:tc>
+                <a:tc>
+                  <a:txBody>
+                    <a:bodyPr/>
+                    <a:lstStyle/>
+                    <a:p>
+                      <a:pPr algn="r" fontAlgn="b"/>
+                      <a:r>
+                        <a:rPr lang="en-US" sz="1100" b="0" i="0" u="none" strike="noStrike">
+                          <a:solidFill>
+                            <a:srgbClr val="000000"/>
+                          </a:solidFill>
+                          <a:latin typeface="Calibri"/>
+                        </a:rPr>
+                        <a:t>7</a:t>
+                      </a:r>
+                    </a:p>
+                  </a:txBody>
+                  <a:tcPr marL="0" marR="0" marT="0" marB="0" anchor="b">
+                    <a:lnL w="6350" cap="flat" cmpd="sng" algn="ctr">
+                      <a:solidFill>
+                        <a:srgbClr val="000000"/>
+                      </a:solidFill>
+                      <a:prstDash val="solid"/>
+                      <a:round/>
+                      <a:headEnd type="none" w="med" len="med"/>
+                      <a:tailEnd type="none" w="med" len="med"/>
+                    </a:lnL>
+                    <a:lnR w="6350" cap="flat" cmpd="sng" algn="ctr">
+                      <a:solidFill>
+                        <a:srgbClr val="000000"/>
+                      </a:solidFill>
+                      <a:prstDash val="solid"/>
+                      <a:round/>
+                      <a:headEnd type="none" w="med" len="med"/>
+                      <a:tailEnd type="none" w="med" len="med"/>
+                    </a:lnR>
+                    <a:lnT w="6350" cap="flat" cmpd="sng" algn="ctr">
+                      <a:solidFill>
+                        <a:srgbClr val="000000"/>
+                      </a:solidFill>
+                      <a:prstDash val="solid"/>
+                      <a:round/>
+                      <a:headEnd type="none" w="med" len="med"/>
+                      <a:tailEnd type="none" w="med" len="med"/>
+                    </a:lnT>
+                    <a:lnB w="6350" cap="flat" cmpd="sng" algn="ctr">
+                      <a:solidFill>
+                        <a:srgbClr val="000000"/>
+                      </a:solidFill>
+                      <a:prstDash val="solid"/>
+                      <a:round/>
+                      <a:headEnd type="none" w="med" len="med"/>
+                      <a:tailEnd type="none" w="med" len="med"/>
+                    </a:lnB>
+                  </a:tcPr>
+                </a:tc>
+                <a:tc>
+                  <a:txBody>
+                    <a:bodyPr/>
+                    <a:lstStyle/>
+                    <a:p>
+                      <a:pPr algn="l" fontAlgn="b"/>
+                      <a:r>
+                        <a:rPr lang="en-US" sz="1100" b="0" i="0" u="none" strike="noStrike">
+                          <a:solidFill>
+                            <a:srgbClr val="000000"/>
+                          </a:solidFill>
+                          <a:latin typeface="Calibri"/>
+                        </a:rPr>
+                        <a:t> </a:t>
+                      </a:r>
+                    </a:p>
+                  </a:txBody>
+                  <a:tcPr marL="0" marR="0" marT="0" marB="0" anchor="b">
+                    <a:lnL w="6350" cap="flat" cmpd="sng" algn="ctr">
+                      <a:solidFill>
+                        <a:srgbClr val="000000"/>
+                      </a:solidFill>
+                      <a:prstDash val="solid"/>
+                      <a:round/>
+                      <a:headEnd type="none" w="med" len="med"/>
+                      <a:tailEnd type="none" w="med" len="med"/>
+                    </a:lnL>
+                    <a:lnR w="6350" cap="flat" cmpd="sng" algn="ctr">
+                      <a:solidFill>
+                        <a:srgbClr val="000000"/>
+                      </a:solidFill>
+                      <a:prstDash val="solid"/>
+                      <a:round/>
+                      <a:headEnd type="none" w="med" len="med"/>
+                      <a:tailEnd type="none" w="med" len="med"/>
+                    </a:lnR>
+                    <a:lnT w="6350" cap="flat" cmpd="sng" algn="ctr">
+                      <a:solidFill>
+                        <a:srgbClr val="000000"/>
+                      </a:solidFill>
+                      <a:prstDash val="solid"/>
+                      <a:round/>
+                      <a:headEnd type="none" w="med" len="med"/>
+                      <a:tailEnd type="none" w="med" len="med"/>
+                    </a:lnT>
+                    <a:lnB w="6350" cap="flat" cmpd="sng" algn="ctr">
+                      <a:solidFill>
+                        <a:srgbClr val="000000"/>
+                      </a:solidFill>
+                      <a:prstDash val="solid"/>
+                      <a:round/>
+                      <a:headEnd type="none" w="med" len="med"/>
+                      <a:tailEnd type="none" w="med" len="med"/>
+                    </a:lnB>
+                  </a:tcPr>
+                </a:tc>
+                <a:tc>
+                  <a:txBody>
+                    <a:bodyPr/>
+                    <a:lstStyle/>
+                    <a:p>
+                      <a:pPr algn="r" fontAlgn="b"/>
+                      <a:r>
+                        <a:rPr lang="en-US" sz="1100" b="0" i="0" u="none" strike="noStrike">
+                          <a:solidFill>
+                            <a:srgbClr val="000000"/>
+                          </a:solidFill>
+                          <a:latin typeface="Calibri"/>
+                        </a:rPr>
+                        <a:t>4</a:t>
+                      </a:r>
+                    </a:p>
+                  </a:txBody>
+                  <a:tcPr marL="0" marR="0" marT="0" marB="0" anchor="b">
+                    <a:lnL w="6350" cap="flat" cmpd="sng" algn="ctr">
+                      <a:solidFill>
+                        <a:srgbClr val="000000"/>
+                      </a:solidFill>
+                      <a:prstDash val="solid"/>
+                      <a:round/>
+                      <a:headEnd type="none" w="med" len="med"/>
+                      <a:tailEnd type="none" w="med" len="med"/>
+                    </a:lnL>
+                    <a:lnR w="6350" cap="flat" cmpd="sng" algn="ctr">
+                      <a:solidFill>
+                        <a:srgbClr val="000000"/>
+                      </a:solidFill>
+                      <a:prstDash val="solid"/>
+                      <a:round/>
+                      <a:headEnd type="none" w="med" len="med"/>
+                      <a:tailEnd type="none" w="med" len="med"/>
+                    </a:lnR>
+                    <a:lnT w="6350" cap="flat" cmpd="sng" algn="ctr">
+                      <a:solidFill>
+                        <a:srgbClr val="000000"/>
+                      </a:solidFill>
+                      <a:prstDash val="solid"/>
+                      <a:round/>
+                      <a:headEnd type="none" w="med" len="med"/>
+                      <a:tailEnd type="none" w="med" len="med"/>
+                    </a:lnT>
+                    <a:lnB w="6350" cap="flat" cmpd="sng" algn="ctr">
+                      <a:solidFill>
+                        <a:srgbClr val="000000"/>
+                      </a:solidFill>
+                      <a:prstDash val="solid"/>
+                      <a:round/>
+                      <a:headEnd type="none" w="med" len="med"/>
+                      <a:tailEnd type="none" w="med" len="med"/>
+                    </a:lnB>
+                  </a:tcPr>
+                </a:tc>
+                <a:tc>
+                  <a:txBody>
+                    <a:bodyPr/>
+                    <a:lstStyle/>
+                    <a:p>
+                      <a:pPr algn="r" fontAlgn="b"/>
+                      <a:r>
+                        <a:rPr lang="en-US" sz="1100" b="0" i="0" u="none" strike="noStrike">
+                          <a:solidFill>
+                            <a:srgbClr val="000000"/>
+                          </a:solidFill>
+                          <a:latin typeface="Calibri"/>
+                        </a:rPr>
+                        <a:t>21</a:t>
+                      </a:r>
+                    </a:p>
+                  </a:txBody>
+                  <a:tcPr marL="0" marR="0" marT="0" marB="0" anchor="b">
+                    <a:lnL w="6350" cap="flat" cmpd="sng" algn="ctr">
+                      <a:solidFill>
+                        <a:srgbClr val="000000"/>
+                      </a:solidFill>
+                      <a:prstDash val="solid"/>
+                      <a:round/>
+                      <a:headEnd type="none" w="med" len="med"/>
+                      <a:tailEnd type="none" w="med" len="med"/>
+                    </a:lnL>
+                    <a:lnR w="6350" cap="flat" cmpd="sng" algn="ctr">
+                      <a:solidFill>
+                        <a:srgbClr val="000000"/>
+                      </a:solidFill>
+                      <a:prstDash val="solid"/>
+                      <a:round/>
+                      <a:headEnd type="none" w="med" len="med"/>
+                      <a:tailEnd type="none" w="med" len="med"/>
+                    </a:lnR>
+                    <a:lnT w="6350" cap="flat" cmpd="sng" algn="ctr">
+                      <a:solidFill>
+                        <a:srgbClr val="000000"/>
+                      </a:solidFill>
+                      <a:prstDash val="solid"/>
+                      <a:round/>
+                      <a:headEnd type="none" w="med" len="med"/>
+                      <a:tailEnd type="none" w="med" len="med"/>
+                    </a:lnT>
+                    <a:lnB w="6350" cap="flat" cmpd="sng" algn="ctr">
+                      <a:solidFill>
+                        <a:srgbClr val="000000"/>
+                      </a:solidFill>
+                      <a:prstDash val="solid"/>
+                      <a:round/>
+                      <a:headEnd type="none" w="med" len="med"/>
+                      <a:tailEnd type="none" w="med" len="med"/>
+                    </a:lnB>
+                  </a:tcPr>
+                </a:tc>
+              </a:tr>
+              <a:tr h="318445">
+                <a:tc>
+                  <a:txBody>
+                    <a:bodyPr/>
+                    <a:lstStyle/>
+                    <a:p>
+                      <a:pPr algn="l" fontAlgn="b"/>
+                      <a:r>
+                        <a:rPr lang="en-US" sz="1100" b="0" i="0" u="none" strike="noStrike">
+                          <a:solidFill>
+                            <a:srgbClr val="000000"/>
+                          </a:solidFill>
+                          <a:latin typeface="Calibri"/>
+                        </a:rPr>
+                        <a:t>Part-Time</a:t>
+                      </a:r>
+                    </a:p>
+                  </a:txBody>
+                  <a:tcPr marL="85725" marR="0" marT="0" marB="0" anchor="b">
+                    <a:lnL w="6350" cap="flat" cmpd="sng" algn="ctr">
+                      <a:solidFill>
+                        <a:srgbClr val="000000"/>
+                      </a:solidFill>
+                      <a:prstDash val="solid"/>
+                      <a:round/>
+                      <a:headEnd type="none" w="med" len="med"/>
+                      <a:tailEnd type="none" w="med" len="med"/>
+                    </a:lnL>
+                    <a:lnR w="6350" cap="flat" cmpd="sng" algn="ctr">
+                      <a:solidFill>
+                        <a:srgbClr val="000000"/>
+                      </a:solidFill>
+                      <a:prstDash val="solid"/>
+                      <a:round/>
+                      <a:headEnd type="none" w="med" len="med"/>
+                      <a:tailEnd type="none" w="med" len="med"/>
+                    </a:lnR>
+                    <a:lnT w="6350" cap="flat" cmpd="sng" algn="ctr">
+                      <a:solidFill>
+                        <a:srgbClr val="000000"/>
+                      </a:solidFill>
+                      <a:prstDash val="solid"/>
+                      <a:round/>
+                      <a:headEnd type="none" w="med" len="med"/>
+                      <a:tailEnd type="none" w="med" len="med"/>
+                    </a:lnT>
+                    <a:lnB w="6350" cap="flat" cmpd="sng" algn="ctr">
+                      <a:solidFill>
+                        <a:srgbClr val="000000"/>
+                      </a:solidFill>
+                      <a:prstDash val="solid"/>
+                      <a:round/>
+                      <a:headEnd type="none" w="med" len="med"/>
+                      <a:tailEnd type="none" w="med" len="med"/>
+                    </a:lnB>
+                  </a:tcPr>
+                </a:tc>
+                <a:tc>
+                  <a:txBody>
+                    <a:bodyPr/>
+                    <a:lstStyle/>
+                    <a:p>
+                      <a:pPr algn="r" fontAlgn="b"/>
+                      <a:r>
+                        <a:rPr lang="en-US" sz="1100" b="0" i="0" u="none" strike="noStrike">
+                          <a:solidFill>
+                            <a:srgbClr val="000000"/>
+                          </a:solidFill>
+                          <a:latin typeface="Calibri"/>
+                        </a:rPr>
+                        <a:t>3</a:t>
+                      </a:r>
+                    </a:p>
+                  </a:txBody>
+                  <a:tcPr marL="0" marR="0" marT="0" marB="0" anchor="b">
+                    <a:lnL w="6350" cap="flat" cmpd="sng" algn="ctr">
+                      <a:solidFill>
+                        <a:srgbClr val="000000"/>
+                      </a:solidFill>
+                      <a:prstDash val="solid"/>
+                      <a:round/>
+                      <a:headEnd type="none" w="med" len="med"/>
+                      <a:tailEnd type="none" w="med" len="med"/>
+                    </a:lnL>
+                    <a:lnR w="6350" cap="flat" cmpd="sng" algn="ctr">
+                      <a:solidFill>
+                        <a:srgbClr val="000000"/>
+                      </a:solidFill>
+                      <a:prstDash val="solid"/>
+                      <a:round/>
+                      <a:headEnd type="none" w="med" len="med"/>
+                      <a:tailEnd type="none" w="med" len="med"/>
+                    </a:lnR>
+                    <a:lnT w="6350" cap="flat" cmpd="sng" algn="ctr">
+                      <a:solidFill>
+                        <a:srgbClr val="000000"/>
+                      </a:solidFill>
+                      <a:prstDash val="solid"/>
+                      <a:round/>
+                      <a:headEnd type="none" w="med" len="med"/>
+                      <a:tailEnd type="none" w="med" len="med"/>
+                    </a:lnT>
+                    <a:lnB w="6350" cap="flat" cmpd="sng" algn="ctr">
+                      <a:solidFill>
+                        <a:srgbClr val="000000"/>
+                      </a:solidFill>
+                      <a:prstDash val="solid"/>
+                      <a:round/>
+                      <a:headEnd type="none" w="med" len="med"/>
+                      <a:tailEnd type="none" w="med" len="med"/>
+                    </a:lnB>
+                  </a:tcPr>
+                </a:tc>
+                <a:tc>
+                  <a:txBody>
+                    <a:bodyPr/>
+                    <a:lstStyle/>
+                    <a:p>
+                      <a:pPr algn="r" fontAlgn="b"/>
+                      <a:r>
+                        <a:rPr lang="en-US" sz="1100" b="0" i="0" u="none" strike="noStrike">
+                          <a:solidFill>
+                            <a:srgbClr val="000000"/>
+                          </a:solidFill>
+                          <a:latin typeface="Calibri"/>
+                        </a:rPr>
+                        <a:t>4</a:t>
+                      </a:r>
+                    </a:p>
+                  </a:txBody>
+                  <a:tcPr marL="0" marR="0" marT="0" marB="0" anchor="b">
+                    <a:lnL w="6350" cap="flat" cmpd="sng" algn="ctr">
+                      <a:solidFill>
+                        <a:srgbClr val="000000"/>
+                      </a:solidFill>
+                      <a:prstDash val="solid"/>
+                      <a:round/>
+                      <a:headEnd type="none" w="med" len="med"/>
+                      <a:tailEnd type="none" w="med" len="med"/>
+                    </a:lnL>
+                    <a:lnR w="6350" cap="flat" cmpd="sng" algn="ctr">
+                      <a:solidFill>
+                        <a:srgbClr val="000000"/>
+                      </a:solidFill>
+                      <a:prstDash val="solid"/>
+                      <a:round/>
+                      <a:headEnd type="none" w="med" len="med"/>
+                      <a:tailEnd type="none" w="med" len="med"/>
+                    </a:lnR>
+                    <a:lnT w="6350" cap="flat" cmpd="sng" algn="ctr">
+                      <a:solidFill>
+                        <a:srgbClr val="000000"/>
+                      </a:solidFill>
+                      <a:prstDash val="solid"/>
+                      <a:round/>
+                      <a:headEnd type="none" w="med" len="med"/>
+                      <a:tailEnd type="none" w="med" len="med"/>
+                    </a:lnT>
+                    <a:lnB w="6350" cap="flat" cmpd="sng" algn="ctr">
+                      <a:solidFill>
+                        <a:srgbClr val="000000"/>
+                      </a:solidFill>
+                      <a:prstDash val="solid"/>
+                      <a:round/>
+                      <a:headEnd type="none" w="med" len="med"/>
+                      <a:tailEnd type="none" w="med" len="med"/>
+                    </a:lnB>
+                  </a:tcPr>
+                </a:tc>
+                <a:tc>
+                  <a:txBody>
+                    <a:bodyPr/>
+                    <a:lstStyle/>
+                    <a:p>
+                      <a:pPr algn="r" fontAlgn="b"/>
+                      <a:r>
+                        <a:rPr lang="en-US" sz="1100" b="0" i="0" u="none" strike="noStrike">
+                          <a:solidFill>
+                            <a:srgbClr val="000000"/>
+                          </a:solidFill>
+                          <a:latin typeface="Calibri"/>
+                        </a:rPr>
+                        <a:t>5</a:t>
+                      </a:r>
+                    </a:p>
+                  </a:txBody>
+                  <a:tcPr marL="0" marR="0" marT="0" marB="0" anchor="b">
+                    <a:lnL w="6350" cap="flat" cmpd="sng" algn="ctr">
+                      <a:solidFill>
+                        <a:srgbClr val="000000"/>
+                      </a:solidFill>
+                      <a:prstDash val="solid"/>
+                      <a:round/>
+                      <a:headEnd type="none" w="med" len="med"/>
+                      <a:tailEnd type="none" w="med" len="med"/>
+                    </a:lnL>
+                    <a:lnR w="6350" cap="flat" cmpd="sng" algn="ctr">
+                      <a:solidFill>
+                        <a:srgbClr val="000000"/>
+                      </a:solidFill>
+                      <a:prstDash val="solid"/>
+                      <a:round/>
+                      <a:headEnd type="none" w="med" len="med"/>
+                      <a:tailEnd type="none" w="med" len="med"/>
+                    </a:lnR>
+                    <a:lnT w="6350" cap="flat" cmpd="sng" algn="ctr">
+                      <a:solidFill>
+                        <a:srgbClr val="000000"/>
+                      </a:solidFill>
+                      <a:prstDash val="solid"/>
+                      <a:round/>
+                      <a:headEnd type="none" w="med" len="med"/>
+                      <a:tailEnd type="none" w="med" len="med"/>
+                    </a:lnT>
+                    <a:lnB w="6350" cap="flat" cmpd="sng" algn="ctr">
+                      <a:solidFill>
+                        <a:srgbClr val="000000"/>
+                      </a:solidFill>
+                      <a:prstDash val="solid"/>
+                      <a:round/>
+                      <a:headEnd type="none" w="med" len="med"/>
+                      <a:tailEnd type="none" w="med" len="med"/>
+                    </a:lnB>
+                  </a:tcPr>
+                </a:tc>
+                <a:tc>
+                  <a:txBody>
+                    <a:bodyPr/>
+                    <a:lstStyle/>
+                    <a:p>
+                      <a:pPr algn="l" fontAlgn="b"/>
+                      <a:r>
+                        <a:rPr lang="en-US" sz="1100" b="0" i="0" u="none" strike="noStrike">
+                          <a:solidFill>
+                            <a:srgbClr val="000000"/>
+                          </a:solidFill>
+                          <a:latin typeface="Calibri"/>
+                        </a:rPr>
+                        <a:t> </a:t>
+                      </a:r>
+                    </a:p>
+                  </a:txBody>
+                  <a:tcPr marL="0" marR="0" marT="0" marB="0" anchor="b">
+                    <a:lnL w="6350" cap="flat" cmpd="sng" algn="ctr">
+                      <a:solidFill>
+                        <a:srgbClr val="000000"/>
+                      </a:solidFill>
+                      <a:prstDash val="solid"/>
+                      <a:round/>
+                      <a:headEnd type="none" w="med" len="med"/>
+                      <a:tailEnd type="none" w="med" len="med"/>
+                    </a:lnL>
+                    <a:lnR w="6350" cap="flat" cmpd="sng" algn="ctr">
+                      <a:solidFill>
+                        <a:srgbClr val="000000"/>
+                      </a:solidFill>
+                      <a:prstDash val="solid"/>
+                      <a:round/>
+                      <a:headEnd type="none" w="med" len="med"/>
+                      <a:tailEnd type="none" w="med" len="med"/>
+                    </a:lnR>
+                    <a:lnT w="6350" cap="flat" cmpd="sng" algn="ctr">
+                      <a:solidFill>
+                        <a:srgbClr val="000000"/>
+                      </a:solidFill>
+                      <a:prstDash val="solid"/>
+                      <a:round/>
+                      <a:headEnd type="none" w="med" len="med"/>
+                      <a:tailEnd type="none" w="med" len="med"/>
+                    </a:lnT>
+                    <a:lnB w="6350" cap="flat" cmpd="sng" algn="ctr">
+                      <a:solidFill>
+                        <a:srgbClr val="000000"/>
+                      </a:solidFill>
+                      <a:prstDash val="solid"/>
+                      <a:round/>
+                      <a:headEnd type="none" w="med" len="med"/>
+                      <a:tailEnd type="none" w="med" len="med"/>
+                    </a:lnB>
+                  </a:tcPr>
+                </a:tc>
+                <a:tc>
+                  <a:txBody>
+                    <a:bodyPr/>
+                    <a:lstStyle/>
+                    <a:p>
+                      <a:pPr algn="r" fontAlgn="b"/>
+                      <a:r>
+                        <a:rPr lang="en-US" sz="1100" b="0" i="0" u="none" strike="noStrike">
+                          <a:solidFill>
+                            <a:srgbClr val="000000"/>
+                          </a:solidFill>
+                          <a:latin typeface="Calibri"/>
+                        </a:rPr>
+                        <a:t>2</a:t>
+                      </a:r>
+                    </a:p>
+                  </a:txBody>
+                  <a:tcPr marL="0" marR="0" marT="0" marB="0" anchor="b">
+                    <a:lnL w="6350" cap="flat" cmpd="sng" algn="ctr">
+                      <a:solidFill>
+                        <a:srgbClr val="000000"/>
+                      </a:solidFill>
+                      <a:prstDash val="solid"/>
+                      <a:round/>
+                      <a:headEnd type="none" w="med" len="med"/>
+                      <a:tailEnd type="none" w="med" len="med"/>
+                    </a:lnL>
+                    <a:lnR w="6350" cap="flat" cmpd="sng" algn="ctr">
+                      <a:solidFill>
+                        <a:srgbClr val="000000"/>
+                      </a:solidFill>
+                      <a:prstDash val="solid"/>
+                      <a:round/>
+                      <a:headEnd type="none" w="med" len="med"/>
+                      <a:tailEnd type="none" w="med" len="med"/>
+                    </a:lnR>
+                    <a:lnT w="6350" cap="flat" cmpd="sng" algn="ctr">
+                      <a:solidFill>
+                        <a:srgbClr val="000000"/>
+                      </a:solidFill>
+                      <a:prstDash val="solid"/>
+                      <a:round/>
+                      <a:headEnd type="none" w="med" len="med"/>
+                      <a:tailEnd type="none" w="med" len="med"/>
+                    </a:lnT>
+                    <a:lnB w="6350" cap="flat" cmpd="sng" algn="ctr">
+                      <a:solidFill>
+                        <a:srgbClr val="000000"/>
+                      </a:solidFill>
+                      <a:prstDash val="solid"/>
+                      <a:round/>
+                      <a:headEnd type="none" w="med" len="med"/>
+                      <a:tailEnd type="none" w="med" len="med"/>
+                    </a:lnB>
+                  </a:tcPr>
+                </a:tc>
+                <a:tc>
+                  <a:txBody>
+                    <a:bodyPr/>
+                    <a:lstStyle/>
+                    <a:p>
+                      <a:pPr algn="r" fontAlgn="b"/>
+                      <a:r>
+                        <a:rPr lang="en-US" sz="1100" b="0" i="0" u="none" strike="noStrike">
+                          <a:solidFill>
+                            <a:srgbClr val="000000"/>
+                          </a:solidFill>
+                          <a:latin typeface="Calibri"/>
+                        </a:rPr>
+                        <a:t>14</a:t>
+                      </a:r>
+                    </a:p>
+                  </a:txBody>
+                  <a:tcPr marL="0" marR="0" marT="0" marB="0" anchor="b">
+                    <a:lnL w="6350" cap="flat" cmpd="sng" algn="ctr">
+                      <a:solidFill>
+                        <a:srgbClr val="000000"/>
+                      </a:solidFill>
+                      <a:prstDash val="solid"/>
+                      <a:round/>
+                      <a:headEnd type="none" w="med" len="med"/>
+                      <a:tailEnd type="none" w="med" len="med"/>
+                    </a:lnL>
+                    <a:lnR w="6350" cap="flat" cmpd="sng" algn="ctr">
+                      <a:solidFill>
+                        <a:srgbClr val="000000"/>
+                      </a:solidFill>
+                      <a:prstDash val="solid"/>
+                      <a:round/>
+                      <a:headEnd type="none" w="med" len="med"/>
+                      <a:tailEnd type="none" w="med" len="med"/>
+                    </a:lnR>
+                    <a:lnT w="6350" cap="flat" cmpd="sng" algn="ctr">
+                      <a:solidFill>
+                        <a:srgbClr val="000000"/>
+                      </a:solidFill>
+                      <a:prstDash val="solid"/>
+                      <a:round/>
+                      <a:headEnd type="none" w="med" len="med"/>
+                      <a:tailEnd type="none" w="med" len="med"/>
+                    </a:lnT>
+                    <a:lnB w="6350" cap="flat" cmpd="sng" algn="ctr">
+                      <a:solidFill>
+                        <a:srgbClr val="000000"/>
+                      </a:solidFill>
+                      <a:prstDash val="solid"/>
+                      <a:round/>
+                      <a:headEnd type="none" w="med" len="med"/>
+                      <a:tailEnd type="none" w="med" len="med"/>
+                    </a:lnB>
+                  </a:tcPr>
+                </a:tc>
+              </a:tr>
+              <a:tr h="318445">
+                <a:tc>
+                  <a:txBody>
+                    <a:bodyPr/>
+                    <a:lstStyle/>
+                    <a:p>
+                      <a:pPr algn="l" fontAlgn="b"/>
+                      <a:r>
+                        <a:rPr lang="en-US" sz="1100" b="1" i="0" u="none" strike="noStrike">
+                          <a:solidFill>
+                            <a:srgbClr val="000000"/>
+                          </a:solidFill>
+                          <a:latin typeface="Calibri"/>
+                        </a:rPr>
+                        <a:t>Grand Total</a:t>
+                      </a:r>
+                    </a:p>
+                  </a:txBody>
+                  <a:tcPr marL="0" marR="0" marT="0" marB="0" anchor="b">
+                    <a:lnL w="6350" cap="flat" cmpd="sng" algn="ctr">
+                      <a:solidFill>
+                        <a:srgbClr val="000000"/>
+                      </a:solidFill>
+                      <a:prstDash val="solid"/>
+                      <a:round/>
+                      <a:headEnd type="none" w="med" len="med"/>
+                      <a:tailEnd type="none" w="med" len="med"/>
+                    </a:lnL>
+                    <a:lnR w="6350" cap="flat" cmpd="sng" algn="ctr">
+                      <a:solidFill>
+                        <a:srgbClr val="000000"/>
+                      </a:solidFill>
+                      <a:prstDash val="solid"/>
+                      <a:round/>
+                      <a:headEnd type="none" w="med" len="med"/>
+                      <a:tailEnd type="none" w="med" len="med"/>
+                    </a:lnR>
+                    <a:lnT w="6350" cap="flat" cmpd="sng" algn="ctr">
+                      <a:solidFill>
+                        <a:srgbClr val="000000"/>
+                      </a:solidFill>
+                      <a:prstDash val="solid"/>
+                      <a:round/>
+                      <a:headEnd type="none" w="med" len="med"/>
+                      <a:tailEnd type="none" w="med" len="med"/>
+                    </a:lnT>
+                    <a:lnB w="6350" cap="flat" cmpd="sng" algn="ctr">
+                      <a:solidFill>
+                        <a:srgbClr val="000000"/>
+                      </a:solidFill>
+                      <a:prstDash val="solid"/>
+                      <a:round/>
+                      <a:headEnd type="none" w="med" len="med"/>
+                      <a:tailEnd type="none" w="med" len="med"/>
+                    </a:lnB>
+                    <a:solidFill>
+                      <a:srgbClr val="DBE5F1"/>
+                    </a:solidFill>
+                  </a:tcPr>
+                </a:tc>
+                <a:tc>
+                  <a:txBody>
+                    <a:bodyPr/>
+                    <a:lstStyle/>
+                    <a:p>
+                      <a:pPr algn="r" fontAlgn="b"/>
+                      <a:r>
+                        <a:rPr lang="en-US" sz="1100" b="1" i="0" u="none" strike="noStrike">
+                          <a:solidFill>
+                            <a:srgbClr val="000000"/>
+                          </a:solidFill>
+                          <a:latin typeface="Calibri"/>
+                        </a:rPr>
+                        <a:t>14</a:t>
+                      </a:r>
+                    </a:p>
+                  </a:txBody>
+                  <a:tcPr marL="0" marR="0" marT="0" marB="0" anchor="b">
+                    <a:lnL w="6350" cap="flat" cmpd="sng" algn="ctr">
+                      <a:solidFill>
+                        <a:srgbClr val="000000"/>
+                      </a:solidFill>
+                      <a:prstDash val="solid"/>
+                      <a:round/>
+                      <a:headEnd type="none" w="med" len="med"/>
+                      <a:tailEnd type="none" w="med" len="med"/>
+                    </a:lnL>
+                    <a:lnR w="6350" cap="flat" cmpd="sng" algn="ctr">
+                      <a:solidFill>
+                        <a:srgbClr val="000000"/>
+                      </a:solidFill>
+                      <a:prstDash val="solid"/>
+                      <a:round/>
+                      <a:headEnd type="none" w="med" len="med"/>
+                      <a:tailEnd type="none" w="med" len="med"/>
+                    </a:lnR>
+                    <a:lnT w="6350" cap="flat" cmpd="sng" algn="ctr">
+                      <a:solidFill>
+                        <a:srgbClr val="000000"/>
+                      </a:solidFill>
+                      <a:prstDash val="solid"/>
+                      <a:round/>
+                      <a:headEnd type="none" w="med" len="med"/>
+                      <a:tailEnd type="none" w="med" len="med"/>
+                    </a:lnT>
+                    <a:lnB w="6350" cap="flat" cmpd="sng" algn="ctr">
+                      <a:solidFill>
+                        <a:srgbClr val="000000"/>
+                      </a:solidFill>
+                      <a:prstDash val="solid"/>
+                      <a:round/>
+                      <a:headEnd type="none" w="med" len="med"/>
+                      <a:tailEnd type="none" w="med" len="med"/>
+                    </a:lnB>
+                    <a:solidFill>
+                      <a:srgbClr val="DBE5F1"/>
+                    </a:solidFill>
+                  </a:tcPr>
+                </a:tc>
+                <a:tc>
+                  <a:txBody>
+                    <a:bodyPr/>
+                    <a:lstStyle/>
+                    <a:p>
+                      <a:pPr algn="r" fontAlgn="b"/>
+                      <a:r>
+                        <a:rPr lang="en-US" sz="1100" b="1" i="0" u="none" strike="noStrike">
+                          <a:solidFill>
+                            <a:srgbClr val="000000"/>
+                          </a:solidFill>
+                          <a:latin typeface="Calibri"/>
+                        </a:rPr>
+                        <a:t>14</a:t>
+                      </a:r>
+                    </a:p>
+                  </a:txBody>
+                  <a:tcPr marL="0" marR="0" marT="0" marB="0" anchor="b">
+                    <a:lnL w="6350" cap="flat" cmpd="sng" algn="ctr">
+                      <a:solidFill>
+                        <a:srgbClr val="000000"/>
+                      </a:solidFill>
+                      <a:prstDash val="solid"/>
+                      <a:round/>
+                      <a:headEnd type="none" w="med" len="med"/>
+                      <a:tailEnd type="none" w="med" len="med"/>
+                    </a:lnL>
+                    <a:lnR w="6350" cap="flat" cmpd="sng" algn="ctr">
+                      <a:solidFill>
+                        <a:srgbClr val="000000"/>
+                      </a:solidFill>
+                      <a:prstDash val="solid"/>
+                      <a:round/>
+                      <a:headEnd type="none" w="med" len="med"/>
+                      <a:tailEnd type="none" w="med" len="med"/>
+                    </a:lnR>
+                    <a:lnT w="6350" cap="flat" cmpd="sng" algn="ctr">
+                      <a:solidFill>
+                        <a:srgbClr val="000000"/>
+                      </a:solidFill>
+                      <a:prstDash val="solid"/>
+                      <a:round/>
+                      <a:headEnd type="none" w="med" len="med"/>
+                      <a:tailEnd type="none" w="med" len="med"/>
+                    </a:lnT>
+                    <a:lnB w="6350" cap="flat" cmpd="sng" algn="ctr">
+                      <a:solidFill>
+                        <a:srgbClr val="000000"/>
+                      </a:solidFill>
+                      <a:prstDash val="solid"/>
+                      <a:round/>
+                      <a:headEnd type="none" w="med" len="med"/>
+                      <a:tailEnd type="none" w="med" len="med"/>
+                    </a:lnB>
+                    <a:solidFill>
+                      <a:srgbClr val="DBE5F1"/>
+                    </a:solidFill>
+                  </a:tcPr>
+                </a:tc>
+                <a:tc>
+                  <a:txBody>
+                    <a:bodyPr/>
+                    <a:lstStyle/>
+                    <a:p>
+                      <a:pPr algn="r" fontAlgn="b"/>
+                      <a:r>
+                        <a:rPr lang="en-US" sz="1100" b="1" i="0" u="none" strike="noStrike">
+                          <a:solidFill>
+                            <a:srgbClr val="000000"/>
+                          </a:solidFill>
+                          <a:latin typeface="Calibri"/>
+                        </a:rPr>
+                        <a:t>19</a:t>
+                      </a:r>
+                    </a:p>
+                  </a:txBody>
+                  <a:tcPr marL="0" marR="0" marT="0" marB="0" anchor="b">
+                    <a:lnL w="6350" cap="flat" cmpd="sng" algn="ctr">
+                      <a:solidFill>
+                        <a:srgbClr val="000000"/>
+                      </a:solidFill>
+                      <a:prstDash val="solid"/>
+                      <a:round/>
+                      <a:headEnd type="none" w="med" len="med"/>
+                      <a:tailEnd type="none" w="med" len="med"/>
+                    </a:lnL>
+                    <a:lnR w="6350" cap="flat" cmpd="sng" algn="ctr">
+                      <a:solidFill>
+                        <a:srgbClr val="000000"/>
+                      </a:solidFill>
+                      <a:prstDash val="solid"/>
+                      <a:round/>
+                      <a:headEnd type="none" w="med" len="med"/>
+                      <a:tailEnd type="none" w="med" len="med"/>
+                    </a:lnR>
+                    <a:lnT w="6350" cap="flat" cmpd="sng" algn="ctr">
+                      <a:solidFill>
+                        <a:srgbClr val="000000"/>
+                      </a:solidFill>
+                      <a:prstDash val="solid"/>
+                      <a:round/>
+                      <a:headEnd type="none" w="med" len="med"/>
+                      <a:tailEnd type="none" w="med" len="med"/>
+                    </a:lnT>
+                    <a:lnB w="6350" cap="flat" cmpd="sng" algn="ctr">
+                      <a:solidFill>
+                        <a:srgbClr val="000000"/>
+                      </a:solidFill>
+                      <a:prstDash val="solid"/>
+                      <a:round/>
+                      <a:headEnd type="none" w="med" len="med"/>
+                      <a:tailEnd type="none" w="med" len="med"/>
+                    </a:lnB>
+                    <a:solidFill>
+                      <a:srgbClr val="DBE5F1"/>
+                    </a:solidFill>
+                  </a:tcPr>
+                </a:tc>
+                <a:tc>
+                  <a:txBody>
+                    <a:bodyPr/>
+                    <a:lstStyle/>
+                    <a:p>
+                      <a:pPr algn="l" fontAlgn="b"/>
+                      <a:r>
+                        <a:rPr lang="en-US" sz="1100" b="1" i="0" u="none" strike="noStrike">
+                          <a:solidFill>
+                            <a:srgbClr val="000000"/>
+                          </a:solidFill>
+                          <a:latin typeface="Calibri"/>
+                        </a:rPr>
+                        <a:t> </a:t>
+                      </a:r>
+                    </a:p>
+                  </a:txBody>
+                  <a:tcPr marL="0" marR="0" marT="0" marB="0" anchor="b">
+                    <a:lnL w="6350" cap="flat" cmpd="sng" algn="ctr">
+                      <a:solidFill>
+                        <a:srgbClr val="000000"/>
+                      </a:solidFill>
+                      <a:prstDash val="solid"/>
+                      <a:round/>
+                      <a:headEnd type="none" w="med" len="med"/>
+                      <a:tailEnd type="none" w="med" len="med"/>
+                    </a:lnL>
+                    <a:lnR w="6350" cap="flat" cmpd="sng" algn="ctr">
+                      <a:solidFill>
+                        <a:srgbClr val="000000"/>
+                      </a:solidFill>
+                      <a:prstDash val="solid"/>
+                      <a:round/>
+                      <a:headEnd type="none" w="med" len="med"/>
+                      <a:tailEnd type="none" w="med" len="med"/>
+                    </a:lnR>
+                    <a:lnT w="6350" cap="flat" cmpd="sng" algn="ctr">
+                      <a:solidFill>
+                        <a:srgbClr val="000000"/>
+                      </a:solidFill>
+                      <a:prstDash val="solid"/>
+                      <a:round/>
+                      <a:headEnd type="none" w="med" len="med"/>
+                      <a:tailEnd type="none" w="med" len="med"/>
+                    </a:lnT>
+                    <a:lnB w="6350" cap="flat" cmpd="sng" algn="ctr">
+                      <a:solidFill>
+                        <a:srgbClr val="000000"/>
+                      </a:solidFill>
+                      <a:prstDash val="solid"/>
+                      <a:round/>
+                      <a:headEnd type="none" w="med" len="med"/>
+                      <a:tailEnd type="none" w="med" len="med"/>
+                    </a:lnB>
+                    <a:solidFill>
+                      <a:srgbClr val="DBE5F1"/>
+                    </a:solidFill>
+                  </a:tcPr>
+                </a:tc>
+                <a:tc>
+                  <a:txBody>
+                    <a:bodyPr/>
+                    <a:lstStyle/>
+                    <a:p>
+                      <a:pPr algn="r" fontAlgn="b"/>
+                      <a:r>
+                        <a:rPr lang="en-US" sz="1100" b="1" i="0" u="none" strike="noStrike">
+                          <a:solidFill>
+                            <a:srgbClr val="000000"/>
+                          </a:solidFill>
+                          <a:latin typeface="Calibri"/>
+                        </a:rPr>
+                        <a:t>12</a:t>
+                      </a:r>
+                    </a:p>
+                  </a:txBody>
+                  <a:tcPr marL="0" marR="0" marT="0" marB="0" anchor="b">
+                    <a:lnL w="6350" cap="flat" cmpd="sng" algn="ctr">
+                      <a:solidFill>
+                        <a:srgbClr val="000000"/>
+                      </a:solidFill>
+                      <a:prstDash val="solid"/>
+                      <a:round/>
+                      <a:headEnd type="none" w="med" len="med"/>
+                      <a:tailEnd type="none" w="med" len="med"/>
+                    </a:lnL>
+                    <a:lnR w="6350" cap="flat" cmpd="sng" algn="ctr">
+                      <a:solidFill>
+                        <a:srgbClr val="000000"/>
+                      </a:solidFill>
+                      <a:prstDash val="solid"/>
+                      <a:round/>
+                      <a:headEnd type="none" w="med" len="med"/>
+                      <a:tailEnd type="none" w="med" len="med"/>
+                    </a:lnR>
+                    <a:lnT w="6350" cap="flat" cmpd="sng" algn="ctr">
+                      <a:solidFill>
+                        <a:srgbClr val="000000"/>
+                      </a:solidFill>
+                      <a:prstDash val="solid"/>
+                      <a:round/>
+                      <a:headEnd type="none" w="med" len="med"/>
+                      <a:tailEnd type="none" w="med" len="med"/>
+                    </a:lnT>
+                    <a:lnB w="6350" cap="flat" cmpd="sng" algn="ctr">
+                      <a:solidFill>
+                        <a:srgbClr val="000000"/>
+                      </a:solidFill>
+                      <a:prstDash val="solid"/>
+                      <a:round/>
+                      <a:headEnd type="none" w="med" len="med"/>
+                      <a:tailEnd type="none" w="med" len="med"/>
+                    </a:lnB>
+                    <a:solidFill>
+                      <a:srgbClr val="DBE5F1"/>
+                    </a:solidFill>
+                  </a:tcPr>
+                </a:tc>
+                <a:tc>
+                  <a:txBody>
+                    <a:bodyPr/>
+                    <a:lstStyle/>
+                    <a:p>
+                      <a:pPr algn="r" fontAlgn="b"/>
+                      <a:r>
+                        <a:rPr lang="en-US" sz="1100" b="1" i="0" u="none" strike="noStrike" dirty="0">
+                          <a:solidFill>
+                            <a:srgbClr val="000000"/>
+                          </a:solidFill>
+                          <a:latin typeface="Calibri"/>
+                        </a:rPr>
+                        <a:t>59</a:t>
+                      </a:r>
+                    </a:p>
+                  </a:txBody>
+                  <a:tcPr marL="0" marR="0" marT="0" marB="0" anchor="b">
+                    <a:lnL w="6350" cap="flat" cmpd="sng" algn="ctr">
+                      <a:solidFill>
+                        <a:srgbClr val="000000"/>
+                      </a:solidFill>
+                      <a:prstDash val="solid"/>
+                      <a:round/>
+                      <a:headEnd type="none" w="med" len="med"/>
+                      <a:tailEnd type="none" w="med" len="med"/>
+                    </a:lnL>
+                    <a:lnR w="6350" cap="flat" cmpd="sng" algn="ctr">
+                      <a:solidFill>
+                        <a:srgbClr val="000000"/>
+                      </a:solidFill>
+                      <a:prstDash val="solid"/>
+                      <a:round/>
+                      <a:headEnd type="none" w="med" len="med"/>
+                      <a:tailEnd type="none" w="med" len="med"/>
+                    </a:lnR>
+                    <a:lnT w="6350" cap="flat" cmpd="sng" algn="ctr">
+                      <a:solidFill>
+                        <a:srgbClr val="000000"/>
+                      </a:solidFill>
+                      <a:prstDash val="solid"/>
+                      <a:round/>
+                      <a:headEnd type="none" w="med" len="med"/>
+                      <a:tailEnd type="none" w="med" len="med"/>
+                    </a:lnT>
+                    <a:lnB w="6350" cap="flat" cmpd="sng" algn="ctr">
+                      <a:solidFill>
+                        <a:srgbClr val="000000"/>
+                      </a:solidFill>
+                      <a:prstDash val="solid"/>
+                      <a:round/>
+                      <a:headEnd type="none" w="med" len="med"/>
+                      <a:tailEnd type="none" w="med" len="med"/>
+                    </a:lnB>
+                    <a:solidFill>
+                      <a:srgbClr val="DBE5F1"/>
+                    </a:solidFill>
+                  </a:tcPr>
+                </a:tc>
+              </a:tr>
+            </a:tbl>
+          </a:graphicData>
+        </a:graphic>
+      </p:graphicFrame>
     </p:spTree>
   </p:cSld>
   <p:clrMapOvr>
@@ -3582,10 +9414,74 @@
       </p:grpSpPr>
       <p:sp>
         <p:nvSpPr>
+          <p:cNvPr id="2" name="Title 1"/>
+          <p:cNvSpPr>
+            <a:spLocks noGrp="1"/>
+          </p:cNvSpPr>
+          <p:nvPr>
+            <p:ph type="title"/>
+          </p:nvPr>
+        </p:nvSpPr>
+        <p:spPr/>
+        <p:txBody>
+          <a:bodyPr/>
+          <a:lstStyle/>
+          <a:p>
+            <a:r>
+              <a:rPr lang="en-US" dirty="0" smtClean="0"/>
+              <a:t>CHART</a:t>
+            </a:r>
+            <a:endParaRPr lang="en-US" dirty="0"/>
+          </a:p>
+        </p:txBody>
+      </p:sp>
+      <p:graphicFrame>
+        <p:nvGraphicFramePr>
+          <p:cNvPr id="3" name="Chart 2"/>
+          <p:cNvGraphicFramePr/>
+          <p:nvPr/>
+        </p:nvGraphicFramePr>
+        <p:xfrm>
+          <a:off x="1295400" y="1600200"/>
+          <a:ext cx="8991600" cy="3886200"/>
+        </p:xfrm>
+        <a:graphic>
+          <a:graphicData uri="http://schemas.openxmlformats.org/drawingml/2006/chart">
+            <c:chart xmlns:c="http://schemas.openxmlformats.org/drawingml/2006/chart" xmlns:r="http://schemas.openxmlformats.org/officeDocument/2006/relationships" r:id="rId2"/>
+          </a:graphicData>
+        </a:graphic>
+      </p:graphicFrame>
+    </p:spTree>
+  </p:cSld>
+  <p:clrMapOvr>
+    <a:masterClrMapping/>
+  </p:clrMapOvr>
+</p:sld>
+</file>
+
+<file path=ppt/slides/slide13.xml><?xml version="1.0" encoding="utf-8"?>
+<p:sld xmlns:a="http://schemas.openxmlformats.org/drawingml/2006/main" xmlns:r="http://schemas.openxmlformats.org/officeDocument/2006/relationships" xmlns:p="http://schemas.openxmlformats.org/presentationml/2006/main">
+  <p:cSld>
+    <p:spTree>
+      <p:nvGrpSpPr>
+        <p:cNvPr id="1" name=""/>
+        <p:cNvGrpSpPr/>
+        <p:nvPr/>
+      </p:nvGrpSpPr>
+      <p:grpSpPr>
+        <a:xfrm>
+          <a:off x="0" y="0"/>
+          <a:ext cx="0" cy="0"/>
+          <a:chOff x="0" y="0"/>
+          <a:chExt cx="0" cy="0"/>
+        </a:xfrm>
+      </p:grpSpPr>
+      <p:sp>
+        <p:nvSpPr>
           <p:cNvPr id="2" name="Title 1">
             <a:extLst>
               <a:ext uri="{FF2B5EF4-FFF2-40B4-BE49-F238E27FC236}">
-                <a16:creationId xmlns:a16="http://schemas.microsoft.com/office/drawing/2014/main" xmlns="" id="{F9A5CB5B-BDD0-5A64-1A7C-37D3C88F8F9E}"/>
+                <a16:creationId xmlns="" xmlns:a16="http://schemas.microsoft.com/office/drawing/2014/main" id="{F9A5CB5B-BDD0-5A64-1A7C-37D3C88F8F9E}"/>
               </a:ext>
             </a:extLst>
           </p:cNvPr>
@@ -3615,10 +9511,45 @@
           </a:p>
         </p:txBody>
       </p:sp>
+      <p:sp>
+        <p:nvSpPr>
+          <p:cNvPr id="3" name="Rectangle 2"/>
+          <p:cNvSpPr/>
+          <p:nvPr/>
+        </p:nvSpPr>
+        <p:spPr>
+          <a:xfrm>
+            <a:off x="1600200" y="1600200"/>
+            <a:ext cx="7543800" cy="2308324"/>
+          </a:xfrm>
+          <a:prstGeom prst="rect">
+            <a:avLst/>
+          </a:prstGeom>
+        </p:spPr>
+        <p:txBody>
+          <a:bodyPr wrap="square">
+            <a:spAutoFit/>
+          </a:bodyPr>
+          <a:lstStyle/>
+          <a:p>
+            <a:r>
+              <a:rPr lang="en-US" sz="3600" dirty="0" smtClean="0">
+                <a:latin typeface="Times" pitchFamily="18" charset="0"/>
+              </a:rPr>
+              <a:t>By leveraging pivot tables, we can effectively monitor and address employee attrition, fostering a more stable and engaged workforce</a:t>
+            </a:r>
+            <a:r>
+              <a:rPr lang="en-US" sz="3600" dirty="0" smtClean="0"/>
+              <a:t>.”</a:t>
+            </a:r>
+            <a:endParaRPr lang="en-US" sz="3600" dirty="0"/>
+          </a:p>
+        </p:txBody>
+      </p:sp>
     </p:spTree>
     <p:extLst>
       <p:ext uri="{BB962C8B-B14F-4D97-AF65-F5344CB8AC3E}">
-        <p14:creationId xmlns:p14="http://schemas.microsoft.com/office/powerpoint/2010/main" xmlns="" val="2986442291"/>
+        <p14:creationId xmlns="" xmlns:p14="http://schemas.microsoft.com/office/powerpoint/2010/main" val="2986442291"/>
       </p:ext>
     </p:extLst>
   </p:cSld>
@@ -4512,7 +10443,7 @@
           <p:cNvPr id="23" name="TextBox 22">
             <a:extLst>
               <a:ext uri="{FF2B5EF4-FFF2-40B4-BE49-F238E27FC236}">
-                <a16:creationId xmlns:a16="http://schemas.microsoft.com/office/drawing/2014/main" xmlns="" id="{F691EEC8-E83B-8506-163B-F39E906CCC0A}"/>
+                <a16:creationId xmlns="" xmlns:a16="http://schemas.microsoft.com/office/drawing/2014/main" id="{F691EEC8-E83B-8506-163B-F39E906CCC0A}"/>
               </a:ext>
             </a:extLst>
           </p:cNvPr>
@@ -5816,7 +11747,7 @@
           <p:cNvPr id="23" name="TextBox 22">
             <a:extLst>
               <a:ext uri="{FF2B5EF4-FFF2-40B4-BE49-F238E27FC236}">
-                <a16:creationId xmlns:a16="http://schemas.microsoft.com/office/drawing/2014/main" xmlns="" id="{D0827FA3-A9D4-0FE5-45BE-664C8C920E82}"/>
+                <a16:creationId xmlns="" xmlns:a16="http://schemas.microsoft.com/office/drawing/2014/main" id="{D0827FA3-A9D4-0FE5-45BE-664C8C920E82}"/>
               </a:ext>
             </a:extLst>
           </p:cNvPr>
@@ -6457,13 +12388,7 @@
               <a:rPr lang="en-US" sz="2800" dirty="0" smtClean="0">
                 <a:latin typeface="Times" pitchFamily="18" charset="0"/>
               </a:rPr>
-              <a:t>To use an Excel dashboard to track and analyze employee attrition rates in order to identify trends and key factors contributing to employee turnover</a:t>
-            </a:r>
-            <a:r>
-              <a:rPr lang="en-US" sz="2800" dirty="0" smtClean="0">
-                <a:latin typeface="Times" pitchFamily="18" charset="0"/>
-              </a:rPr>
-              <a:t>.</a:t>
+              <a:t>To use an Excel dashboard to track and analyze employee attrition rates in order to identify trends and key factors contributing to employee turnover.</a:t>
             </a:r>
           </a:p>
           <a:p>
@@ -6821,7 +12746,7 @@
           <p:cNvPr id="11" name="TextBox 10">
             <a:extLst>
               <a:ext uri="{FF2B5EF4-FFF2-40B4-BE49-F238E27FC236}">
-                <a16:creationId xmlns:a16="http://schemas.microsoft.com/office/drawing/2014/main" xmlns="" id="{F050B57B-77CA-84FA-9910-3F41C17BBB48}"/>
+                <a16:creationId xmlns="" xmlns:a16="http://schemas.microsoft.com/office/drawing/2014/main" id="{F050B57B-77CA-84FA-9910-3F41C17BBB48}"/>
               </a:ext>
             </a:extLst>
           </p:cNvPr>
@@ -6869,19 +12794,7 @@
               <a:rPr lang="en-US" sz="2400" dirty="0" smtClean="0">
                 <a:latin typeface="Times" pitchFamily="18" charset="0"/>
               </a:rPr>
-              <a:t>Develop </a:t>
-            </a:r>
-            <a:r>
-              <a:rPr lang="en-US" sz="2400" dirty="0" smtClean="0">
-                <a:latin typeface="Times" pitchFamily="18" charset="0"/>
-              </a:rPr>
-              <a:t>charts and graphs to show attrition rates over time</a:t>
-            </a:r>
-            <a:r>
-              <a:rPr lang="en-US" sz="2400" dirty="0" smtClean="0">
-                <a:latin typeface="Times" pitchFamily="18" charset="0"/>
-              </a:rPr>
-              <a:t>.</a:t>
+              <a:t>Develop charts and graphs to show attrition rates over time.</a:t>
             </a:r>
           </a:p>
           <a:p>
@@ -6893,19 +12806,7 @@
               <a:rPr lang="en-US" sz="2400" dirty="0" smtClean="0">
                 <a:latin typeface="Times" pitchFamily="18" charset="0"/>
               </a:rPr>
-              <a:t> Break </a:t>
-            </a:r>
-            <a:r>
-              <a:rPr lang="en-US" sz="2400" dirty="0" smtClean="0">
-                <a:latin typeface="Times" pitchFamily="18" charset="0"/>
-              </a:rPr>
-              <a:t>down attrition data by age, gender, department, and tenure to identify patterns</a:t>
-            </a:r>
-            <a:r>
-              <a:rPr lang="en-US" sz="2400" dirty="0" smtClean="0">
-                <a:latin typeface="Times" pitchFamily="18" charset="0"/>
-              </a:rPr>
-              <a:t>.</a:t>
+              <a:t> Break down attrition data by age, gender, department, and tenure to identify patterns.</a:t>
             </a:r>
           </a:p>
           <a:p>
@@ -6917,19 +12818,7 @@
               <a:rPr lang="en-US" sz="2400" dirty="0" smtClean="0">
                 <a:latin typeface="Times" pitchFamily="18" charset="0"/>
               </a:rPr>
-              <a:t>Analyze </a:t>
-            </a:r>
-            <a:r>
-              <a:rPr lang="en-US" sz="2400" dirty="0" smtClean="0">
-                <a:latin typeface="Times" pitchFamily="18" charset="0"/>
-              </a:rPr>
-              <a:t>common reasons for employee departures to address potential issues</a:t>
-            </a:r>
-            <a:r>
-              <a:rPr lang="en-US" sz="2400" dirty="0" smtClean="0">
-                <a:latin typeface="Times" pitchFamily="18" charset="0"/>
-              </a:rPr>
-              <a:t>.</a:t>
+              <a:t>Analyze common reasons for employee departures to address potential issues.</a:t>
             </a:r>
           </a:p>
           <a:p>
@@ -6941,13 +12830,7 @@
               <a:rPr lang="en-US" sz="2400" dirty="0" smtClean="0">
                 <a:latin typeface="Times" pitchFamily="18" charset="0"/>
               </a:rPr>
-              <a:t>Generate </a:t>
-            </a:r>
-            <a:r>
-              <a:rPr lang="en-US" sz="2400" dirty="0" smtClean="0">
-                <a:latin typeface="Times" pitchFamily="18" charset="0"/>
-              </a:rPr>
-              <a:t>recommendations based on data to enhance retention strategies.</a:t>
+              <a:t>Generate recommendations based on data to enhance retention strategies.</a:t>
             </a:r>
             <a:endParaRPr lang="en-US" sz="2400" b="0" i="0" dirty="0">
               <a:solidFill>
@@ -7403,19 +13286,7 @@
               <a:rPr lang="en-US" sz="2800" dirty="0" smtClean="0">
                 <a:latin typeface="Times" pitchFamily="18" charset="0"/>
               </a:rPr>
-              <a:t>identify </a:t>
-            </a:r>
-            <a:r>
-              <a:rPr lang="en-US" sz="2800" dirty="0" smtClean="0">
-                <a:latin typeface="Times" pitchFamily="18" charset="0"/>
-              </a:rPr>
-              <a:t>patterns related to employee </a:t>
-            </a:r>
-            <a:r>
-              <a:rPr lang="en-US" sz="2800" dirty="0" smtClean="0">
-                <a:latin typeface="Times" pitchFamily="18" charset="0"/>
-              </a:rPr>
-              <a:t>turnover</a:t>
+              <a:t>identify patterns related to employee turnover</a:t>
             </a:r>
           </a:p>
           <a:p>
@@ -7434,19 +13305,7 @@
               <a:rPr lang="en-US" sz="2800" dirty="0" smtClean="0">
                 <a:latin typeface="Times" pitchFamily="18" charset="0"/>
               </a:rPr>
-              <a:t>helping </a:t>
-            </a:r>
-            <a:r>
-              <a:rPr lang="en-US" sz="2800" dirty="0" smtClean="0">
-                <a:latin typeface="Times" pitchFamily="18" charset="0"/>
-              </a:rPr>
-              <a:t>them address issues and improve team stability</a:t>
-            </a:r>
-            <a:r>
-              <a:rPr lang="en-US" sz="2800" dirty="0" smtClean="0">
-                <a:latin typeface="Times" pitchFamily="18" charset="0"/>
-              </a:rPr>
-              <a:t>.</a:t>
+              <a:t>helping them address issues and improve team stability.</a:t>
             </a:r>
           </a:p>
           <a:p>
@@ -7465,13 +13324,7 @@
               <a:rPr lang="en-US" sz="2800" dirty="0" smtClean="0">
                 <a:latin typeface="Times" pitchFamily="18" charset="0"/>
               </a:rPr>
-              <a:t>perform </a:t>
-            </a:r>
-            <a:r>
-              <a:rPr lang="en-US" sz="2800" dirty="0" smtClean="0">
-                <a:latin typeface="Times" pitchFamily="18" charset="0"/>
-              </a:rPr>
-              <a:t>deeper analyses, develop reports, and provide insights for strategic planning.</a:t>
+              <a:t>perform deeper analyses, develop reports, and provide insights for strategic planning.</a:t>
             </a:r>
           </a:p>
           <a:p>
@@ -7490,13 +13343,7 @@
               <a:rPr lang="en-US" sz="2800" dirty="0" smtClean="0">
                 <a:latin typeface="Times" pitchFamily="18" charset="0"/>
               </a:rPr>
-              <a:t>Use </a:t>
-            </a:r>
-            <a:r>
-              <a:rPr lang="en-US" sz="2800" dirty="0" smtClean="0">
-                <a:latin typeface="Times" pitchFamily="18" charset="0"/>
-              </a:rPr>
-              <a:t>the data to address and resolve issues related to employee dissatisfaction and turnover.</a:t>
+              <a:t>Use the data to address and resolve issues related to employee dissatisfaction and turnover.</a:t>
             </a:r>
           </a:p>
           <a:p>
@@ -8202,13 +14049,7 @@
               <a:rPr lang="en-US" sz="2000" dirty="0" smtClean="0">
                 <a:latin typeface="Times" pitchFamily="18" charset="0"/>
               </a:rPr>
-              <a:t>Breakdown of attrition by age, gender, department, and tenure using pivot tables and charts</a:t>
-            </a:r>
-            <a:r>
-              <a:rPr lang="en-US" sz="2000" dirty="0" smtClean="0">
-                <a:latin typeface="Times" pitchFamily="18" charset="0"/>
-              </a:rPr>
-              <a:t>.</a:t>
+              <a:t>Breakdown of attrition by age, gender, department, and tenure using pivot tables and charts.</a:t>
             </a:r>
           </a:p>
           <a:p>
@@ -8226,19 +14067,7 @@
               <a:rPr lang="en-US" sz="2000" dirty="0" smtClean="0">
                 <a:latin typeface="Times" pitchFamily="18" charset="0"/>
               </a:rPr>
-              <a:t>identification </a:t>
-            </a:r>
-            <a:r>
-              <a:rPr lang="en-US" sz="2000" dirty="0" smtClean="0">
-                <a:latin typeface="Times" pitchFamily="18" charset="0"/>
-              </a:rPr>
-              <a:t>of regional issues impacting turnover</a:t>
-            </a:r>
-            <a:r>
-              <a:rPr lang="en-US" sz="2000" dirty="0" smtClean="0">
-                <a:latin typeface="Times" pitchFamily="18" charset="0"/>
-              </a:rPr>
-              <a:t>.</a:t>
+              <a:t>identification of regional issues impacting turnover.</a:t>
             </a:r>
           </a:p>
           <a:p>
@@ -8445,7 +14274,7 @@
           <p:cNvPr id="2" name="Title 1">
             <a:extLst>
               <a:ext uri="{FF2B5EF4-FFF2-40B4-BE49-F238E27FC236}">
-                <a16:creationId xmlns:a16="http://schemas.microsoft.com/office/drawing/2014/main" xmlns="" id="{6E06195E-16D6-79D8-7A9F-F8EB1FE9E212}"/>
+                <a16:creationId xmlns="" xmlns:a16="http://schemas.microsoft.com/office/drawing/2014/main" id="{6E06195E-16D6-79D8-7A9F-F8EB1FE9E212}"/>
               </a:ext>
             </a:extLst>
           </p:cNvPr>
@@ -8468,10 +14297,86 @@
           </a:p>
         </p:txBody>
       </p:sp>
+      <p:sp>
+        <p:nvSpPr>
+          <p:cNvPr id="4" name="Rectangle 3"/>
+          <p:cNvSpPr/>
+          <p:nvPr/>
+        </p:nvSpPr>
+        <p:spPr>
+          <a:xfrm>
+            <a:off x="1905000" y="1371600"/>
+            <a:ext cx="6781800" cy="1384995"/>
+          </a:xfrm>
+          <a:prstGeom prst="rect">
+            <a:avLst/>
+          </a:prstGeom>
+        </p:spPr>
+        <p:txBody>
+          <a:bodyPr wrap="square">
+            <a:spAutoFit/>
+          </a:bodyPr>
+          <a:lstStyle/>
+          <a:p>
+            <a:pPr>
+              <a:buFont typeface="Arial" pitchFamily="34" charset="0"/>
+              <a:buChar char="•"/>
+            </a:pPr>
+            <a:r>
+              <a:rPr lang="en-US" sz="2800" dirty="0" smtClean="0">
+                <a:latin typeface="Times" pitchFamily="18" charset="0"/>
+              </a:rPr>
+              <a:t>Department where the employee </a:t>
+            </a:r>
+            <a:r>
+              <a:rPr lang="en-US" sz="2800" dirty="0" smtClean="0">
+                <a:latin typeface="Times" pitchFamily="18" charset="0"/>
+              </a:rPr>
+              <a:t>works</a:t>
+            </a:r>
+          </a:p>
+          <a:p>
+            <a:pPr>
+              <a:buFont typeface="Arial" pitchFamily="34" charset="0"/>
+              <a:buChar char="•"/>
+            </a:pPr>
+            <a:r>
+              <a:rPr lang="en-US" sz="2800" dirty="0" smtClean="0">
+                <a:latin typeface="Times" pitchFamily="18" charset="0"/>
+              </a:rPr>
+              <a:t>Employment </a:t>
+            </a:r>
+            <a:r>
+              <a:rPr lang="en-US" sz="2800" dirty="0" smtClean="0">
+                <a:latin typeface="Times" pitchFamily="18" charset="0"/>
+              </a:rPr>
+              <a:t>Status</a:t>
+            </a:r>
+            <a:endParaRPr lang="en-US" sz="2800" dirty="0" smtClean="0">
+              <a:latin typeface="Times" pitchFamily="18" charset="0"/>
+            </a:endParaRPr>
+          </a:p>
+          <a:p>
+            <a:pPr>
+              <a:buFont typeface="Arial" pitchFamily="34" charset="0"/>
+              <a:buChar char="•"/>
+            </a:pPr>
+            <a:r>
+              <a:rPr lang="en-US" sz="2800" dirty="0" smtClean="0">
+                <a:latin typeface="Times" pitchFamily="18" charset="0"/>
+              </a:rPr>
+              <a:t>Reason for Leaving</a:t>
+            </a:r>
+            <a:endParaRPr lang="en-US" sz="2800" dirty="0">
+              <a:latin typeface="Times" pitchFamily="18" charset="0"/>
+            </a:endParaRPr>
+          </a:p>
+        </p:txBody>
+      </p:sp>
     </p:spTree>
     <p:extLst>
       <p:ext uri="{BB962C8B-B14F-4D97-AF65-F5344CB8AC3E}">
-        <p14:creationId xmlns:p14="http://schemas.microsoft.com/office/powerpoint/2010/main" xmlns="" val="2720660618"/>
+        <p14:creationId xmlns="" xmlns:p14="http://schemas.microsoft.com/office/powerpoint/2010/main" val="2720660618"/>
       </p:ext>
     </p:extLst>
   </p:cSld>
@@ -8821,28 +14726,6 @@
           </a:p>
         </p:txBody>
       </p:sp>
-      <p:pic>
-        <p:nvPicPr>
-          <p:cNvPr id="6" name="object 6"/>
-          <p:cNvPicPr/>
-          <p:nvPr/>
-        </p:nvPicPr>
-        <p:blipFill>
-          <a:blip r:embed="rId2" cstate="print"/>
-          <a:stretch>
-            <a:fillRect/>
-          </a:stretch>
-        </p:blipFill>
-        <p:spPr>
-          <a:xfrm>
-            <a:off x="66675" y="3381373"/>
-            <a:ext cx="2466975" cy="3419475"/>
-          </a:xfrm>
-          <a:prstGeom prst="rect">
-            <a:avLst/>
-          </a:prstGeom>
-        </p:spPr>
-      </p:pic>
       <p:sp>
         <p:nvSpPr>
           <p:cNvPr id="7" name="object 7"/>
@@ -8983,7 +14866,7 @@
           <p:cNvPr id="9" name="TextBox 8">
             <a:extLst>
               <a:ext uri="{FF2B5EF4-FFF2-40B4-BE49-F238E27FC236}">
-                <a16:creationId xmlns:a16="http://schemas.microsoft.com/office/drawing/2014/main" xmlns="" id="{FAD9CEB2-36E1-0550-426B-2FAF97882044}"/>
+                <a16:creationId xmlns="" xmlns:a16="http://schemas.microsoft.com/office/drawing/2014/main" id="{FAD9CEB2-36E1-0550-426B-2FAF97882044}"/>
               </a:ext>
             </a:extLst>
           </p:cNvPr>
@@ -9024,6 +14907,156 @@
               <a:latin typeface="Times New Roman" panose="02020603050405020304" pitchFamily="18" charset="0"/>
               <a:cs typeface="Times New Roman" panose="02020603050405020304" pitchFamily="18" charset="0"/>
             </a:endParaRPr>
+          </a:p>
+        </p:txBody>
+      </p:sp>
+      <p:sp>
+        <p:nvSpPr>
+          <p:cNvPr id="10" name="Rectangle 9"/>
+          <p:cNvSpPr/>
+          <p:nvPr/>
+        </p:nvSpPr>
+        <p:spPr>
+          <a:xfrm>
+            <a:off x="609600" y="1600200"/>
+            <a:ext cx="8686800" cy="4801314"/>
+          </a:xfrm>
+          <a:prstGeom prst="rect">
+            <a:avLst/>
+          </a:prstGeom>
+        </p:spPr>
+        <p:txBody>
+          <a:bodyPr wrap="square">
+            <a:spAutoFit/>
+          </a:bodyPr>
+          <a:lstStyle/>
+          <a:p>
+            <a:r>
+              <a:rPr lang="en-US" b="1" dirty="0" smtClean="0"/>
+              <a:t>1. Preparing Your Data</a:t>
+            </a:r>
+          </a:p>
+          <a:p>
+            <a:r>
+              <a:rPr lang="en-US" dirty="0" smtClean="0"/>
+              <a:t>Ensure your data is organized in a tabular format with clear headers</a:t>
+            </a:r>
+            <a:r>
+              <a:rPr lang="en-US" dirty="0" smtClean="0"/>
+              <a:t>.</a:t>
+            </a:r>
+          </a:p>
+          <a:p>
+            <a:r>
+              <a:rPr lang="en-US" b="1" dirty="0" smtClean="0"/>
+              <a:t>2. Creating a Pivot Table</a:t>
+            </a:r>
+          </a:p>
+          <a:p>
+            <a:r>
+              <a:rPr lang="en-US" b="1" dirty="0" smtClean="0"/>
+              <a:t>Select Your Data</a:t>
+            </a:r>
+            <a:r>
+              <a:rPr lang="en-US" dirty="0" smtClean="0"/>
+              <a:t>: Highlight the range of data you want to analyze, including headers.</a:t>
+            </a:r>
+          </a:p>
+          <a:p>
+            <a:r>
+              <a:rPr lang="en-US" b="1" dirty="0" smtClean="0"/>
+              <a:t>Insert Pivot Table</a:t>
+            </a:r>
+            <a:r>
+              <a:rPr lang="en-US" dirty="0" smtClean="0"/>
+              <a:t>:</a:t>
+            </a:r>
+          </a:p>
+          <a:p>
+            <a:pPr lvl="1"/>
+            <a:r>
+              <a:rPr lang="en-US" dirty="0" smtClean="0"/>
+              <a:t>Go to the </a:t>
+            </a:r>
+            <a:r>
+              <a:rPr lang="en-US" b="1" dirty="0" smtClean="0"/>
+              <a:t>Insert</a:t>
+            </a:r>
+            <a:r>
+              <a:rPr lang="en-US" dirty="0" smtClean="0"/>
+              <a:t> tab on the Ribbon.</a:t>
+            </a:r>
+          </a:p>
+          <a:p>
+            <a:pPr lvl="1"/>
+            <a:r>
+              <a:rPr lang="en-US" dirty="0" smtClean="0"/>
+              <a:t>Click on </a:t>
+            </a:r>
+            <a:r>
+              <a:rPr lang="en-US" b="1" dirty="0" smtClean="0"/>
+              <a:t>PivotTable</a:t>
+            </a:r>
+            <a:r>
+              <a:rPr lang="en-US" dirty="0" smtClean="0"/>
+              <a:t>.</a:t>
+            </a:r>
+          </a:p>
+          <a:p>
+            <a:pPr lvl="1"/>
+            <a:r>
+              <a:rPr lang="en-US" dirty="0" smtClean="0"/>
+              <a:t>Choose where you want the PivotTable report to be placed </a:t>
+            </a:r>
+          </a:p>
+          <a:p>
+            <a:r>
+              <a:rPr lang="en-US" b="1" dirty="0" smtClean="0"/>
+              <a:t>Set Up the Pivot Table</a:t>
+            </a:r>
+            <a:r>
+              <a:rPr lang="en-US" dirty="0" smtClean="0"/>
+              <a:t>:</a:t>
+            </a:r>
+          </a:p>
+          <a:p>
+            <a:r>
+              <a:rPr lang="en-US" dirty="0" smtClean="0"/>
+              <a:t>Filter :name</a:t>
+            </a:r>
+          </a:p>
+          <a:p>
+            <a:r>
+              <a:rPr lang="en-US" dirty="0" smtClean="0"/>
+              <a:t>Termination type</a:t>
+            </a:r>
+          </a:p>
+          <a:p>
+            <a:r>
+              <a:rPr lang="en-US" dirty="0" smtClean="0"/>
+              <a:t>Department type</a:t>
+            </a:r>
+          </a:p>
+          <a:p>
+            <a:r>
+              <a:rPr lang="en-US" dirty="0" smtClean="0"/>
+              <a:t>Employee type</a:t>
+            </a:r>
+          </a:p>
+          <a:p>
+            <a:r>
+              <a:rPr lang="en-US" dirty="0" smtClean="0"/>
+              <a:t>Cont of exit date</a:t>
+            </a:r>
+          </a:p>
+          <a:p>
+            <a:endParaRPr lang="en-US" dirty="0" smtClean="0"/>
+          </a:p>
+          <a:p>
+            <a:endParaRPr lang="en-US" dirty="0" smtClean="0"/>
+          </a:p>
+          <a:p>
+            <a:endParaRPr lang="en-US" dirty="0"/>
           </a:p>
         </p:txBody>
       </p:sp>
@@ -9607,7 +15640,7 @@
   <a:extraClrSchemeLst/>
   <a:extLst>
     <a:ext uri="{05A4C25C-085E-4340-85A3-A5531E510DB2}">
-      <thm15:themeFamily xmlns:thm15="http://schemas.microsoft.com/office/thememl/2012/main" xmlns="" name="Office Theme" id="{62F939B6-93AF-4DB8-9C6B-D6C7DFDC589F}" vid="{4A3C46E8-61CC-4603-A589-7422A47A8E4A}"/>
+      <thm15:themeFamily xmlns="" xmlns:thm15="http://schemas.microsoft.com/office/thememl/2012/main" name="Office Theme" id="{62F939B6-93AF-4DB8-9C6B-D6C7DFDC589F}" vid="{4A3C46E8-61CC-4603-A589-7422A47A8E4A}"/>
     </a:ext>
   </a:extLst>
 </a:theme>
